--- a/Draft Presentation.pptx
+++ b/Draft Presentation.pptx
@@ -9,12 +9,14 @@
     <p:sldId id="257" r:id="rId3"/>
     <p:sldId id="260" r:id="rId4"/>
     <p:sldId id="261" r:id="rId5"/>
-    <p:sldId id="262" r:id="rId6"/>
-    <p:sldId id="263" r:id="rId7"/>
-    <p:sldId id="258" r:id="rId8"/>
-    <p:sldId id="259" r:id="rId9"/>
-    <p:sldId id="264" r:id="rId10"/>
-    <p:sldId id="265" r:id="rId11"/>
+    <p:sldId id="266" r:id="rId6"/>
+    <p:sldId id="267" r:id="rId7"/>
+    <p:sldId id="262" r:id="rId8"/>
+    <p:sldId id="263" r:id="rId9"/>
+    <p:sldId id="258" r:id="rId10"/>
+    <p:sldId id="259" r:id="rId11"/>
+    <p:sldId id="264" r:id="rId12"/>
+    <p:sldId id="265" r:id="rId13"/>
   </p:sldIdLst>
   <p:sldSz cx="12192000" cy="6858000"/>
   <p:notesSz cx="6858000" cy="9144000"/>
@@ -113,6 +115,11 @@
       </a:defRPr>
     </a:lvl9pPr>
   </p:defaultTextStyle>
+  <p:extLst>
+    <p:ext uri="{EFAFB233-063F-42B5-8137-9DF3F51BA10A}">
+      <p15:sldGuideLst xmlns:p15="http://schemas.microsoft.com/office/powerpoint/2012/main"/>
+    </p:ext>
+  </p:extLst>
 </p:presentation>
 </file>
 
@@ -307,7 +314,7 @@
           <a:p>
             <a:fld id="{E1512C61-8B3D-4DFE-892F-15ED750C3B63}" type="datetimeFigureOut">
               <a:rPr lang="en-US" smtClean="0"/>
-              <a:t>7/31/2020</a:t>
+              <a:t>8/1/2020</a:t>
             </a:fld>
             <a:endParaRPr lang="en-US"/>
           </a:p>
@@ -743,7 +750,7 @@
           <a:p>
             <a:fld id="{E1512C61-8B3D-4DFE-892F-15ED750C3B63}" type="datetimeFigureOut">
               <a:rPr lang="en-US" smtClean="0"/>
-              <a:t>7/31/2020</a:t>
+              <a:t>8/1/2020</a:t>
             </a:fld>
             <a:endParaRPr lang="en-US"/>
           </a:p>
@@ -993,7 +1000,7 @@
           <a:p>
             <a:fld id="{E1512C61-8B3D-4DFE-892F-15ED750C3B63}" type="datetimeFigureOut">
               <a:rPr lang="en-US" smtClean="0"/>
-              <a:t>7/31/2020</a:t>
+              <a:t>8/1/2020</a:t>
             </a:fld>
             <a:endParaRPr lang="en-US"/>
           </a:p>
@@ -1301,7 +1308,7 @@
           <a:p>
             <a:fld id="{E1512C61-8B3D-4DFE-892F-15ED750C3B63}" type="datetimeFigureOut">
               <a:rPr lang="en-US" smtClean="0"/>
-              <a:t>7/31/2020</a:t>
+              <a:t>8/1/2020</a:t>
             </a:fld>
             <a:endParaRPr lang="en-US"/>
           </a:p>
@@ -1619,7 +1626,7 @@
           <a:p>
             <a:fld id="{E1512C61-8B3D-4DFE-892F-15ED750C3B63}" type="datetimeFigureOut">
               <a:rPr lang="en-US" smtClean="0"/>
-              <a:t>7/31/2020</a:t>
+              <a:t>8/1/2020</a:t>
             </a:fld>
             <a:endParaRPr lang="en-US"/>
           </a:p>
@@ -1921,7 +1928,7 @@
           <a:p>
             <a:fld id="{E1512C61-8B3D-4DFE-892F-15ED750C3B63}" type="datetimeFigureOut">
               <a:rPr lang="en-US" smtClean="0"/>
-              <a:t>7/31/2020</a:t>
+              <a:t>8/1/2020</a:t>
             </a:fld>
             <a:endParaRPr lang="en-US"/>
           </a:p>
@@ -2288,7 +2295,7 @@
           <a:p>
             <a:fld id="{E1512C61-8B3D-4DFE-892F-15ED750C3B63}" type="datetimeFigureOut">
               <a:rPr lang="en-US" smtClean="0"/>
-              <a:t>7/31/2020</a:t>
+              <a:t>8/1/2020</a:t>
             </a:fld>
             <a:endParaRPr lang="en-US"/>
           </a:p>
@@ -2462,7 +2469,7 @@
           <a:p>
             <a:fld id="{E1512C61-8B3D-4DFE-892F-15ED750C3B63}" type="datetimeFigureOut">
               <a:rPr lang="en-US" smtClean="0"/>
-              <a:t>7/31/2020</a:t>
+              <a:t>8/1/2020</a:t>
             </a:fld>
             <a:endParaRPr lang="en-US"/>
           </a:p>
@@ -2642,7 +2649,7 @@
           <a:p>
             <a:fld id="{E1512C61-8B3D-4DFE-892F-15ED750C3B63}" type="datetimeFigureOut">
               <a:rPr lang="en-US" smtClean="0"/>
-              <a:t>7/31/2020</a:t>
+              <a:t>8/1/2020</a:t>
             </a:fld>
             <a:endParaRPr lang="en-US"/>
           </a:p>
@@ -2812,7 +2819,7 @@
           <a:p>
             <a:fld id="{E1512C61-8B3D-4DFE-892F-15ED750C3B63}" type="datetimeFigureOut">
               <a:rPr lang="en-US" smtClean="0"/>
-              <a:t>7/31/2020</a:t>
+              <a:t>8/1/2020</a:t>
             </a:fld>
             <a:endParaRPr lang="en-US"/>
           </a:p>
@@ -3062,7 +3069,7 @@
           <a:p>
             <a:fld id="{E1512C61-8B3D-4DFE-892F-15ED750C3B63}" type="datetimeFigureOut">
               <a:rPr lang="en-US" smtClean="0"/>
-              <a:t>7/31/2020</a:t>
+              <a:t>8/1/2020</a:t>
             </a:fld>
             <a:endParaRPr lang="en-US"/>
           </a:p>
@@ -3298,7 +3305,7 @@
           <a:p>
             <a:fld id="{E1512C61-8B3D-4DFE-892F-15ED750C3B63}" type="datetimeFigureOut">
               <a:rPr lang="en-US" smtClean="0"/>
-              <a:t>7/31/2020</a:t>
+              <a:t>8/1/2020</a:t>
             </a:fld>
             <a:endParaRPr lang="en-US"/>
           </a:p>
@@ -3680,7 +3687,7 @@
           <a:p>
             <a:fld id="{E1512C61-8B3D-4DFE-892F-15ED750C3B63}" type="datetimeFigureOut">
               <a:rPr lang="en-US" smtClean="0"/>
-              <a:t>7/31/2020</a:t>
+              <a:t>8/1/2020</a:t>
             </a:fld>
             <a:endParaRPr lang="en-US"/>
           </a:p>
@@ -3798,7 +3805,7 @@
           <a:p>
             <a:fld id="{E1512C61-8B3D-4DFE-892F-15ED750C3B63}" type="datetimeFigureOut">
               <a:rPr lang="en-US" smtClean="0"/>
-              <a:t>7/31/2020</a:t>
+              <a:t>8/1/2020</a:t>
             </a:fld>
             <a:endParaRPr lang="en-US"/>
           </a:p>
@@ -3893,7 +3900,7 @@
           <a:p>
             <a:fld id="{E1512C61-8B3D-4DFE-892F-15ED750C3B63}" type="datetimeFigureOut">
               <a:rPr lang="en-US" smtClean="0"/>
-              <a:t>7/31/2020</a:t>
+              <a:t>8/1/2020</a:t>
             </a:fld>
             <a:endParaRPr lang="en-US"/>
           </a:p>
@@ -4148,7 +4155,7 @@
           <a:p>
             <a:fld id="{E1512C61-8B3D-4DFE-892F-15ED750C3B63}" type="datetimeFigureOut">
               <a:rPr lang="en-US" smtClean="0"/>
-              <a:t>7/31/2020</a:t>
+              <a:t>8/1/2020</a:t>
             </a:fld>
             <a:endParaRPr lang="en-US"/>
           </a:p>
@@ -4431,7 +4438,7 @@
           <a:p>
             <a:fld id="{E1512C61-8B3D-4DFE-892F-15ED750C3B63}" type="datetimeFigureOut">
               <a:rPr lang="en-US" smtClean="0"/>
-              <a:t>7/31/2020</a:t>
+              <a:t>8/1/2020</a:t>
             </a:fld>
             <a:endParaRPr lang="en-US"/>
           </a:p>
@@ -4837,7 +4844,7 @@
           <a:p>
             <a:fld id="{E1512C61-8B3D-4DFE-892F-15ED750C3B63}" type="datetimeFigureOut">
               <a:rPr lang="en-US" smtClean="0"/>
-              <a:t>7/31/2020</a:t>
+              <a:t>8/1/2020</a:t>
             </a:fld>
             <a:endParaRPr lang="en-US"/>
           </a:p>
@@ -5488,6 +5495,407 @@
           <a:p>
             <a:r>
               <a:rPr lang="en-US" sz="2000" dirty="0"/>
+              <a:t>Denver – Overview of Crime by Offense</a:t>
+            </a:r>
+          </a:p>
+        </p:txBody>
+      </p:sp>
+      <p:sp>
+        <p:nvSpPr>
+          <p:cNvPr id="3" name="TextBox 2">
+            <a:extLst>
+              <a:ext uri="{FF2B5EF4-FFF2-40B4-BE49-F238E27FC236}">
+                <a16:creationId xmlns:a16="http://schemas.microsoft.com/office/drawing/2014/main" id="{3C7E118B-15B0-482F-B997-877F829A7771}"/>
+              </a:ext>
+            </a:extLst>
+          </p:cNvPr>
+          <p:cNvSpPr txBox="1"/>
+          <p:nvPr/>
+        </p:nvSpPr>
+        <p:spPr>
+          <a:xfrm>
+            <a:off x="503339" y="906011"/>
+            <a:ext cx="11014762" cy="1815882"/>
+          </a:xfrm>
+          <a:prstGeom prst="rect">
+            <a:avLst/>
+          </a:prstGeom>
+          <a:noFill/>
+        </p:spPr>
+        <p:txBody>
+          <a:bodyPr wrap="square" rtlCol="0">
+            <a:spAutoFit/>
+          </a:bodyPr>
+          <a:lstStyle/>
+          <a:p>
+            <a:pPr marL="171450" indent="-171450">
+              <a:buFontTx/>
+              <a:buChar char="-"/>
+            </a:pPr>
+            <a:r>
+              <a:rPr lang="en-US" sz="1600" dirty="0"/>
+              <a:t>Source data and cleaning efforts</a:t>
+            </a:r>
+          </a:p>
+          <a:p>
+            <a:pPr marL="628650" lvl="1" indent="-171450">
+              <a:buFontTx/>
+              <a:buChar char="-"/>
+            </a:pPr>
+            <a:r>
+              <a:rPr lang="en-US" sz="1600" dirty="0"/>
+              <a:t>Source:  </a:t>
+            </a:r>
+            <a:r>
+              <a:rPr lang="en-US" sz="1600" dirty="0">
+                <a:hlinkClick r:id="rId2"/>
+              </a:rPr>
+              <a:t>www.denvergov.org</a:t>
+            </a:r>
+            <a:endParaRPr lang="en-US" sz="1600" dirty="0"/>
+          </a:p>
+          <a:p>
+            <a:pPr marL="628650" lvl="1" indent="-171450">
+              <a:buFontTx/>
+              <a:buChar char="-"/>
+            </a:pPr>
+            <a:r>
+              <a:rPr lang="en-US" sz="1600" dirty="0"/>
+              <a:t>Data included traffic violations; our analysis adjusted the data to exclude traffic violations and focused on property crimes and </a:t>
+            </a:r>
+            <a:r>
+              <a:rPr lang="en-US" sz="1600" dirty="0" err="1"/>
+              <a:t>criemes</a:t>
+            </a:r>
+            <a:r>
+              <a:rPr lang="en-US" sz="1600" dirty="0"/>
+              <a:t> against the person</a:t>
+            </a:r>
+          </a:p>
+          <a:p>
+            <a:pPr marL="171450" indent="-171450">
+              <a:buFontTx/>
+              <a:buChar char="-"/>
+            </a:pPr>
+            <a:r>
+              <a:rPr lang="en-US" sz="1600" dirty="0"/>
+              <a:t>During the period of our analysis (Mar 1, 2019 through June 30, 2020), Denver experienced roughly 88,000 crimes, or 181 crimes per </a:t>
+            </a:r>
+            <a:r>
+              <a:rPr lang="en-US" sz="1600" dirty="0" err="1"/>
+              <a:t>dayCommentary</a:t>
+            </a:r>
+            <a:r>
+              <a:rPr lang="en-US" sz="1600" dirty="0"/>
+              <a:t> on Denver Crime Stats</a:t>
+            </a:r>
+          </a:p>
+          <a:p>
+            <a:pPr marL="171450" indent="-171450">
+              <a:buFontTx/>
+              <a:buChar char="-"/>
+            </a:pPr>
+            <a:r>
+              <a:rPr lang="en-US" sz="1600" dirty="0"/>
+              <a:t>Insert panda </a:t>
+            </a:r>
+            <a:r>
+              <a:rPr lang="en-US" sz="1600" dirty="0" err="1"/>
+              <a:t>dataframe</a:t>
+            </a:r>
+            <a:r>
+              <a:rPr lang="en-US" sz="1600" dirty="0"/>
+              <a:t> on summary stats</a:t>
+            </a:r>
+          </a:p>
+        </p:txBody>
+      </p:sp>
+      <p:pic>
+        <p:nvPicPr>
+          <p:cNvPr id="4" name="Picture 3">
+            <a:extLst>
+              <a:ext uri="{FF2B5EF4-FFF2-40B4-BE49-F238E27FC236}">
+                <a16:creationId xmlns:a16="http://schemas.microsoft.com/office/drawing/2014/main" id="{483B8528-AD0F-4DE8-B744-9CEEB2BA81C0}"/>
+              </a:ext>
+            </a:extLst>
+          </p:cNvPr>
+          <p:cNvPicPr>
+            <a:picLocks noChangeAspect="1"/>
+          </p:cNvPicPr>
+          <p:nvPr/>
+        </p:nvPicPr>
+        <p:blipFill>
+          <a:blip r:embed="rId3"/>
+          <a:stretch>
+            <a:fillRect/>
+          </a:stretch>
+        </p:blipFill>
+        <p:spPr>
+          <a:xfrm>
+            <a:off x="373041" y="3004607"/>
+            <a:ext cx="2577556" cy="3167598"/>
+          </a:xfrm>
+          <a:prstGeom prst="rect">
+            <a:avLst/>
+          </a:prstGeom>
+        </p:spPr>
+      </p:pic>
+      <p:pic>
+        <p:nvPicPr>
+          <p:cNvPr id="8" name="Picture 7">
+            <a:extLst>
+              <a:ext uri="{FF2B5EF4-FFF2-40B4-BE49-F238E27FC236}">
+                <a16:creationId xmlns:a16="http://schemas.microsoft.com/office/drawing/2014/main" id="{958FB89C-630F-4644-8F24-B78883AAA524}"/>
+              </a:ext>
+            </a:extLst>
+          </p:cNvPr>
+          <p:cNvPicPr>
+            <a:picLocks noChangeAspect="1"/>
+          </p:cNvPicPr>
+          <p:nvPr/>
+        </p:nvPicPr>
+        <p:blipFill>
+          <a:blip r:embed="rId4">
+            <a:extLst>
+              <a:ext uri="{28A0092B-C50C-407E-A947-70E740481C1C}">
+                <a14:useLocalDpi xmlns:a14="http://schemas.microsoft.com/office/drawing/2010/main" val="0"/>
+              </a:ext>
+            </a:extLst>
+          </a:blip>
+          <a:stretch>
+            <a:fillRect/>
+          </a:stretch>
+        </p:blipFill>
+        <p:spPr>
+          <a:xfrm>
+            <a:off x="3173886" y="3035842"/>
+            <a:ext cx="8778258" cy="2926086"/>
+          </a:xfrm>
+          <a:prstGeom prst="rect">
+            <a:avLst/>
+          </a:prstGeom>
+        </p:spPr>
+      </p:pic>
+    </p:spTree>
+    <p:extLst>
+      <p:ext uri="{BB962C8B-B14F-4D97-AF65-F5344CB8AC3E}">
+        <p14:creationId xmlns:p14="http://schemas.microsoft.com/office/powerpoint/2010/main" val="919777908"/>
+      </p:ext>
+    </p:extLst>
+  </p:cSld>
+  <p:clrMapOvr>
+    <a:masterClrMapping/>
+  </p:clrMapOvr>
+</p:sld>
+</file>
+
+<file path=ppt/slides/slide11.xml><?xml version="1.0" encoding="utf-8"?>
+<p:sld xmlns:a="http://schemas.openxmlformats.org/drawingml/2006/main" xmlns:r="http://schemas.openxmlformats.org/officeDocument/2006/relationships" xmlns:p="http://schemas.openxmlformats.org/presentationml/2006/main">
+  <p:cSld>
+    <p:spTree>
+      <p:nvGrpSpPr>
+        <p:cNvPr id="1" name=""/>
+        <p:cNvGrpSpPr/>
+        <p:nvPr/>
+      </p:nvGrpSpPr>
+      <p:grpSpPr>
+        <a:xfrm>
+          <a:off x="0" y="0"/>
+          <a:ext cx="0" cy="0"/>
+          <a:chOff x="0" y="0"/>
+          <a:chExt cx="0" cy="0"/>
+        </a:xfrm>
+      </p:grpSpPr>
+      <p:sp>
+        <p:nvSpPr>
+          <p:cNvPr id="2" name="TextBox 1">
+            <a:extLst>
+              <a:ext uri="{FF2B5EF4-FFF2-40B4-BE49-F238E27FC236}">
+                <a16:creationId xmlns:a16="http://schemas.microsoft.com/office/drawing/2014/main" id="{5D1862C6-A8DA-4306-A593-5F204A9880D3}"/>
+              </a:ext>
+            </a:extLst>
+          </p:cNvPr>
+          <p:cNvSpPr txBox="1"/>
+          <p:nvPr/>
+        </p:nvSpPr>
+        <p:spPr>
+          <a:xfrm>
+            <a:off x="364919" y="289420"/>
+            <a:ext cx="11396445" cy="400110"/>
+          </a:xfrm>
+          <a:prstGeom prst="rect">
+            <a:avLst/>
+          </a:prstGeom>
+          <a:noFill/>
+        </p:spPr>
+        <p:txBody>
+          <a:bodyPr wrap="square" rtlCol="0">
+            <a:spAutoFit/>
+          </a:bodyPr>
+          <a:lstStyle/>
+          <a:p>
+            <a:r>
+              <a:rPr lang="en-US" sz="2000" dirty="0"/>
+              <a:t>Denver Crime Trends – Violent vs. Non-Violent</a:t>
+            </a:r>
+          </a:p>
+        </p:txBody>
+      </p:sp>
+      <p:sp>
+        <p:nvSpPr>
+          <p:cNvPr id="3" name="TextBox 2">
+            <a:extLst>
+              <a:ext uri="{FF2B5EF4-FFF2-40B4-BE49-F238E27FC236}">
+                <a16:creationId xmlns:a16="http://schemas.microsoft.com/office/drawing/2014/main" id="{3C7E118B-15B0-482F-B997-877F829A7771}"/>
+              </a:ext>
+            </a:extLst>
+          </p:cNvPr>
+          <p:cNvSpPr txBox="1"/>
+          <p:nvPr/>
+        </p:nvSpPr>
+        <p:spPr>
+          <a:xfrm>
+            <a:off x="503339" y="906011"/>
+            <a:ext cx="11014762" cy="1815882"/>
+          </a:xfrm>
+          <a:prstGeom prst="rect">
+            <a:avLst/>
+          </a:prstGeom>
+          <a:noFill/>
+        </p:spPr>
+        <p:txBody>
+          <a:bodyPr wrap="square" rtlCol="0">
+            <a:spAutoFit/>
+          </a:bodyPr>
+          <a:lstStyle/>
+          <a:p>
+            <a:pPr marL="171450" indent="-171450">
+              <a:buFontTx/>
+              <a:buChar char="-"/>
+            </a:pPr>
+            <a:r>
+              <a:rPr lang="en-US" sz="1600" dirty="0"/>
+              <a:t>Denver’s crime rates have been relatively flat over the last 16 months, although we would note a general decline in crime beginning in August 2019 before increasing in April of 2020</a:t>
+            </a:r>
+          </a:p>
+          <a:p>
+            <a:pPr marL="628650" lvl="1" indent="-171450">
+              <a:buFontTx/>
+              <a:buChar char="-"/>
+            </a:pPr>
+            <a:r>
+              <a:rPr lang="en-US" sz="1600" dirty="0"/>
+              <a:t>While this does not appear to be seasonal, we don’t have enough data to confirm this trends and would note that given Denver’s climate, more crimes may occur in the spring and summer seasons when the weather is warmer and more people are active and outdoors</a:t>
+            </a:r>
+          </a:p>
+          <a:p>
+            <a:pPr marL="628650" lvl="1" indent="-171450">
+              <a:buFontTx/>
+              <a:buChar char="-"/>
+            </a:pPr>
+            <a:r>
+              <a:rPr lang="en-US" sz="1600" dirty="0"/>
+              <a:t>The team also notes the relatively high increase in non-violent crimes during May 2020, which was the highest monthly increase during the period studied</a:t>
+            </a:r>
+          </a:p>
+        </p:txBody>
+      </p:sp>
+      <p:pic>
+        <p:nvPicPr>
+          <p:cNvPr id="7" name="Picture 6">
+            <a:extLst>
+              <a:ext uri="{FF2B5EF4-FFF2-40B4-BE49-F238E27FC236}">
+                <a16:creationId xmlns:a16="http://schemas.microsoft.com/office/drawing/2014/main" id="{00F255F3-B53E-45C6-B779-4CA81DCDBCE6}"/>
+              </a:ext>
+            </a:extLst>
+          </p:cNvPr>
+          <p:cNvPicPr>
+            <a:picLocks noChangeAspect="1"/>
+          </p:cNvPicPr>
+          <p:nvPr/>
+        </p:nvPicPr>
+        <p:blipFill>
+          <a:blip r:embed="rId2">
+            <a:extLst>
+              <a:ext uri="{28A0092B-C50C-407E-A947-70E740481C1C}">
+                <a14:useLocalDpi xmlns:a14="http://schemas.microsoft.com/office/drawing/2010/main" val="0"/>
+              </a:ext>
+            </a:extLst>
+          </a:blip>
+          <a:stretch>
+            <a:fillRect/>
+          </a:stretch>
+        </p:blipFill>
+        <p:spPr>
+          <a:xfrm>
+            <a:off x="1706871" y="2938374"/>
+            <a:ext cx="8778258" cy="3657607"/>
+          </a:xfrm>
+          <a:prstGeom prst="rect">
+            <a:avLst/>
+          </a:prstGeom>
+        </p:spPr>
+      </p:pic>
+    </p:spTree>
+    <p:extLst>
+      <p:ext uri="{BB962C8B-B14F-4D97-AF65-F5344CB8AC3E}">
+        <p14:creationId xmlns:p14="http://schemas.microsoft.com/office/powerpoint/2010/main" val="1637507973"/>
+      </p:ext>
+    </p:extLst>
+  </p:cSld>
+  <p:clrMapOvr>
+    <a:masterClrMapping/>
+  </p:clrMapOvr>
+</p:sld>
+</file>
+
+<file path=ppt/slides/slide12.xml><?xml version="1.0" encoding="utf-8"?>
+<p:sld xmlns:a="http://schemas.openxmlformats.org/drawingml/2006/main" xmlns:r="http://schemas.openxmlformats.org/officeDocument/2006/relationships" xmlns:p="http://schemas.openxmlformats.org/presentationml/2006/main">
+  <p:cSld>
+    <p:spTree>
+      <p:nvGrpSpPr>
+        <p:cNvPr id="1" name=""/>
+        <p:cNvGrpSpPr/>
+        <p:nvPr/>
+      </p:nvGrpSpPr>
+      <p:grpSpPr>
+        <a:xfrm>
+          <a:off x="0" y="0"/>
+          <a:ext cx="0" cy="0"/>
+          <a:chOff x="0" y="0"/>
+          <a:chExt cx="0" cy="0"/>
+        </a:xfrm>
+      </p:grpSpPr>
+      <p:sp>
+        <p:nvSpPr>
+          <p:cNvPr id="2" name="TextBox 1">
+            <a:extLst>
+              <a:ext uri="{FF2B5EF4-FFF2-40B4-BE49-F238E27FC236}">
+                <a16:creationId xmlns:a16="http://schemas.microsoft.com/office/drawing/2014/main" id="{5D1862C6-A8DA-4306-A593-5F204A9880D3}"/>
+              </a:ext>
+            </a:extLst>
+          </p:cNvPr>
+          <p:cNvSpPr txBox="1"/>
+          <p:nvPr/>
+        </p:nvSpPr>
+        <p:spPr>
+          <a:xfrm>
+            <a:off x="364919" y="289420"/>
+            <a:ext cx="11396445" cy="400110"/>
+          </a:xfrm>
+          <a:prstGeom prst="rect">
+            <a:avLst/>
+          </a:prstGeom>
+          <a:noFill/>
+        </p:spPr>
+        <p:txBody>
+          <a:bodyPr wrap="square" rtlCol="0">
+            <a:spAutoFit/>
+          </a:bodyPr>
+          <a:lstStyle/>
+          <a:p>
+            <a:r>
+              <a:rPr lang="en-US" sz="2000" dirty="0"/>
               <a:t>Denver Crime Trends – Violent Crimes by Offense Type</a:t>
             </a:r>
           </a:p>
@@ -5760,7 +6168,7 @@
         <p:spPr>
           <a:xfrm>
             <a:off x="503339" y="906011"/>
-            <a:ext cx="11014762" cy="5016758"/>
+            <a:ext cx="11014762" cy="4770537"/>
           </a:xfrm>
           <a:prstGeom prst="rect">
             <a:avLst/>
@@ -5808,16 +6216,6 @@
             <a:r>
               <a:rPr lang="en-US" sz="1600" dirty="0"/>
               <a:t>Seattle</a:t>
-            </a:r>
-          </a:p>
-          <a:p>
-            <a:pPr marL="628650" lvl="1" indent="-171450">
-              <a:buFontTx/>
-              <a:buChar char="-"/>
-            </a:pPr>
-            <a:r>
-              <a:rPr lang="en-US" sz="1600" dirty="0"/>
-              <a:t>Kansas City</a:t>
             </a:r>
           </a:p>
           <a:p>
@@ -6286,7 +6684,15 @@
           <a:p>
             <a:r>
               <a:rPr lang="en-US" sz="2000" dirty="0"/>
-              <a:t>Crime Trends vs. COVID 19 Reported  Cases</a:t>
+              <a:t>Reported </a:t>
+            </a:r>
+            <a:r>
+              <a:rPr lang="en-US" sz="2000" dirty="0" err="1"/>
+              <a:t>Covid</a:t>
+            </a:r>
+            <a:r>
+              <a:rPr lang="en-US" sz="2000" dirty="0"/>
+              <a:t> Cases in Selected Cities</a:t>
             </a:r>
           </a:p>
         </p:txBody>
@@ -6305,8 +6711,8 @@
         </p:nvSpPr>
         <p:spPr>
           <a:xfrm>
-            <a:off x="503339" y="906011"/>
-            <a:ext cx="11014762" cy="584775"/>
+            <a:off x="364919" y="906011"/>
+            <a:ext cx="2636899" cy="1077218"/>
           </a:xfrm>
           <a:prstGeom prst="rect">
             <a:avLst/>
@@ -6319,31 +6725,87 @@
           </a:bodyPr>
           <a:lstStyle/>
           <a:p>
-            <a:pPr marL="171450" indent="-171450">
+            <a:pPr marL="285750" indent="-285750">
               <a:buFontTx/>
               <a:buChar char="-"/>
             </a:pPr>
             <a:r>
               <a:rPr lang="en-US" sz="1600" dirty="0"/>
-              <a:t>Insert scatter plot and regressions</a:t>
-            </a:r>
-          </a:p>
-          <a:p>
-            <a:pPr marL="171450" indent="-171450">
+              <a:t>Top Outbreaks:</a:t>
+            </a:r>
+          </a:p>
+          <a:p>
+            <a:pPr marL="742950" lvl="1" indent="-285750">
               <a:buFontTx/>
               <a:buChar char="-"/>
             </a:pPr>
             <a:r>
               <a:rPr lang="en-US" sz="1600" dirty="0"/>
-              <a:t>Summary findings</a:t>
-            </a:r>
-          </a:p>
-        </p:txBody>
-      </p:sp>
+              <a:t>Los Angeles</a:t>
+            </a:r>
+          </a:p>
+          <a:p>
+            <a:pPr marL="742950" lvl="1" indent="-285750">
+              <a:buFontTx/>
+              <a:buChar char="-"/>
+            </a:pPr>
+            <a:r>
+              <a:rPr lang="en-US" sz="1600" dirty="0"/>
+              <a:t>Seattle</a:t>
+            </a:r>
+          </a:p>
+          <a:p>
+            <a:pPr marL="742950" lvl="1" indent="-285750">
+              <a:buFontTx/>
+              <a:buChar char="-"/>
+            </a:pPr>
+            <a:r>
+              <a:rPr lang="en-US" sz="1600" dirty="0"/>
+              <a:t>Washington DC</a:t>
+            </a:r>
+          </a:p>
+        </p:txBody>
+      </p:sp>
+      <p:pic>
+        <p:nvPicPr>
+          <p:cNvPr id="7" name="Picture 6">
+            <a:extLst>
+              <a:ext uri="{FF2B5EF4-FFF2-40B4-BE49-F238E27FC236}">
+                <a16:creationId xmlns:a16="http://schemas.microsoft.com/office/drawing/2014/main" id="{D56D59D7-121C-4CBE-952E-224A46979BF1}"/>
+              </a:ext>
+            </a:extLst>
+          </p:cNvPr>
+          <p:cNvPicPr>
+            <a:picLocks noChangeAspect="1"/>
+          </p:cNvPicPr>
+          <p:nvPr/>
+        </p:nvPicPr>
+        <p:blipFill>
+          <a:blip r:embed="rId2">
+            <a:extLst>
+              <a:ext uri="{28A0092B-C50C-407E-A947-70E740481C1C}">
+                <a14:useLocalDpi xmlns:a14="http://schemas.microsoft.com/office/drawing/2010/main" val="0"/>
+              </a:ext>
+            </a:extLst>
+          </a:blip>
+          <a:stretch>
+            <a:fillRect/>
+          </a:stretch>
+        </p:blipFill>
+        <p:spPr>
+          <a:xfrm>
+            <a:off x="3098519" y="876194"/>
+            <a:ext cx="8558801" cy="5705868"/>
+          </a:xfrm>
+          <a:prstGeom prst="rect">
+            <a:avLst/>
+          </a:prstGeom>
+        </p:spPr>
+      </p:pic>
     </p:spTree>
     <p:extLst>
       <p:ext uri="{BB962C8B-B14F-4D97-AF65-F5344CB8AC3E}">
-        <p14:creationId xmlns:p14="http://schemas.microsoft.com/office/powerpoint/2010/main" val="2690857523"/>
+        <p14:creationId xmlns:p14="http://schemas.microsoft.com/office/powerpoint/2010/main" val="1359114218"/>
       </p:ext>
     </p:extLst>
   </p:cSld>
@@ -6400,7 +6862,7 @@
           <a:p>
             <a:r>
               <a:rPr lang="en-US" sz="2000" dirty="0"/>
-              <a:t>Crime Trends vs. COVID 19 Reported  Cases</a:t>
+              <a:t>Crime Count in Selected Cities</a:t>
             </a:r>
           </a:p>
         </p:txBody>
@@ -6420,7 +6882,7 @@
         <p:spPr>
           <a:xfrm>
             <a:off x="503339" y="906011"/>
-            <a:ext cx="11014762" cy="584775"/>
+            <a:ext cx="11014762" cy="338554"/>
           </a:xfrm>
           <a:prstGeom prst="rect">
             <a:avLst/>
@@ -6439,17 +6901,7 @@
             </a:pPr>
             <a:r>
               <a:rPr lang="en-US" sz="1600" dirty="0"/>
-              <a:t>Insert scatter plot and regressions</a:t>
-            </a:r>
-          </a:p>
-          <a:p>
-            <a:pPr marL="171450" indent="-171450">
-              <a:buFontTx/>
-              <a:buChar char="-"/>
-            </a:pPr>
-            <a:r>
-              <a:rPr lang="en-US" sz="1600" dirty="0"/>
-              <a:t>Summary findings</a:t>
+              <a:t>Similar chart format as previous page</a:t>
             </a:r>
           </a:p>
         </p:txBody>
@@ -6457,7 +6909,7 @@
     </p:spTree>
     <p:extLst>
       <p:ext uri="{BB962C8B-B14F-4D97-AF65-F5344CB8AC3E}">
-        <p14:creationId xmlns:p14="http://schemas.microsoft.com/office/powerpoint/2010/main" val="1441674498"/>
+        <p14:creationId xmlns:p14="http://schemas.microsoft.com/office/powerpoint/2010/main" val="2891873947"/>
       </p:ext>
     </p:extLst>
   </p:cSld>
@@ -6486,56 +6938,84 @@
       </p:grpSpPr>
       <p:sp>
         <p:nvSpPr>
-          <p:cNvPr id="2" name="Title 1">
+          <p:cNvPr id="2" name="TextBox 1">
             <a:extLst>
               <a:ext uri="{FF2B5EF4-FFF2-40B4-BE49-F238E27FC236}">
-                <a16:creationId xmlns:a16="http://schemas.microsoft.com/office/drawing/2014/main" id="{E4EA7D83-E83A-4D00-8E48-E1A4AE47864E}"/>
+                <a16:creationId xmlns:a16="http://schemas.microsoft.com/office/drawing/2014/main" id="{5D1862C6-A8DA-4306-A593-5F204A9880D3}"/>
               </a:ext>
             </a:extLst>
           </p:cNvPr>
-          <p:cNvSpPr>
-            <a:spLocks noGrp="1"/>
-          </p:cNvSpPr>
-          <p:nvPr>
-            <p:ph type="title"/>
-          </p:nvPr>
-        </p:nvSpPr>
-        <p:spPr/>
-        <p:txBody>
-          <a:bodyPr/>
-          <a:lstStyle/>
-          <a:p>
-            <a:r>
-              <a:rPr lang="en-US" dirty="0"/>
-              <a:t>Appendix</a:t>
-            </a:r>
-          </a:p>
-        </p:txBody>
-      </p:sp>
-      <p:sp>
-        <p:nvSpPr>
-          <p:cNvPr id="3" name="Text Placeholder 2">
+          <p:cNvSpPr txBox="1"/>
+          <p:nvPr/>
+        </p:nvSpPr>
+        <p:spPr>
+          <a:xfrm>
+            <a:off x="364919" y="289420"/>
+            <a:ext cx="11396445" cy="400110"/>
+          </a:xfrm>
+          <a:prstGeom prst="rect">
+            <a:avLst/>
+          </a:prstGeom>
+          <a:noFill/>
+        </p:spPr>
+        <p:txBody>
+          <a:bodyPr wrap="square" rtlCol="0">
+            <a:spAutoFit/>
+          </a:bodyPr>
+          <a:lstStyle/>
+          <a:p>
+            <a:r>
+              <a:rPr lang="en-US" sz="2000" dirty="0"/>
+              <a:t>Crime Trends vs. COVID 19 Reported  Cases</a:t>
+            </a:r>
+          </a:p>
+        </p:txBody>
+      </p:sp>
+      <p:sp>
+        <p:nvSpPr>
+          <p:cNvPr id="3" name="TextBox 2">
             <a:extLst>
               <a:ext uri="{FF2B5EF4-FFF2-40B4-BE49-F238E27FC236}">
-                <a16:creationId xmlns:a16="http://schemas.microsoft.com/office/drawing/2014/main" id="{C6124F9A-467A-431E-B1CF-5703767A84E8}"/>
+                <a16:creationId xmlns:a16="http://schemas.microsoft.com/office/drawing/2014/main" id="{3C7E118B-15B0-482F-B997-877F829A7771}"/>
               </a:ext>
             </a:extLst>
           </p:cNvPr>
-          <p:cNvSpPr>
-            <a:spLocks noGrp="1"/>
-          </p:cNvSpPr>
-          <p:nvPr>
-            <p:ph type="body" idx="1"/>
-          </p:nvPr>
-        </p:nvSpPr>
-        <p:spPr/>
-        <p:txBody>
-          <a:bodyPr/>
-          <a:lstStyle/>
-          <a:p>
-            <a:r>
-              <a:rPr lang="en-US" dirty="0"/>
-              <a:t>City Data</a:t>
+          <p:cNvSpPr txBox="1"/>
+          <p:nvPr/>
+        </p:nvSpPr>
+        <p:spPr>
+          <a:xfrm>
+            <a:off x="503339" y="906011"/>
+            <a:ext cx="11014762" cy="584775"/>
+          </a:xfrm>
+          <a:prstGeom prst="rect">
+            <a:avLst/>
+          </a:prstGeom>
+          <a:noFill/>
+        </p:spPr>
+        <p:txBody>
+          <a:bodyPr wrap="square" rtlCol="0">
+            <a:spAutoFit/>
+          </a:bodyPr>
+          <a:lstStyle/>
+          <a:p>
+            <a:pPr marL="171450" indent="-171450">
+              <a:buFontTx/>
+              <a:buChar char="-"/>
+            </a:pPr>
+            <a:r>
+              <a:rPr lang="en-US" sz="1600" dirty="0"/>
+              <a:t>Insert scatter plot and regressions</a:t>
+            </a:r>
+          </a:p>
+          <a:p>
+            <a:pPr marL="171450" indent="-171450">
+              <a:buFontTx/>
+              <a:buChar char="-"/>
+            </a:pPr>
+            <a:r>
+              <a:rPr lang="en-US" sz="1600" dirty="0"/>
+              <a:t>Summary findings</a:t>
             </a:r>
           </a:p>
         </p:txBody>
@@ -6543,7 +7023,7 @@
     </p:spTree>
     <p:extLst>
       <p:ext uri="{BB962C8B-B14F-4D97-AF65-F5344CB8AC3E}">
-        <p14:creationId xmlns:p14="http://schemas.microsoft.com/office/powerpoint/2010/main" val="3985158558"/>
+        <p14:creationId xmlns:p14="http://schemas.microsoft.com/office/powerpoint/2010/main" val="2690857523"/>
       </p:ext>
     </p:extLst>
   </p:cSld>
@@ -6600,7 +7080,7 @@
           <a:p>
             <a:r>
               <a:rPr lang="en-US" sz="2000" dirty="0"/>
-              <a:t>Denver – Overview of Crime by Offense</a:t>
+              <a:t>Crime Trends vs. COVID 19 Reported  Cases</a:t>
             </a:r>
           </a:p>
         </p:txBody>
@@ -6620,7 +7100,7 @@
         <p:spPr>
           <a:xfrm>
             <a:off x="503339" y="906011"/>
-            <a:ext cx="11014762" cy="1815882"/>
+            <a:ext cx="11014762" cy="584775"/>
           </a:xfrm>
           <a:prstGeom prst="rect">
             <a:avLst/>
@@ -6639,42 +7119,7 @@
             </a:pPr>
             <a:r>
               <a:rPr lang="en-US" sz="1600" dirty="0"/>
-              <a:t>Source data and cleaning efforts</a:t>
-            </a:r>
-          </a:p>
-          <a:p>
-            <a:pPr marL="628650" lvl="1" indent="-171450">
-              <a:buFontTx/>
-              <a:buChar char="-"/>
-            </a:pPr>
-            <a:r>
-              <a:rPr lang="en-US" sz="1600" dirty="0"/>
-              <a:t>Source:  </a:t>
-            </a:r>
-            <a:r>
-              <a:rPr lang="en-US" sz="1600" dirty="0">
-                <a:hlinkClick r:id="rId2"/>
-              </a:rPr>
-              <a:t>www.denvergov.org</a:t>
-            </a:r>
-            <a:endParaRPr lang="en-US" sz="1600" dirty="0"/>
-          </a:p>
-          <a:p>
-            <a:pPr marL="628650" lvl="1" indent="-171450">
-              <a:buFontTx/>
-              <a:buChar char="-"/>
-            </a:pPr>
-            <a:r>
-              <a:rPr lang="en-US" sz="1600" dirty="0"/>
-              <a:t>Data included traffic violations; our analysis adjusted the data to exclude traffic violations and focused on property crimes and </a:t>
-            </a:r>
-            <a:r>
-              <a:rPr lang="en-US" sz="1600" dirty="0" err="1"/>
-              <a:t>criemes</a:t>
-            </a:r>
-            <a:r>
-              <a:rPr lang="en-US" sz="1600" dirty="0"/>
-              <a:t> against the person</a:t>
+              <a:t>Insert scatter plot and regressions</a:t>
             </a:r>
           </a:p>
           <a:p>
@@ -6684,116 +7129,7 @@
             </a:pPr>
             <a:r>
               <a:rPr lang="en-US" sz="1600" dirty="0"/>
-              <a:t>During the period of our analysis (Mar 1, 2019 through June 30, 2020), Denver experienced roughly 88,000 crimes, or 181 crimes per </a:t>
-            </a:r>
-            <a:r>
-              <a:rPr lang="en-US" sz="1600" dirty="0" err="1"/>
-              <a:t>dayCommentary</a:t>
-            </a:r>
-            <a:r>
-              <a:rPr lang="en-US" sz="1600" dirty="0"/>
-              <a:t> on Denver Crime Stats</a:t>
-            </a:r>
-          </a:p>
-          <a:p>
-            <a:pPr marL="171450" indent="-171450">
-              <a:buFontTx/>
-              <a:buChar char="-"/>
-            </a:pPr>
-            <a:r>
-              <a:rPr lang="en-US" sz="1600" dirty="0"/>
-              <a:t>Insert panda </a:t>
-            </a:r>
-            <a:r>
-              <a:rPr lang="en-US" sz="1600" dirty="0" err="1"/>
-              <a:t>dataframe</a:t>
-            </a:r>
-            <a:r>
-              <a:rPr lang="en-US" sz="1600" dirty="0"/>
-              <a:t> on summary stats</a:t>
-            </a:r>
-          </a:p>
-        </p:txBody>
-      </p:sp>
-      <p:pic>
-        <p:nvPicPr>
-          <p:cNvPr id="5" name="Picture 4">
-            <a:extLst>
-              <a:ext uri="{FF2B5EF4-FFF2-40B4-BE49-F238E27FC236}">
-                <a16:creationId xmlns:a16="http://schemas.microsoft.com/office/drawing/2014/main" id="{30ACABCE-AB03-4480-B6ED-F275D21A5B0F}"/>
-              </a:ext>
-            </a:extLst>
-          </p:cNvPr>
-          <p:cNvPicPr>
-            <a:picLocks noChangeAspect="1"/>
-          </p:cNvPicPr>
-          <p:nvPr/>
-        </p:nvPicPr>
-        <p:blipFill>
-          <a:blip r:embed="rId3">
-            <a:extLst>
-              <a:ext uri="{28A0092B-C50C-407E-A947-70E740481C1C}">
-                <a14:useLocalDpi xmlns:a14="http://schemas.microsoft.com/office/drawing/2010/main" val="0"/>
-              </a:ext>
-            </a:extLst>
-          </a:blip>
-          <a:stretch>
-            <a:fillRect/>
-          </a:stretch>
-        </p:blipFill>
-        <p:spPr>
-          <a:xfrm>
-            <a:off x="3288484" y="3429000"/>
-            <a:ext cx="8229617" cy="2743205"/>
-          </a:xfrm>
-          <a:prstGeom prst="rect">
-            <a:avLst/>
-          </a:prstGeom>
-        </p:spPr>
-      </p:pic>
-      <p:sp>
-        <p:nvSpPr>
-          <p:cNvPr id="6" name="TextBox 5">
-            <a:extLst>
-              <a:ext uri="{FF2B5EF4-FFF2-40B4-BE49-F238E27FC236}">
-                <a16:creationId xmlns:a16="http://schemas.microsoft.com/office/drawing/2014/main" id="{E52A46B2-A288-4197-9A07-FECC1B395410}"/>
-              </a:ext>
-            </a:extLst>
-          </p:cNvPr>
-          <p:cNvSpPr txBox="1"/>
-          <p:nvPr/>
-        </p:nvSpPr>
-        <p:spPr>
-          <a:xfrm>
-            <a:off x="522514" y="3429000"/>
-            <a:ext cx="2765970" cy="1077218"/>
-          </a:xfrm>
-          <a:prstGeom prst="rect">
-            <a:avLst/>
-          </a:prstGeom>
-          <a:noFill/>
-        </p:spPr>
-        <p:txBody>
-          <a:bodyPr wrap="square" rtlCol="0">
-            <a:spAutoFit/>
-          </a:bodyPr>
-          <a:lstStyle/>
-          <a:p>
-            <a:pPr marL="285750" indent="-285750">
-              <a:buFontTx/>
-              <a:buChar char="-"/>
-            </a:pPr>
-            <a:r>
-              <a:rPr lang="en-US" sz="1600" dirty="0"/>
-              <a:t>Insert panda </a:t>
-            </a:r>
-            <a:r>
-              <a:rPr lang="en-US" sz="1600" dirty="0" err="1"/>
-              <a:t>dataframe</a:t>
-            </a:r>
-            <a:r>
-              <a:rPr lang="en-US" sz="1600" dirty="0"/>
-              <a:t> on summary crime stats over the time periods</a:t>
+              <a:t>Summary findings</a:t>
             </a:r>
           </a:p>
         </p:txBody>
@@ -6801,7 +7137,7 @@
     </p:spTree>
     <p:extLst>
       <p:ext uri="{BB962C8B-B14F-4D97-AF65-F5344CB8AC3E}">
-        <p14:creationId xmlns:p14="http://schemas.microsoft.com/office/powerpoint/2010/main" val="919777908"/>
+        <p14:creationId xmlns:p14="http://schemas.microsoft.com/office/powerpoint/2010/main" val="1441674498"/>
       </p:ext>
     </p:extLst>
   </p:cSld>
@@ -6830,138 +7166,64 @@
       </p:grpSpPr>
       <p:sp>
         <p:nvSpPr>
-          <p:cNvPr id="2" name="TextBox 1">
+          <p:cNvPr id="2" name="Title 1">
             <a:extLst>
               <a:ext uri="{FF2B5EF4-FFF2-40B4-BE49-F238E27FC236}">
-                <a16:creationId xmlns:a16="http://schemas.microsoft.com/office/drawing/2014/main" id="{5D1862C6-A8DA-4306-A593-5F204A9880D3}"/>
+                <a16:creationId xmlns:a16="http://schemas.microsoft.com/office/drawing/2014/main" id="{E4EA7D83-E83A-4D00-8E48-E1A4AE47864E}"/>
               </a:ext>
             </a:extLst>
           </p:cNvPr>
-          <p:cNvSpPr txBox="1"/>
-          <p:nvPr/>
-        </p:nvSpPr>
-        <p:spPr>
-          <a:xfrm>
-            <a:off x="364919" y="289420"/>
-            <a:ext cx="11396445" cy="400110"/>
-          </a:xfrm>
-          <a:prstGeom prst="rect">
-            <a:avLst/>
-          </a:prstGeom>
-          <a:noFill/>
-        </p:spPr>
-        <p:txBody>
-          <a:bodyPr wrap="square" rtlCol="0">
-            <a:spAutoFit/>
-          </a:bodyPr>
-          <a:lstStyle/>
-          <a:p>
-            <a:r>
-              <a:rPr lang="en-US" sz="2000" dirty="0"/>
-              <a:t>Denver Crime Trends – Violent vs. Non-Violent</a:t>
-            </a:r>
-          </a:p>
-        </p:txBody>
-      </p:sp>
-      <p:sp>
-        <p:nvSpPr>
-          <p:cNvPr id="3" name="TextBox 2">
+          <p:cNvSpPr>
+            <a:spLocks noGrp="1"/>
+          </p:cNvSpPr>
+          <p:nvPr>
+            <p:ph type="title"/>
+          </p:nvPr>
+        </p:nvSpPr>
+        <p:spPr/>
+        <p:txBody>
+          <a:bodyPr/>
+          <a:lstStyle/>
+          <a:p>
+            <a:r>
+              <a:rPr lang="en-US" dirty="0"/>
+              <a:t>Appendix</a:t>
+            </a:r>
+          </a:p>
+        </p:txBody>
+      </p:sp>
+      <p:sp>
+        <p:nvSpPr>
+          <p:cNvPr id="3" name="Text Placeholder 2">
             <a:extLst>
               <a:ext uri="{FF2B5EF4-FFF2-40B4-BE49-F238E27FC236}">
-                <a16:creationId xmlns:a16="http://schemas.microsoft.com/office/drawing/2014/main" id="{3C7E118B-15B0-482F-B997-877F829A7771}"/>
+                <a16:creationId xmlns:a16="http://schemas.microsoft.com/office/drawing/2014/main" id="{C6124F9A-467A-431E-B1CF-5703767A84E8}"/>
               </a:ext>
             </a:extLst>
           </p:cNvPr>
-          <p:cNvSpPr txBox="1"/>
-          <p:nvPr/>
-        </p:nvSpPr>
-        <p:spPr>
-          <a:xfrm>
-            <a:off x="503339" y="906011"/>
-            <a:ext cx="11014762" cy="1815882"/>
-          </a:xfrm>
-          <a:prstGeom prst="rect">
-            <a:avLst/>
-          </a:prstGeom>
-          <a:noFill/>
-        </p:spPr>
-        <p:txBody>
-          <a:bodyPr wrap="square" rtlCol="0">
-            <a:spAutoFit/>
-          </a:bodyPr>
-          <a:lstStyle/>
-          <a:p>
-            <a:pPr marL="171450" indent="-171450">
-              <a:buFontTx/>
-              <a:buChar char="-"/>
-            </a:pPr>
-            <a:r>
-              <a:rPr lang="en-US" sz="1600" dirty="0"/>
-              <a:t>Denver’s crime rates have been relatively flat over the last 16 months, although we would note a general decline in crime beginning in August 2019 before increasing in April of 2020</a:t>
-            </a:r>
-          </a:p>
-          <a:p>
-            <a:pPr marL="628650" lvl="1" indent="-171450">
-              <a:buFontTx/>
-              <a:buChar char="-"/>
-            </a:pPr>
-            <a:r>
-              <a:rPr lang="en-US" sz="1600" dirty="0"/>
-              <a:t>While this does not appear to be seasonal, we don’t have enough data to confirm this trends and would note that given Denver’s climate, more crimes may occur in the spring and summer seasons when the weather is warmer and more people are active and outdoors</a:t>
-            </a:r>
-          </a:p>
-          <a:p>
-            <a:pPr marL="628650" lvl="1" indent="-171450">
-              <a:buFontTx/>
-              <a:buChar char="-"/>
-            </a:pPr>
-            <a:r>
-              <a:rPr lang="en-US" sz="1600" dirty="0"/>
-              <a:t>The team also notes the relatively high increase in non-violent crimes during May 2020, which was the highest monthly increase during the period studied</a:t>
-            </a:r>
-          </a:p>
-        </p:txBody>
-      </p:sp>
-      <p:pic>
-        <p:nvPicPr>
-          <p:cNvPr id="7" name="Picture 6">
-            <a:extLst>
-              <a:ext uri="{FF2B5EF4-FFF2-40B4-BE49-F238E27FC236}">
-                <a16:creationId xmlns:a16="http://schemas.microsoft.com/office/drawing/2014/main" id="{00F255F3-B53E-45C6-B779-4CA81DCDBCE6}"/>
-              </a:ext>
-            </a:extLst>
-          </p:cNvPr>
-          <p:cNvPicPr>
-            <a:picLocks noChangeAspect="1"/>
-          </p:cNvPicPr>
-          <p:nvPr/>
-        </p:nvPicPr>
-        <p:blipFill>
-          <a:blip r:embed="rId2">
-            <a:extLst>
-              <a:ext uri="{28A0092B-C50C-407E-A947-70E740481C1C}">
-                <a14:useLocalDpi xmlns:a14="http://schemas.microsoft.com/office/drawing/2010/main" val="0"/>
-              </a:ext>
-            </a:extLst>
-          </a:blip>
-          <a:stretch>
-            <a:fillRect/>
-          </a:stretch>
-        </p:blipFill>
-        <p:spPr>
-          <a:xfrm>
-            <a:off x="1706871" y="2938374"/>
-            <a:ext cx="8778258" cy="3657607"/>
-          </a:xfrm>
-          <a:prstGeom prst="rect">
-            <a:avLst/>
-          </a:prstGeom>
-        </p:spPr>
-      </p:pic>
+          <p:cNvSpPr>
+            <a:spLocks noGrp="1"/>
+          </p:cNvSpPr>
+          <p:nvPr>
+            <p:ph type="body" idx="1"/>
+          </p:nvPr>
+        </p:nvSpPr>
+        <p:spPr/>
+        <p:txBody>
+          <a:bodyPr/>
+          <a:lstStyle/>
+          <a:p>
+            <a:r>
+              <a:rPr lang="en-US" dirty="0"/>
+              <a:t>City Data</a:t>
+            </a:r>
+          </a:p>
+        </p:txBody>
+      </p:sp>
     </p:spTree>
     <p:extLst>
       <p:ext uri="{BB962C8B-B14F-4D97-AF65-F5344CB8AC3E}">
-        <p14:creationId xmlns:p14="http://schemas.microsoft.com/office/powerpoint/2010/main" val="1637507973"/>
+        <p14:creationId xmlns:p14="http://schemas.microsoft.com/office/powerpoint/2010/main" val="3985158558"/>
       </p:ext>
     </p:extLst>
   </p:cSld>

--- a/Draft Presentation.pptx
+++ b/Draft Presentation.pptx
@@ -10,13 +10,21 @@
     <p:sldId id="260" r:id="rId4"/>
     <p:sldId id="261" r:id="rId5"/>
     <p:sldId id="266" r:id="rId6"/>
-    <p:sldId id="267" r:id="rId7"/>
-    <p:sldId id="262" r:id="rId8"/>
-    <p:sldId id="263" r:id="rId9"/>
-    <p:sldId id="258" r:id="rId10"/>
-    <p:sldId id="259" r:id="rId11"/>
-    <p:sldId id="264" r:id="rId12"/>
-    <p:sldId id="265" r:id="rId13"/>
+    <p:sldId id="275" r:id="rId7"/>
+    <p:sldId id="271" r:id="rId8"/>
+    <p:sldId id="272" r:id="rId9"/>
+    <p:sldId id="276" r:id="rId10"/>
+    <p:sldId id="267" r:id="rId11"/>
+    <p:sldId id="277" r:id="rId12"/>
+    <p:sldId id="258" r:id="rId13"/>
+    <p:sldId id="259" r:id="rId14"/>
+    <p:sldId id="264" r:id="rId15"/>
+    <p:sldId id="265" r:id="rId16"/>
+    <p:sldId id="268" r:id="rId17"/>
+    <p:sldId id="269" r:id="rId18"/>
+    <p:sldId id="270" r:id="rId19"/>
+    <p:sldId id="273" r:id="rId20"/>
+    <p:sldId id="274" r:id="rId21"/>
   </p:sldIdLst>
   <p:sldSz cx="12192000" cy="6858000"/>
   <p:notesSz cx="6858000" cy="9144000"/>
@@ -314,7 +322,7 @@
           <a:p>
             <a:fld id="{E1512C61-8B3D-4DFE-892F-15ED750C3B63}" type="datetimeFigureOut">
               <a:rPr lang="en-US" smtClean="0"/>
-              <a:t>8/1/2020</a:t>
+              <a:t>8/2/2020</a:t>
             </a:fld>
             <a:endParaRPr lang="en-US"/>
           </a:p>
@@ -750,7 +758,7 @@
           <a:p>
             <a:fld id="{E1512C61-8B3D-4DFE-892F-15ED750C3B63}" type="datetimeFigureOut">
               <a:rPr lang="en-US" smtClean="0"/>
-              <a:t>8/1/2020</a:t>
+              <a:t>8/2/2020</a:t>
             </a:fld>
             <a:endParaRPr lang="en-US"/>
           </a:p>
@@ -1000,7 +1008,7 @@
           <a:p>
             <a:fld id="{E1512C61-8B3D-4DFE-892F-15ED750C3B63}" type="datetimeFigureOut">
               <a:rPr lang="en-US" smtClean="0"/>
-              <a:t>8/1/2020</a:t>
+              <a:t>8/2/2020</a:t>
             </a:fld>
             <a:endParaRPr lang="en-US"/>
           </a:p>
@@ -1308,7 +1316,7 @@
           <a:p>
             <a:fld id="{E1512C61-8B3D-4DFE-892F-15ED750C3B63}" type="datetimeFigureOut">
               <a:rPr lang="en-US" smtClean="0"/>
-              <a:t>8/1/2020</a:t>
+              <a:t>8/2/2020</a:t>
             </a:fld>
             <a:endParaRPr lang="en-US"/>
           </a:p>
@@ -1626,7 +1634,7 @@
           <a:p>
             <a:fld id="{E1512C61-8B3D-4DFE-892F-15ED750C3B63}" type="datetimeFigureOut">
               <a:rPr lang="en-US" smtClean="0"/>
-              <a:t>8/1/2020</a:t>
+              <a:t>8/2/2020</a:t>
             </a:fld>
             <a:endParaRPr lang="en-US"/>
           </a:p>
@@ -1928,7 +1936,7 @@
           <a:p>
             <a:fld id="{E1512C61-8B3D-4DFE-892F-15ED750C3B63}" type="datetimeFigureOut">
               <a:rPr lang="en-US" smtClean="0"/>
-              <a:t>8/1/2020</a:t>
+              <a:t>8/2/2020</a:t>
             </a:fld>
             <a:endParaRPr lang="en-US"/>
           </a:p>
@@ -2295,7 +2303,7 @@
           <a:p>
             <a:fld id="{E1512C61-8B3D-4DFE-892F-15ED750C3B63}" type="datetimeFigureOut">
               <a:rPr lang="en-US" smtClean="0"/>
-              <a:t>8/1/2020</a:t>
+              <a:t>8/2/2020</a:t>
             </a:fld>
             <a:endParaRPr lang="en-US"/>
           </a:p>
@@ -2469,7 +2477,7 @@
           <a:p>
             <a:fld id="{E1512C61-8B3D-4DFE-892F-15ED750C3B63}" type="datetimeFigureOut">
               <a:rPr lang="en-US" smtClean="0"/>
-              <a:t>8/1/2020</a:t>
+              <a:t>8/2/2020</a:t>
             </a:fld>
             <a:endParaRPr lang="en-US"/>
           </a:p>
@@ -2649,7 +2657,7 @@
           <a:p>
             <a:fld id="{E1512C61-8B3D-4DFE-892F-15ED750C3B63}" type="datetimeFigureOut">
               <a:rPr lang="en-US" smtClean="0"/>
-              <a:t>8/1/2020</a:t>
+              <a:t>8/2/2020</a:t>
             </a:fld>
             <a:endParaRPr lang="en-US"/>
           </a:p>
@@ -2819,7 +2827,7 @@
           <a:p>
             <a:fld id="{E1512C61-8B3D-4DFE-892F-15ED750C3B63}" type="datetimeFigureOut">
               <a:rPr lang="en-US" smtClean="0"/>
-              <a:t>8/1/2020</a:t>
+              <a:t>8/2/2020</a:t>
             </a:fld>
             <a:endParaRPr lang="en-US"/>
           </a:p>
@@ -3069,7 +3077,7 @@
           <a:p>
             <a:fld id="{E1512C61-8B3D-4DFE-892F-15ED750C3B63}" type="datetimeFigureOut">
               <a:rPr lang="en-US" smtClean="0"/>
-              <a:t>8/1/2020</a:t>
+              <a:t>8/2/2020</a:t>
             </a:fld>
             <a:endParaRPr lang="en-US"/>
           </a:p>
@@ -3305,7 +3313,7 @@
           <a:p>
             <a:fld id="{E1512C61-8B3D-4DFE-892F-15ED750C3B63}" type="datetimeFigureOut">
               <a:rPr lang="en-US" smtClean="0"/>
-              <a:t>8/1/2020</a:t>
+              <a:t>8/2/2020</a:t>
             </a:fld>
             <a:endParaRPr lang="en-US"/>
           </a:p>
@@ -3687,7 +3695,7 @@
           <a:p>
             <a:fld id="{E1512C61-8B3D-4DFE-892F-15ED750C3B63}" type="datetimeFigureOut">
               <a:rPr lang="en-US" smtClean="0"/>
-              <a:t>8/1/2020</a:t>
+              <a:t>8/2/2020</a:t>
             </a:fld>
             <a:endParaRPr lang="en-US"/>
           </a:p>
@@ -3805,7 +3813,7 @@
           <a:p>
             <a:fld id="{E1512C61-8B3D-4DFE-892F-15ED750C3B63}" type="datetimeFigureOut">
               <a:rPr lang="en-US" smtClean="0"/>
-              <a:t>8/1/2020</a:t>
+              <a:t>8/2/2020</a:t>
             </a:fld>
             <a:endParaRPr lang="en-US"/>
           </a:p>
@@ -3900,7 +3908,7 @@
           <a:p>
             <a:fld id="{E1512C61-8B3D-4DFE-892F-15ED750C3B63}" type="datetimeFigureOut">
               <a:rPr lang="en-US" smtClean="0"/>
-              <a:t>8/1/2020</a:t>
+              <a:t>8/2/2020</a:t>
             </a:fld>
             <a:endParaRPr lang="en-US"/>
           </a:p>
@@ -4155,7 +4163,7 @@
           <a:p>
             <a:fld id="{E1512C61-8B3D-4DFE-892F-15ED750C3B63}" type="datetimeFigureOut">
               <a:rPr lang="en-US" smtClean="0"/>
-              <a:t>8/1/2020</a:t>
+              <a:t>8/2/2020</a:t>
             </a:fld>
             <a:endParaRPr lang="en-US"/>
           </a:p>
@@ -4438,7 +4446,7 @@
           <a:p>
             <a:fld id="{E1512C61-8B3D-4DFE-892F-15ED750C3B63}" type="datetimeFigureOut">
               <a:rPr lang="en-US" smtClean="0"/>
-              <a:t>8/1/2020</a:t>
+              <a:t>8/2/2020</a:t>
             </a:fld>
             <a:endParaRPr lang="en-US"/>
           </a:p>
@@ -4844,7 +4852,7 @@
           <a:p>
             <a:fld id="{E1512C61-8B3D-4DFE-892F-15ED750C3B63}" type="datetimeFigureOut">
               <a:rPr lang="en-US" smtClean="0"/>
-              <a:t>8/1/2020</a:t>
+              <a:t>8/2/2020</a:t>
             </a:fld>
             <a:endParaRPr lang="en-US"/>
           </a:p>
@@ -5495,7 +5503,7 @@
           <a:p>
             <a:r>
               <a:rPr lang="en-US" sz="2000" dirty="0"/>
-              <a:t>Denver – Overview of Crime by Offense</a:t>
+              <a:t>Crime Count in Selected Cities</a:t>
             </a:r>
           </a:p>
         </p:txBody>
@@ -5515,7 +5523,7 @@
         <p:spPr>
           <a:xfrm>
             <a:off x="503339" y="906011"/>
-            <a:ext cx="11014762" cy="1815882"/>
+            <a:ext cx="11014762" cy="1077218"/>
           </a:xfrm>
           <a:prstGeom prst="rect">
             <a:avLst/>
@@ -5534,42 +5542,7 @@
             </a:pPr>
             <a:r>
               <a:rPr lang="en-US" sz="1600" dirty="0"/>
-              <a:t>Source data and cleaning efforts</a:t>
-            </a:r>
-          </a:p>
-          <a:p>
-            <a:pPr marL="628650" lvl="1" indent="-171450">
-              <a:buFontTx/>
-              <a:buChar char="-"/>
-            </a:pPr>
-            <a:r>
-              <a:rPr lang="en-US" sz="1600" dirty="0"/>
-              <a:t>Source:  </a:t>
-            </a:r>
-            <a:r>
-              <a:rPr lang="en-US" sz="1600" dirty="0">
-                <a:hlinkClick r:id="rId2"/>
-              </a:rPr>
-              <a:t>www.denvergov.org</a:t>
-            </a:r>
-            <a:endParaRPr lang="en-US" sz="1600" dirty="0"/>
-          </a:p>
-          <a:p>
-            <a:pPr marL="628650" lvl="1" indent="-171450">
-              <a:buFontTx/>
-              <a:buChar char="-"/>
-            </a:pPr>
-            <a:r>
-              <a:rPr lang="en-US" sz="1600" dirty="0"/>
-              <a:t>Data included traffic violations; our analysis adjusted the data to exclude traffic violations and focused on property crimes and </a:t>
-            </a:r>
-            <a:r>
-              <a:rPr lang="en-US" sz="1600" dirty="0" err="1"/>
-              <a:t>criemes</a:t>
-            </a:r>
-            <a:r>
-              <a:rPr lang="en-US" sz="1600" dirty="0"/>
-              <a:t> against the person</a:t>
+              <a:t>The lack of correlation of Los Angeles’ reported crimes with reported COVID cases is consistent with the results we found across the entire city data set</a:t>
             </a:r>
           </a:p>
           <a:p>
@@ -5579,43 +5552,47 @@
             </a:pPr>
             <a:r>
               <a:rPr lang="en-US" sz="1600" dirty="0"/>
-              <a:t>During the period of our analysis (Mar 1, 2019 through June 30, 2020), Denver experienced roughly 88,000 crimes, or 181 crimes per </a:t>
-            </a:r>
-            <a:r>
-              <a:rPr lang="en-US" sz="1600" dirty="0" err="1"/>
-              <a:t>dayCommentary</a:t>
-            </a:r>
-            <a:r>
-              <a:rPr lang="en-US" sz="1600" dirty="0"/>
-              <a:t> on Denver Crime Stats</a:t>
-            </a:r>
-          </a:p>
-          <a:p>
-            <a:pPr marL="171450" indent="-171450">
-              <a:buFontTx/>
-              <a:buChar char="-"/>
-            </a:pPr>
-            <a:r>
-              <a:rPr lang="en-US" sz="1600" dirty="0"/>
-              <a:t>Insert panda </a:t>
-            </a:r>
-            <a:r>
-              <a:rPr lang="en-US" sz="1600" dirty="0" err="1"/>
-              <a:t>dataframe</a:t>
-            </a:r>
-            <a:r>
-              <a:rPr lang="en-US" sz="1600" dirty="0"/>
-              <a:t> on summary stats</a:t>
+              <a:t>If there were any correlation, we would have expected to see the results in Los Angeles, given that it’s reported case counts were significantly higher than any other  city in our study</a:t>
             </a:r>
           </a:p>
         </p:txBody>
       </p:sp>
       <p:pic>
         <p:nvPicPr>
-          <p:cNvPr id="4" name="Picture 3">
+          <p:cNvPr id="5" name="Picture 4">
             <a:extLst>
               <a:ext uri="{FF2B5EF4-FFF2-40B4-BE49-F238E27FC236}">
-                <a16:creationId xmlns:a16="http://schemas.microsoft.com/office/drawing/2014/main" id="{483B8528-AD0F-4DE8-B744-9CEEB2BA81C0}"/>
+                <a16:creationId xmlns:a16="http://schemas.microsoft.com/office/drawing/2014/main" id="{B62E8094-E8E4-4CA8-83A7-DD2569A57C9A}"/>
+              </a:ext>
+            </a:extLst>
+          </p:cNvPr>
+          <p:cNvPicPr>
+            <a:picLocks noChangeAspect="1"/>
+          </p:cNvPicPr>
+          <p:nvPr/>
+        </p:nvPicPr>
+        <p:blipFill>
+          <a:blip r:embed="rId2"/>
+          <a:stretch>
+            <a:fillRect/>
+          </a:stretch>
+        </p:blipFill>
+        <p:spPr>
+          <a:xfrm>
+            <a:off x="853688" y="3052295"/>
+            <a:ext cx="4766118" cy="3260481"/>
+          </a:xfrm>
+          <a:prstGeom prst="rect">
+            <a:avLst/>
+          </a:prstGeom>
+        </p:spPr>
+      </p:pic>
+      <p:pic>
+        <p:nvPicPr>
+          <p:cNvPr id="6" name="Picture 5">
+            <a:extLst>
+              <a:ext uri="{FF2B5EF4-FFF2-40B4-BE49-F238E27FC236}">
+                <a16:creationId xmlns:a16="http://schemas.microsoft.com/office/drawing/2014/main" id="{F57C74FB-EF38-4FDF-A447-299B42AAE610}"/>
               </a:ext>
             </a:extLst>
           </p:cNvPr>
@@ -5632,44 +5609,8 @@
         </p:blipFill>
         <p:spPr>
           <a:xfrm>
-            <a:off x="373041" y="3004607"/>
-            <a:ext cx="2577556" cy="3167598"/>
-          </a:xfrm>
-          <a:prstGeom prst="rect">
-            <a:avLst/>
-          </a:prstGeom>
-        </p:spPr>
-      </p:pic>
-      <p:pic>
-        <p:nvPicPr>
-          <p:cNvPr id="8" name="Picture 7">
-            <a:extLst>
-              <a:ext uri="{FF2B5EF4-FFF2-40B4-BE49-F238E27FC236}">
-                <a16:creationId xmlns:a16="http://schemas.microsoft.com/office/drawing/2014/main" id="{958FB89C-630F-4644-8F24-B78883AAA524}"/>
-              </a:ext>
-            </a:extLst>
-          </p:cNvPr>
-          <p:cNvPicPr>
-            <a:picLocks noChangeAspect="1"/>
-          </p:cNvPicPr>
-          <p:nvPr/>
-        </p:nvPicPr>
-        <p:blipFill>
-          <a:blip r:embed="rId4">
-            <a:extLst>
-              <a:ext uri="{28A0092B-C50C-407E-A947-70E740481C1C}">
-                <a14:useLocalDpi xmlns:a14="http://schemas.microsoft.com/office/drawing/2010/main" val="0"/>
-              </a:ext>
-            </a:extLst>
-          </a:blip>
-          <a:stretch>
-            <a:fillRect/>
-          </a:stretch>
-        </p:blipFill>
-        <p:spPr>
-          <a:xfrm>
-            <a:off x="3173886" y="3035842"/>
-            <a:ext cx="8778258" cy="2926086"/>
+            <a:off x="6324084" y="3052295"/>
+            <a:ext cx="4657518" cy="3256575"/>
           </a:xfrm>
           <a:prstGeom prst="rect">
             <a:avLst/>
@@ -5679,7 +5620,7 @@
     </p:spTree>
     <p:extLst>
       <p:ext uri="{BB962C8B-B14F-4D97-AF65-F5344CB8AC3E}">
-        <p14:creationId xmlns:p14="http://schemas.microsoft.com/office/powerpoint/2010/main" val="919777908"/>
+        <p14:creationId xmlns:p14="http://schemas.microsoft.com/office/powerpoint/2010/main" val="2891873947"/>
       </p:ext>
     </p:extLst>
   </p:cSld>
@@ -5734,6 +5675,790 @@
           </a:bodyPr>
           <a:lstStyle/>
           <a:p>
+            <a:pPr marL="0" marR="0" lvl="0" indent="0" algn="l" defTabSz="457200" rtl="0" eaLnBrk="1" fontAlgn="auto" latinLnBrk="0" hangingPunct="1">
+              <a:lnSpc>
+                <a:spcPct val="100000"/>
+              </a:lnSpc>
+              <a:spcBef>
+                <a:spcPts val="0"/>
+              </a:spcBef>
+              <a:spcAft>
+                <a:spcPts val="0"/>
+              </a:spcAft>
+              <a:buClrTx/>
+              <a:buSzTx/>
+              <a:buFontTx/>
+              <a:buNone/>
+              <a:tabLst/>
+              <a:defRPr/>
+            </a:pPr>
+            <a:r>
+              <a:rPr kumimoji="0" lang="en-US" sz="2000" b="0" i="0" u="none" strike="noStrike" kern="1200" cap="none" spc="0" normalizeH="0" baseline="0" noProof="0" dirty="0">
+                <a:ln>
+                  <a:noFill/>
+                </a:ln>
+                <a:solidFill>
+                  <a:prstClr val="white"/>
+                </a:solidFill>
+                <a:effectLst/>
+                <a:uLnTx/>
+                <a:uFillTx/>
+                <a:latin typeface="Century Gothic" panose="020B0502020202020204"/>
+                <a:ea typeface="+mn-ea"/>
+                <a:cs typeface="+mn-cs"/>
+              </a:rPr>
+              <a:t>Conclusions and Insights</a:t>
+            </a:r>
+          </a:p>
+        </p:txBody>
+      </p:sp>
+      <p:sp>
+        <p:nvSpPr>
+          <p:cNvPr id="3" name="TextBox 2">
+            <a:extLst>
+              <a:ext uri="{FF2B5EF4-FFF2-40B4-BE49-F238E27FC236}">
+                <a16:creationId xmlns:a16="http://schemas.microsoft.com/office/drawing/2014/main" id="{3C7E118B-15B0-482F-B997-877F829A7771}"/>
+              </a:ext>
+            </a:extLst>
+          </p:cNvPr>
+          <p:cNvSpPr txBox="1"/>
+          <p:nvPr/>
+        </p:nvSpPr>
+        <p:spPr>
+          <a:xfrm>
+            <a:off x="503339" y="906011"/>
+            <a:ext cx="11014762" cy="4308872"/>
+          </a:xfrm>
+          <a:prstGeom prst="rect">
+            <a:avLst/>
+          </a:prstGeom>
+          <a:noFill/>
+        </p:spPr>
+        <p:txBody>
+          <a:bodyPr wrap="square" rtlCol="0">
+            <a:spAutoFit/>
+          </a:bodyPr>
+          <a:lstStyle/>
+          <a:p>
+            <a:pPr marR="0" lvl="0" algn="l" defTabSz="457200" rtl="0" eaLnBrk="1" fontAlgn="auto" latinLnBrk="0" hangingPunct="1">
+              <a:lnSpc>
+                <a:spcPct val="100000"/>
+              </a:lnSpc>
+              <a:spcBef>
+                <a:spcPts val="1200"/>
+              </a:spcBef>
+              <a:spcAft>
+                <a:spcPts val="0"/>
+              </a:spcAft>
+              <a:buClrTx/>
+              <a:buSzTx/>
+              <a:tabLst/>
+              <a:defRPr/>
+            </a:pPr>
+            <a:r>
+              <a:rPr kumimoji="0" lang="en-US" sz="2000" b="0" i="0" u="sng" strike="noStrike" kern="1200" cap="none" spc="0" normalizeH="0" baseline="0" noProof="0" dirty="0">
+                <a:ln>
+                  <a:noFill/>
+                </a:ln>
+                <a:solidFill>
+                  <a:prstClr val="white"/>
+                </a:solidFill>
+                <a:effectLst/>
+                <a:uLnTx/>
+                <a:uFillTx/>
+                <a:latin typeface="Century Gothic" panose="020B0502020202020204"/>
+                <a:ea typeface="+mn-ea"/>
+                <a:cs typeface="+mn-cs"/>
+              </a:rPr>
+              <a:t>Conclusions</a:t>
+            </a:r>
+            <a:endParaRPr kumimoji="0" lang="en-US" sz="1600" b="0" i="0" u="sng" strike="noStrike" kern="1200" cap="none" spc="0" normalizeH="0" baseline="0" noProof="0" dirty="0">
+              <a:ln>
+                <a:noFill/>
+              </a:ln>
+              <a:solidFill>
+                <a:prstClr val="white"/>
+              </a:solidFill>
+              <a:effectLst/>
+              <a:uLnTx/>
+              <a:uFillTx/>
+              <a:latin typeface="Century Gothic" panose="020B0502020202020204"/>
+              <a:ea typeface="+mn-ea"/>
+              <a:cs typeface="+mn-cs"/>
+            </a:endParaRPr>
+          </a:p>
+          <a:p>
+            <a:pPr marL="285750" marR="0" lvl="0" indent="-285750" algn="l" defTabSz="457200" rtl="0" eaLnBrk="1" fontAlgn="auto" latinLnBrk="0" hangingPunct="1">
+              <a:lnSpc>
+                <a:spcPct val="100000"/>
+              </a:lnSpc>
+              <a:spcBef>
+                <a:spcPts val="1200"/>
+              </a:spcBef>
+              <a:spcAft>
+                <a:spcPts val="0"/>
+              </a:spcAft>
+              <a:buClrTx/>
+              <a:buSzTx/>
+              <a:buFont typeface="Arial" panose="020B0604020202020204" pitchFamily="34" charset="0"/>
+              <a:buChar char="•"/>
+              <a:tabLst/>
+              <a:defRPr/>
+            </a:pPr>
+            <a:r>
+              <a:rPr kumimoji="0" lang="en-US" sz="1600" b="0" i="0" u="none" strike="noStrike" kern="1200" cap="none" spc="0" normalizeH="0" baseline="0" noProof="0" dirty="0">
+                <a:ln>
+                  <a:noFill/>
+                </a:ln>
+                <a:solidFill>
+                  <a:prstClr val="white"/>
+                </a:solidFill>
+                <a:effectLst/>
+                <a:uLnTx/>
+                <a:uFillTx/>
+                <a:latin typeface="Century Gothic" panose="020B0502020202020204"/>
+                <a:ea typeface="+mn-ea"/>
+                <a:cs typeface="+mn-cs"/>
+              </a:rPr>
+              <a:t>Found no statistical correlation between the increase of </a:t>
+            </a:r>
+            <a:r>
+              <a:rPr kumimoji="0" lang="en-US" sz="1600" b="0" i="0" u="none" strike="noStrike" kern="1200" cap="none" spc="0" normalizeH="0" baseline="0" noProof="0" dirty="0" err="1">
+                <a:ln>
+                  <a:noFill/>
+                </a:ln>
+                <a:solidFill>
+                  <a:prstClr val="white"/>
+                </a:solidFill>
+                <a:effectLst/>
+                <a:uLnTx/>
+                <a:uFillTx/>
+                <a:latin typeface="Century Gothic" panose="020B0502020202020204"/>
+                <a:ea typeface="+mn-ea"/>
+                <a:cs typeface="+mn-cs"/>
+              </a:rPr>
+              <a:t>Covid</a:t>
+            </a:r>
+            <a:r>
+              <a:rPr kumimoji="0" lang="en-US" sz="1600" b="0" i="0" u="none" strike="noStrike" kern="1200" cap="none" spc="0" normalizeH="0" baseline="0" noProof="0" dirty="0">
+                <a:ln>
+                  <a:noFill/>
+                </a:ln>
+                <a:solidFill>
+                  <a:prstClr val="white"/>
+                </a:solidFill>
+                <a:effectLst/>
+                <a:uLnTx/>
+                <a:uFillTx/>
+                <a:latin typeface="Century Gothic" panose="020B0502020202020204"/>
+                <a:ea typeface="+mn-ea"/>
+                <a:cs typeface="+mn-cs"/>
+              </a:rPr>
+              <a:t> cases in the select major cities relative to violent or non-violent crime.</a:t>
+            </a:r>
+          </a:p>
+          <a:p>
+            <a:pPr marL="285750" marR="0" lvl="0" indent="-285750" algn="l" defTabSz="457200" rtl="0" eaLnBrk="1" fontAlgn="auto" latinLnBrk="0" hangingPunct="1">
+              <a:lnSpc>
+                <a:spcPct val="100000"/>
+              </a:lnSpc>
+              <a:spcBef>
+                <a:spcPts val="1200"/>
+              </a:spcBef>
+              <a:spcAft>
+                <a:spcPts val="0"/>
+              </a:spcAft>
+              <a:buClrTx/>
+              <a:buSzTx/>
+              <a:buFont typeface="Arial" panose="020B0604020202020204" pitchFamily="34" charset="0"/>
+              <a:buChar char="•"/>
+              <a:tabLst/>
+              <a:defRPr/>
+            </a:pPr>
+            <a:r>
+              <a:rPr lang="en-US" sz="1600" dirty="0">
+                <a:solidFill>
+                  <a:prstClr val="white"/>
+                </a:solidFill>
+                <a:latin typeface="Century Gothic" panose="020B0502020202020204"/>
+              </a:rPr>
+              <a:t>In the months where new </a:t>
+            </a:r>
+            <a:r>
+              <a:rPr lang="en-US" sz="1600" dirty="0" err="1">
+                <a:solidFill>
+                  <a:prstClr val="white"/>
+                </a:solidFill>
+                <a:latin typeface="Century Gothic" panose="020B0502020202020204"/>
+              </a:rPr>
+              <a:t>Covid</a:t>
+            </a:r>
+            <a:r>
+              <a:rPr lang="en-US" sz="1600" dirty="0">
+                <a:solidFill>
+                  <a:prstClr val="white"/>
+                </a:solidFill>
+                <a:latin typeface="Century Gothic" panose="020B0502020202020204"/>
+              </a:rPr>
+              <a:t> cases are increasing, there are trends of crime reduction</a:t>
+            </a:r>
+          </a:p>
+          <a:p>
+            <a:pPr marL="742950" lvl="1" indent="-285750" defTabSz="457200">
+              <a:spcBef>
+                <a:spcPts val="600"/>
+              </a:spcBef>
+              <a:buFont typeface="Arial" panose="020B0604020202020204" pitchFamily="34" charset="0"/>
+              <a:buChar char="•"/>
+            </a:pPr>
+            <a:r>
+              <a:rPr kumimoji="0" lang="en-US" sz="1400" b="0" i="0" u="none" strike="noStrike" kern="1200" cap="none" spc="0" normalizeH="0" baseline="0" noProof="0" dirty="0">
+                <a:ln>
+                  <a:noFill/>
+                </a:ln>
+                <a:solidFill>
+                  <a:prstClr val="white"/>
+                </a:solidFill>
+                <a:effectLst/>
+                <a:uLnTx/>
+                <a:uFillTx/>
+                <a:latin typeface="Century Gothic" panose="020B0502020202020204"/>
+                <a:ea typeface="+mn-ea"/>
+                <a:cs typeface="+mn-cs"/>
+              </a:rPr>
+              <a:t>Believe this is based on city being on lock-down to reduce spread</a:t>
+            </a:r>
+          </a:p>
+          <a:p>
+            <a:pPr marL="742950" lvl="1" indent="-285750" defTabSz="457200">
+              <a:spcBef>
+                <a:spcPts val="600"/>
+              </a:spcBef>
+              <a:buFont typeface="Arial" panose="020B0604020202020204" pitchFamily="34" charset="0"/>
+              <a:buChar char="•"/>
+            </a:pPr>
+            <a:r>
+              <a:rPr lang="en-US" sz="1400" dirty="0">
+                <a:solidFill>
+                  <a:prstClr val="white"/>
+                </a:solidFill>
+                <a:latin typeface="Century Gothic" panose="020B0502020202020204"/>
+              </a:rPr>
+              <a:t>Break in trend in May / June can be attributed to:</a:t>
+            </a:r>
+          </a:p>
+          <a:p>
+            <a:pPr marL="1200150" lvl="2" indent="-285750" defTabSz="457200">
+              <a:spcBef>
+                <a:spcPts val="600"/>
+              </a:spcBef>
+              <a:buFont typeface="Arial" panose="020B0604020202020204" pitchFamily="34" charset="0"/>
+              <a:buChar char="•"/>
+            </a:pPr>
+            <a:r>
+              <a:rPr kumimoji="0" lang="en-US" sz="1200" b="0" i="0" u="none" strike="noStrike" kern="1200" cap="none" spc="0" normalizeH="0" baseline="0" noProof="0" dirty="0">
+                <a:ln>
+                  <a:noFill/>
+                </a:ln>
+                <a:solidFill>
+                  <a:prstClr val="white"/>
+                </a:solidFill>
+                <a:effectLst/>
+                <a:uLnTx/>
+                <a:uFillTx/>
+                <a:latin typeface="Century Gothic" panose="020B0502020202020204"/>
+                <a:ea typeface="+mn-ea"/>
+                <a:cs typeface="+mn-cs"/>
+              </a:rPr>
+              <a:t>City relaxing lockdown </a:t>
+            </a:r>
+            <a:r>
+              <a:rPr lang="en-US" sz="1200" dirty="0">
+                <a:solidFill>
+                  <a:prstClr val="white"/>
+                </a:solidFill>
+                <a:latin typeface="Century Gothic" panose="020B0502020202020204"/>
+              </a:rPr>
+              <a:t>measures during that time period</a:t>
+            </a:r>
+          </a:p>
+          <a:p>
+            <a:pPr marL="1200150" lvl="2" indent="-285750" defTabSz="457200">
+              <a:spcBef>
+                <a:spcPts val="600"/>
+              </a:spcBef>
+              <a:buFont typeface="Arial" panose="020B0604020202020204" pitchFamily="34" charset="0"/>
+              <a:buChar char="•"/>
+            </a:pPr>
+            <a:r>
+              <a:rPr lang="en-US" sz="1200" dirty="0">
+                <a:solidFill>
+                  <a:prstClr val="white"/>
+                </a:solidFill>
+                <a:latin typeface="Century Gothic" panose="020B0502020202020204"/>
+              </a:rPr>
+              <a:t>Large protests taking place during this period, as well</a:t>
+            </a:r>
+          </a:p>
+          <a:p>
+            <a:pPr defTabSz="457200">
+              <a:spcBef>
+                <a:spcPts val="1200"/>
+              </a:spcBef>
+            </a:pPr>
+            <a:endParaRPr kumimoji="0" lang="en-US" sz="1600" b="0" i="0" u="none" strike="noStrike" kern="1200" cap="none" spc="0" normalizeH="0" baseline="0" noProof="0" dirty="0">
+              <a:ln>
+                <a:noFill/>
+              </a:ln>
+              <a:solidFill>
+                <a:prstClr val="white"/>
+              </a:solidFill>
+              <a:effectLst/>
+              <a:uLnTx/>
+              <a:uFillTx/>
+              <a:latin typeface="Century Gothic" panose="020B0502020202020204"/>
+              <a:ea typeface="+mn-ea"/>
+              <a:cs typeface="+mn-cs"/>
+            </a:endParaRPr>
+          </a:p>
+          <a:p>
+            <a:pPr defTabSz="457200">
+              <a:spcBef>
+                <a:spcPts val="1200"/>
+              </a:spcBef>
+            </a:pPr>
+            <a:r>
+              <a:rPr lang="en-US" sz="2000" u="sng" dirty="0">
+                <a:solidFill>
+                  <a:prstClr val="white"/>
+                </a:solidFill>
+                <a:latin typeface="Century Gothic" panose="020B0502020202020204"/>
+              </a:rPr>
+              <a:t>Potential Improvement in Study</a:t>
+            </a:r>
+          </a:p>
+          <a:p>
+            <a:pPr marL="285750" indent="-285750" defTabSz="457200">
+              <a:spcBef>
+                <a:spcPts val="1200"/>
+              </a:spcBef>
+              <a:buFont typeface="Arial" panose="020B0604020202020204" pitchFamily="34" charset="0"/>
+              <a:buChar char="•"/>
+            </a:pPr>
+            <a:r>
+              <a:rPr lang="en-US" sz="1600" dirty="0">
+                <a:solidFill>
+                  <a:prstClr val="white"/>
+                </a:solidFill>
+                <a:latin typeface="Century Gothic" panose="020B0502020202020204"/>
+              </a:rPr>
+              <a:t>It would be interesting to look at ten years of historical crime data for these cities to obtain statistical mean, median, and standard deviation, by month, to compare to the period of increasing </a:t>
+            </a:r>
+            <a:r>
+              <a:rPr lang="en-US" sz="1600" dirty="0" err="1">
+                <a:solidFill>
+                  <a:prstClr val="white"/>
+                </a:solidFill>
+                <a:latin typeface="Century Gothic" panose="020B0502020202020204"/>
+              </a:rPr>
+              <a:t>Covid</a:t>
+            </a:r>
+            <a:r>
+              <a:rPr lang="en-US" sz="1600" dirty="0">
+                <a:solidFill>
+                  <a:prstClr val="white"/>
+                </a:solidFill>
+                <a:latin typeface="Century Gothic" panose="020B0502020202020204"/>
+              </a:rPr>
+              <a:t> cases to determine if there is any significance</a:t>
+            </a:r>
+          </a:p>
+        </p:txBody>
+      </p:sp>
+    </p:spTree>
+    <p:extLst>
+      <p:ext uri="{BB962C8B-B14F-4D97-AF65-F5344CB8AC3E}">
+        <p14:creationId xmlns:p14="http://schemas.microsoft.com/office/powerpoint/2010/main" val="2330399721"/>
+      </p:ext>
+    </p:extLst>
+  </p:cSld>
+  <p:clrMapOvr>
+    <a:masterClrMapping/>
+  </p:clrMapOvr>
+</p:sld>
+</file>
+
+<file path=ppt/slides/slide12.xml><?xml version="1.0" encoding="utf-8"?>
+<p:sld xmlns:a="http://schemas.openxmlformats.org/drawingml/2006/main" xmlns:r="http://schemas.openxmlformats.org/officeDocument/2006/relationships" xmlns:p="http://schemas.openxmlformats.org/presentationml/2006/main">
+  <p:cSld>
+    <p:spTree>
+      <p:nvGrpSpPr>
+        <p:cNvPr id="1" name=""/>
+        <p:cNvGrpSpPr/>
+        <p:nvPr/>
+      </p:nvGrpSpPr>
+      <p:grpSpPr>
+        <a:xfrm>
+          <a:off x="0" y="0"/>
+          <a:ext cx="0" cy="0"/>
+          <a:chOff x="0" y="0"/>
+          <a:chExt cx="0" cy="0"/>
+        </a:xfrm>
+      </p:grpSpPr>
+      <p:sp>
+        <p:nvSpPr>
+          <p:cNvPr id="2" name="Title 1">
+            <a:extLst>
+              <a:ext uri="{FF2B5EF4-FFF2-40B4-BE49-F238E27FC236}">
+                <a16:creationId xmlns:a16="http://schemas.microsoft.com/office/drawing/2014/main" id="{E4EA7D83-E83A-4D00-8E48-E1A4AE47864E}"/>
+              </a:ext>
+            </a:extLst>
+          </p:cNvPr>
+          <p:cNvSpPr>
+            <a:spLocks noGrp="1"/>
+          </p:cNvSpPr>
+          <p:nvPr>
+            <p:ph type="title"/>
+          </p:nvPr>
+        </p:nvSpPr>
+        <p:spPr/>
+        <p:txBody>
+          <a:bodyPr/>
+          <a:lstStyle/>
+          <a:p>
+            <a:r>
+              <a:rPr lang="en-US" dirty="0"/>
+              <a:t>Appendix</a:t>
+            </a:r>
+          </a:p>
+        </p:txBody>
+      </p:sp>
+      <p:sp>
+        <p:nvSpPr>
+          <p:cNvPr id="3" name="Text Placeholder 2">
+            <a:extLst>
+              <a:ext uri="{FF2B5EF4-FFF2-40B4-BE49-F238E27FC236}">
+                <a16:creationId xmlns:a16="http://schemas.microsoft.com/office/drawing/2014/main" id="{C6124F9A-467A-431E-B1CF-5703767A84E8}"/>
+              </a:ext>
+            </a:extLst>
+          </p:cNvPr>
+          <p:cNvSpPr>
+            <a:spLocks noGrp="1"/>
+          </p:cNvSpPr>
+          <p:nvPr>
+            <p:ph type="body" idx="1"/>
+          </p:nvPr>
+        </p:nvSpPr>
+        <p:spPr/>
+        <p:txBody>
+          <a:bodyPr/>
+          <a:lstStyle/>
+          <a:p>
+            <a:r>
+              <a:rPr lang="en-US" dirty="0"/>
+              <a:t>City Data</a:t>
+            </a:r>
+          </a:p>
+        </p:txBody>
+      </p:sp>
+    </p:spTree>
+    <p:extLst>
+      <p:ext uri="{BB962C8B-B14F-4D97-AF65-F5344CB8AC3E}">
+        <p14:creationId xmlns:p14="http://schemas.microsoft.com/office/powerpoint/2010/main" val="3985158558"/>
+      </p:ext>
+    </p:extLst>
+  </p:cSld>
+  <p:clrMapOvr>
+    <a:masterClrMapping/>
+  </p:clrMapOvr>
+</p:sld>
+</file>
+
+<file path=ppt/slides/slide13.xml><?xml version="1.0" encoding="utf-8"?>
+<p:sld xmlns:a="http://schemas.openxmlformats.org/drawingml/2006/main" xmlns:r="http://schemas.openxmlformats.org/officeDocument/2006/relationships" xmlns:p="http://schemas.openxmlformats.org/presentationml/2006/main">
+  <p:cSld>
+    <p:spTree>
+      <p:nvGrpSpPr>
+        <p:cNvPr id="1" name=""/>
+        <p:cNvGrpSpPr/>
+        <p:nvPr/>
+      </p:nvGrpSpPr>
+      <p:grpSpPr>
+        <a:xfrm>
+          <a:off x="0" y="0"/>
+          <a:ext cx="0" cy="0"/>
+          <a:chOff x="0" y="0"/>
+          <a:chExt cx="0" cy="0"/>
+        </a:xfrm>
+      </p:grpSpPr>
+      <p:sp>
+        <p:nvSpPr>
+          <p:cNvPr id="2" name="TextBox 1">
+            <a:extLst>
+              <a:ext uri="{FF2B5EF4-FFF2-40B4-BE49-F238E27FC236}">
+                <a16:creationId xmlns:a16="http://schemas.microsoft.com/office/drawing/2014/main" id="{5D1862C6-A8DA-4306-A593-5F204A9880D3}"/>
+              </a:ext>
+            </a:extLst>
+          </p:cNvPr>
+          <p:cNvSpPr txBox="1"/>
+          <p:nvPr/>
+        </p:nvSpPr>
+        <p:spPr>
+          <a:xfrm>
+            <a:off x="364919" y="289420"/>
+            <a:ext cx="11396445" cy="400110"/>
+          </a:xfrm>
+          <a:prstGeom prst="rect">
+            <a:avLst/>
+          </a:prstGeom>
+          <a:noFill/>
+        </p:spPr>
+        <p:txBody>
+          <a:bodyPr wrap="square" rtlCol="0">
+            <a:spAutoFit/>
+          </a:bodyPr>
+          <a:lstStyle/>
+          <a:p>
+            <a:r>
+              <a:rPr lang="en-US" sz="2000" dirty="0"/>
+              <a:t>Denver – Overview of Crime by Offense</a:t>
+            </a:r>
+          </a:p>
+        </p:txBody>
+      </p:sp>
+      <p:sp>
+        <p:nvSpPr>
+          <p:cNvPr id="3" name="TextBox 2">
+            <a:extLst>
+              <a:ext uri="{FF2B5EF4-FFF2-40B4-BE49-F238E27FC236}">
+                <a16:creationId xmlns:a16="http://schemas.microsoft.com/office/drawing/2014/main" id="{3C7E118B-15B0-482F-B997-877F829A7771}"/>
+              </a:ext>
+            </a:extLst>
+          </p:cNvPr>
+          <p:cNvSpPr txBox="1"/>
+          <p:nvPr/>
+        </p:nvSpPr>
+        <p:spPr>
+          <a:xfrm>
+            <a:off x="503339" y="906011"/>
+            <a:ext cx="11014762" cy="1815882"/>
+          </a:xfrm>
+          <a:prstGeom prst="rect">
+            <a:avLst/>
+          </a:prstGeom>
+          <a:noFill/>
+        </p:spPr>
+        <p:txBody>
+          <a:bodyPr wrap="square" rtlCol="0">
+            <a:spAutoFit/>
+          </a:bodyPr>
+          <a:lstStyle/>
+          <a:p>
+            <a:pPr marL="171450" indent="-171450">
+              <a:buFontTx/>
+              <a:buChar char="-"/>
+            </a:pPr>
+            <a:r>
+              <a:rPr lang="en-US" sz="1600" dirty="0"/>
+              <a:t>Source data and cleaning efforts</a:t>
+            </a:r>
+          </a:p>
+          <a:p>
+            <a:pPr marL="628650" lvl="1" indent="-171450">
+              <a:buFontTx/>
+              <a:buChar char="-"/>
+            </a:pPr>
+            <a:r>
+              <a:rPr lang="en-US" sz="1600" dirty="0"/>
+              <a:t>Source:  </a:t>
+            </a:r>
+            <a:r>
+              <a:rPr lang="en-US" sz="1600" dirty="0">
+                <a:hlinkClick r:id="rId2"/>
+              </a:rPr>
+              <a:t>www.denvergov.org</a:t>
+            </a:r>
+            <a:endParaRPr lang="en-US" sz="1600" dirty="0"/>
+          </a:p>
+          <a:p>
+            <a:pPr marL="628650" lvl="1" indent="-171450">
+              <a:buFontTx/>
+              <a:buChar char="-"/>
+            </a:pPr>
+            <a:r>
+              <a:rPr lang="en-US" sz="1600" dirty="0"/>
+              <a:t>Data included traffic violations; our analysis adjusted the data to exclude traffic violations and focused on property crimes and </a:t>
+            </a:r>
+            <a:r>
+              <a:rPr lang="en-US" sz="1600" dirty="0" err="1"/>
+              <a:t>criemes</a:t>
+            </a:r>
+            <a:r>
+              <a:rPr lang="en-US" sz="1600" dirty="0"/>
+              <a:t> against the person</a:t>
+            </a:r>
+          </a:p>
+          <a:p>
+            <a:pPr marL="171450" indent="-171450">
+              <a:buFontTx/>
+              <a:buChar char="-"/>
+            </a:pPr>
+            <a:r>
+              <a:rPr lang="en-US" sz="1600" dirty="0"/>
+              <a:t>During the period of our analysis (Mar 1, 2019 through June 30, 2020), Denver experienced roughly 88,000 crimes, or 181 crimes per </a:t>
+            </a:r>
+            <a:r>
+              <a:rPr lang="en-US" sz="1600" dirty="0" err="1"/>
+              <a:t>dayCommentary</a:t>
+            </a:r>
+            <a:r>
+              <a:rPr lang="en-US" sz="1600" dirty="0"/>
+              <a:t> on Denver Crime Stats</a:t>
+            </a:r>
+          </a:p>
+          <a:p>
+            <a:pPr marL="171450" indent="-171450">
+              <a:buFontTx/>
+              <a:buChar char="-"/>
+            </a:pPr>
+            <a:r>
+              <a:rPr lang="en-US" sz="1600" dirty="0"/>
+              <a:t>Insert panda </a:t>
+            </a:r>
+            <a:r>
+              <a:rPr lang="en-US" sz="1600" dirty="0" err="1"/>
+              <a:t>dataframe</a:t>
+            </a:r>
+            <a:r>
+              <a:rPr lang="en-US" sz="1600" dirty="0"/>
+              <a:t> on summary stats</a:t>
+            </a:r>
+          </a:p>
+        </p:txBody>
+      </p:sp>
+      <p:pic>
+        <p:nvPicPr>
+          <p:cNvPr id="4" name="Picture 3">
+            <a:extLst>
+              <a:ext uri="{FF2B5EF4-FFF2-40B4-BE49-F238E27FC236}">
+                <a16:creationId xmlns:a16="http://schemas.microsoft.com/office/drawing/2014/main" id="{483B8528-AD0F-4DE8-B744-9CEEB2BA81C0}"/>
+              </a:ext>
+            </a:extLst>
+          </p:cNvPr>
+          <p:cNvPicPr>
+            <a:picLocks noChangeAspect="1"/>
+          </p:cNvPicPr>
+          <p:nvPr/>
+        </p:nvPicPr>
+        <p:blipFill>
+          <a:blip r:embed="rId3"/>
+          <a:stretch>
+            <a:fillRect/>
+          </a:stretch>
+        </p:blipFill>
+        <p:spPr>
+          <a:xfrm>
+            <a:off x="204078" y="3004607"/>
+            <a:ext cx="2569728" cy="3157978"/>
+          </a:xfrm>
+          <a:prstGeom prst="rect">
+            <a:avLst/>
+          </a:prstGeom>
+        </p:spPr>
+      </p:pic>
+      <p:pic>
+        <p:nvPicPr>
+          <p:cNvPr id="6" name="Picture 5">
+            <a:extLst>
+              <a:ext uri="{FF2B5EF4-FFF2-40B4-BE49-F238E27FC236}">
+                <a16:creationId xmlns:a16="http://schemas.microsoft.com/office/drawing/2014/main" id="{A03F4B7B-B862-4175-88BC-1BA50CDE6380}"/>
+              </a:ext>
+            </a:extLst>
+          </p:cNvPr>
+          <p:cNvPicPr>
+            <a:picLocks noChangeAspect="1"/>
+          </p:cNvPicPr>
+          <p:nvPr/>
+        </p:nvPicPr>
+        <p:blipFill rotWithShape="1">
+          <a:blip r:embed="rId4">
+            <a:extLst>
+              <a:ext uri="{28A0092B-C50C-407E-A947-70E740481C1C}">
+                <a14:useLocalDpi xmlns:a14="http://schemas.microsoft.com/office/drawing/2010/main" val="0"/>
+              </a:ext>
+            </a:extLst>
+          </a:blip>
+          <a:srcRect l="7843" r="-7843"/>
+          <a:stretch/>
+        </p:blipFill>
+        <p:spPr>
+          <a:xfrm>
+            <a:off x="2983106" y="3053619"/>
+            <a:ext cx="9326899" cy="3108966"/>
+          </a:xfrm>
+          <a:prstGeom prst="rect">
+            <a:avLst/>
+          </a:prstGeom>
+        </p:spPr>
+      </p:pic>
+    </p:spTree>
+    <p:extLst>
+      <p:ext uri="{BB962C8B-B14F-4D97-AF65-F5344CB8AC3E}">
+        <p14:creationId xmlns:p14="http://schemas.microsoft.com/office/powerpoint/2010/main" val="919777908"/>
+      </p:ext>
+    </p:extLst>
+  </p:cSld>
+  <p:clrMapOvr>
+    <a:masterClrMapping/>
+  </p:clrMapOvr>
+</p:sld>
+</file>
+
+<file path=ppt/slides/slide14.xml><?xml version="1.0" encoding="utf-8"?>
+<p:sld xmlns:a="http://schemas.openxmlformats.org/drawingml/2006/main" xmlns:r="http://schemas.openxmlformats.org/officeDocument/2006/relationships" xmlns:p="http://schemas.openxmlformats.org/presentationml/2006/main">
+  <p:cSld>
+    <p:spTree>
+      <p:nvGrpSpPr>
+        <p:cNvPr id="1" name=""/>
+        <p:cNvGrpSpPr/>
+        <p:nvPr/>
+      </p:nvGrpSpPr>
+      <p:grpSpPr>
+        <a:xfrm>
+          <a:off x="0" y="0"/>
+          <a:ext cx="0" cy="0"/>
+          <a:chOff x="0" y="0"/>
+          <a:chExt cx="0" cy="0"/>
+        </a:xfrm>
+      </p:grpSpPr>
+      <p:sp>
+        <p:nvSpPr>
+          <p:cNvPr id="2" name="TextBox 1">
+            <a:extLst>
+              <a:ext uri="{FF2B5EF4-FFF2-40B4-BE49-F238E27FC236}">
+                <a16:creationId xmlns:a16="http://schemas.microsoft.com/office/drawing/2014/main" id="{5D1862C6-A8DA-4306-A593-5F204A9880D3}"/>
+              </a:ext>
+            </a:extLst>
+          </p:cNvPr>
+          <p:cNvSpPr txBox="1"/>
+          <p:nvPr/>
+        </p:nvSpPr>
+        <p:spPr>
+          <a:xfrm>
+            <a:off x="364919" y="289420"/>
+            <a:ext cx="11396445" cy="400110"/>
+          </a:xfrm>
+          <a:prstGeom prst="rect">
+            <a:avLst/>
+          </a:prstGeom>
+          <a:noFill/>
+        </p:spPr>
+        <p:txBody>
+          <a:bodyPr wrap="square" rtlCol="0">
+            <a:spAutoFit/>
+          </a:bodyPr>
+          <a:lstStyle/>
+          <a:p>
             <a:r>
               <a:rPr lang="en-US" sz="2000" dirty="0"/>
               <a:t>Denver Crime Trends – Violent vs. Non-Violent</a:t>
@@ -5828,7 +6553,7 @@
         </p:blipFill>
         <p:spPr>
           <a:xfrm>
-            <a:off x="1706871" y="2938374"/>
+            <a:off x="1706871" y="2926080"/>
             <a:ext cx="8778258" cy="3657607"/>
           </a:xfrm>
           <a:prstGeom prst="rect">
@@ -5849,7 +6574,7 @@
 </p:sld>
 </file>
 
-<file path=ppt/slides/slide12.xml><?xml version="1.0" encoding="utf-8"?>
+<file path=ppt/slides/slide15.xml><?xml version="1.0" encoding="utf-8"?>
 <p:sld xmlns:a="http://schemas.openxmlformats.org/drawingml/2006/main" xmlns:r="http://schemas.openxmlformats.org/officeDocument/2006/relationships" xmlns:p="http://schemas.openxmlformats.org/presentationml/2006/main">
   <p:cSld>
     <p:spTree>
@@ -5994,7 +6719,7 @@
         </p:blipFill>
         <p:spPr>
           <a:xfrm>
-            <a:off x="1706871" y="2939217"/>
+            <a:off x="1706880" y="2926080"/>
             <a:ext cx="8778258" cy="3657607"/>
           </a:xfrm>
           <a:prstGeom prst="rect">
@@ -6006,6 +6731,786 @@
     <p:extLst>
       <p:ext uri="{BB962C8B-B14F-4D97-AF65-F5344CB8AC3E}">
         <p14:creationId xmlns:p14="http://schemas.microsoft.com/office/powerpoint/2010/main" val="1255272295"/>
+      </p:ext>
+    </p:extLst>
+  </p:cSld>
+  <p:clrMapOvr>
+    <a:masterClrMapping/>
+  </p:clrMapOvr>
+</p:sld>
+</file>
+
+<file path=ppt/slides/slide16.xml><?xml version="1.0" encoding="utf-8"?>
+<p:sld xmlns:a="http://schemas.openxmlformats.org/drawingml/2006/main" xmlns:r="http://schemas.openxmlformats.org/officeDocument/2006/relationships" xmlns:p="http://schemas.openxmlformats.org/presentationml/2006/main">
+  <p:cSld>
+    <p:spTree>
+      <p:nvGrpSpPr>
+        <p:cNvPr id="1" name=""/>
+        <p:cNvGrpSpPr/>
+        <p:nvPr/>
+      </p:nvGrpSpPr>
+      <p:grpSpPr>
+        <a:xfrm>
+          <a:off x="0" y="0"/>
+          <a:ext cx="0" cy="0"/>
+          <a:chOff x="0" y="0"/>
+          <a:chExt cx="0" cy="0"/>
+        </a:xfrm>
+      </p:grpSpPr>
+      <p:sp>
+        <p:nvSpPr>
+          <p:cNvPr id="2" name="TextBox 1">
+            <a:extLst>
+              <a:ext uri="{FF2B5EF4-FFF2-40B4-BE49-F238E27FC236}">
+                <a16:creationId xmlns:a16="http://schemas.microsoft.com/office/drawing/2014/main" id="{5D1862C6-A8DA-4306-A593-5F204A9880D3}"/>
+              </a:ext>
+            </a:extLst>
+          </p:cNvPr>
+          <p:cNvSpPr txBox="1"/>
+          <p:nvPr/>
+        </p:nvSpPr>
+        <p:spPr>
+          <a:xfrm>
+            <a:off x="364919" y="289420"/>
+            <a:ext cx="11396445" cy="400110"/>
+          </a:xfrm>
+          <a:prstGeom prst="rect">
+            <a:avLst/>
+          </a:prstGeom>
+          <a:noFill/>
+        </p:spPr>
+        <p:txBody>
+          <a:bodyPr wrap="square" rtlCol="0">
+            <a:spAutoFit/>
+          </a:bodyPr>
+          <a:lstStyle/>
+          <a:p>
+            <a:r>
+              <a:rPr lang="en-US" sz="2000" dirty="0"/>
+              <a:t>Philadelphia – Overview of Crime by Offense</a:t>
+            </a:r>
+          </a:p>
+        </p:txBody>
+      </p:sp>
+      <p:sp>
+        <p:nvSpPr>
+          <p:cNvPr id="3" name="TextBox 2">
+            <a:extLst>
+              <a:ext uri="{FF2B5EF4-FFF2-40B4-BE49-F238E27FC236}">
+                <a16:creationId xmlns:a16="http://schemas.microsoft.com/office/drawing/2014/main" id="{3C7E118B-15B0-482F-B997-877F829A7771}"/>
+              </a:ext>
+            </a:extLst>
+          </p:cNvPr>
+          <p:cNvSpPr txBox="1"/>
+          <p:nvPr/>
+        </p:nvSpPr>
+        <p:spPr>
+          <a:xfrm>
+            <a:off x="503339" y="906011"/>
+            <a:ext cx="11014762" cy="1569660"/>
+          </a:xfrm>
+          <a:prstGeom prst="rect">
+            <a:avLst/>
+          </a:prstGeom>
+          <a:noFill/>
+        </p:spPr>
+        <p:txBody>
+          <a:bodyPr wrap="square" rtlCol="0">
+            <a:spAutoFit/>
+          </a:bodyPr>
+          <a:lstStyle/>
+          <a:p>
+            <a:pPr marL="171450" indent="-171450">
+              <a:buFontTx/>
+              <a:buChar char="-"/>
+            </a:pPr>
+            <a:r>
+              <a:rPr lang="en-US" sz="1600" dirty="0"/>
+              <a:t>Source data and cleaning efforts</a:t>
+            </a:r>
+          </a:p>
+          <a:p>
+            <a:pPr marL="628650" lvl="1" indent="-171450">
+              <a:buFontTx/>
+              <a:buChar char="-"/>
+            </a:pPr>
+            <a:r>
+              <a:rPr lang="en-US" sz="1600" dirty="0"/>
+              <a:t>Source:  </a:t>
+            </a:r>
+          </a:p>
+          <a:p>
+            <a:pPr marL="628650" lvl="1" indent="-171450">
+              <a:buFontTx/>
+              <a:buChar char="-"/>
+            </a:pPr>
+            <a:r>
+              <a:rPr lang="en-US" sz="1600" dirty="0">
+                <a:highlight>
+                  <a:srgbClr val="FFFF00"/>
+                </a:highlight>
+              </a:rPr>
+              <a:t>[Data included traffic violations; our analysis adjusted the data to exclude traffic violations and focused on property crimes and </a:t>
+            </a:r>
+            <a:r>
+              <a:rPr lang="en-US" sz="1600" dirty="0" err="1">
+                <a:highlight>
+                  <a:srgbClr val="FFFF00"/>
+                </a:highlight>
+              </a:rPr>
+              <a:t>criemes</a:t>
+            </a:r>
+            <a:r>
+              <a:rPr lang="en-US" sz="1600" dirty="0">
+                <a:highlight>
+                  <a:srgbClr val="FFFF00"/>
+                </a:highlight>
+              </a:rPr>
+              <a:t> against the person]</a:t>
+            </a:r>
+          </a:p>
+          <a:p>
+            <a:pPr marL="171450" indent="-171450">
+              <a:buFontTx/>
+              <a:buChar char="-"/>
+            </a:pPr>
+            <a:r>
+              <a:rPr lang="en-US" sz="1600" dirty="0">
+                <a:highlight>
+                  <a:srgbClr val="FFFF00"/>
+                </a:highlight>
+              </a:rPr>
+              <a:t>During the period of our analysis (Mar 1, 2019 through June 30, 2020), Denver experienced roughly 88,000 crimes, or 181 crimes per </a:t>
+            </a:r>
+            <a:r>
+              <a:rPr lang="en-US" sz="1600" dirty="0" err="1">
+                <a:highlight>
+                  <a:srgbClr val="FFFF00"/>
+                </a:highlight>
+              </a:rPr>
+              <a:t>dayCommentary</a:t>
+            </a:r>
+            <a:r>
+              <a:rPr lang="en-US" sz="1600" dirty="0">
+                <a:highlight>
+                  <a:srgbClr val="FFFF00"/>
+                </a:highlight>
+              </a:rPr>
+              <a:t> on Denver Crime Stats</a:t>
+            </a:r>
+          </a:p>
+        </p:txBody>
+      </p:sp>
+      <p:pic>
+        <p:nvPicPr>
+          <p:cNvPr id="6" name="Picture 5">
+            <a:extLst>
+              <a:ext uri="{FF2B5EF4-FFF2-40B4-BE49-F238E27FC236}">
+                <a16:creationId xmlns:a16="http://schemas.microsoft.com/office/drawing/2014/main" id="{73AE9D42-B450-4F98-BC76-4CD50EF72829}"/>
+              </a:ext>
+            </a:extLst>
+          </p:cNvPr>
+          <p:cNvPicPr>
+            <a:picLocks noChangeAspect="1"/>
+          </p:cNvPicPr>
+          <p:nvPr/>
+        </p:nvPicPr>
+        <p:blipFill rotWithShape="1">
+          <a:blip r:embed="rId2">
+            <a:extLst>
+              <a:ext uri="{28A0092B-C50C-407E-A947-70E740481C1C}">
+                <a14:useLocalDpi xmlns:a14="http://schemas.microsoft.com/office/drawing/2010/main" val="0"/>
+              </a:ext>
+            </a:extLst>
+          </a:blip>
+          <a:srcRect l="6667" r="-6667"/>
+          <a:stretch/>
+        </p:blipFill>
+        <p:spPr>
+          <a:xfrm>
+            <a:off x="3243459" y="3063239"/>
+            <a:ext cx="9326899" cy="3108966"/>
+          </a:xfrm>
+          <a:prstGeom prst="rect">
+            <a:avLst/>
+          </a:prstGeom>
+        </p:spPr>
+      </p:pic>
+    </p:spTree>
+    <p:extLst>
+      <p:ext uri="{BB962C8B-B14F-4D97-AF65-F5344CB8AC3E}">
+        <p14:creationId xmlns:p14="http://schemas.microsoft.com/office/powerpoint/2010/main" val="1223660130"/>
+      </p:ext>
+    </p:extLst>
+  </p:cSld>
+  <p:clrMapOvr>
+    <a:masterClrMapping/>
+  </p:clrMapOvr>
+</p:sld>
+</file>
+
+<file path=ppt/slides/slide17.xml><?xml version="1.0" encoding="utf-8"?>
+<p:sld xmlns:a="http://schemas.openxmlformats.org/drawingml/2006/main" xmlns:r="http://schemas.openxmlformats.org/officeDocument/2006/relationships" xmlns:p="http://schemas.openxmlformats.org/presentationml/2006/main">
+  <p:cSld>
+    <p:spTree>
+      <p:nvGrpSpPr>
+        <p:cNvPr id="1" name=""/>
+        <p:cNvGrpSpPr/>
+        <p:nvPr/>
+      </p:nvGrpSpPr>
+      <p:grpSpPr>
+        <a:xfrm>
+          <a:off x="0" y="0"/>
+          <a:ext cx="0" cy="0"/>
+          <a:chOff x="0" y="0"/>
+          <a:chExt cx="0" cy="0"/>
+        </a:xfrm>
+      </p:grpSpPr>
+      <p:sp>
+        <p:nvSpPr>
+          <p:cNvPr id="2" name="TextBox 1">
+            <a:extLst>
+              <a:ext uri="{FF2B5EF4-FFF2-40B4-BE49-F238E27FC236}">
+                <a16:creationId xmlns:a16="http://schemas.microsoft.com/office/drawing/2014/main" id="{5D1862C6-A8DA-4306-A593-5F204A9880D3}"/>
+              </a:ext>
+            </a:extLst>
+          </p:cNvPr>
+          <p:cNvSpPr txBox="1"/>
+          <p:nvPr/>
+        </p:nvSpPr>
+        <p:spPr>
+          <a:xfrm>
+            <a:off x="364919" y="289420"/>
+            <a:ext cx="11396445" cy="400110"/>
+          </a:xfrm>
+          <a:prstGeom prst="rect">
+            <a:avLst/>
+          </a:prstGeom>
+          <a:noFill/>
+        </p:spPr>
+        <p:txBody>
+          <a:bodyPr wrap="square" rtlCol="0">
+            <a:spAutoFit/>
+          </a:bodyPr>
+          <a:lstStyle/>
+          <a:p>
+            <a:r>
+              <a:rPr lang="en-US" sz="2000" dirty="0"/>
+              <a:t>Philadelphia Crime Trends – Violent vs. Non-Violent</a:t>
+            </a:r>
+          </a:p>
+        </p:txBody>
+      </p:sp>
+      <p:sp>
+        <p:nvSpPr>
+          <p:cNvPr id="3" name="TextBox 2">
+            <a:extLst>
+              <a:ext uri="{FF2B5EF4-FFF2-40B4-BE49-F238E27FC236}">
+                <a16:creationId xmlns:a16="http://schemas.microsoft.com/office/drawing/2014/main" id="{3C7E118B-15B0-482F-B997-877F829A7771}"/>
+              </a:ext>
+            </a:extLst>
+          </p:cNvPr>
+          <p:cNvSpPr txBox="1"/>
+          <p:nvPr/>
+        </p:nvSpPr>
+        <p:spPr>
+          <a:xfrm>
+            <a:off x="503339" y="906011"/>
+            <a:ext cx="11014762" cy="1815882"/>
+          </a:xfrm>
+          <a:prstGeom prst="rect">
+            <a:avLst/>
+          </a:prstGeom>
+          <a:noFill/>
+        </p:spPr>
+        <p:txBody>
+          <a:bodyPr wrap="square" rtlCol="0">
+            <a:spAutoFit/>
+          </a:bodyPr>
+          <a:lstStyle/>
+          <a:p>
+            <a:pPr marL="171450" indent="-171450">
+              <a:buFontTx/>
+              <a:buChar char="-"/>
+            </a:pPr>
+            <a:r>
+              <a:rPr lang="en-US" sz="1600" dirty="0">
+                <a:highlight>
+                  <a:srgbClr val="FFFF00"/>
+                </a:highlight>
+              </a:rPr>
+              <a:t>Denver’s crime rates have been relatively flat over the last 16 months, although we would note a general decline in crime beginning in August 2019 before increasing in April of 2020</a:t>
+            </a:r>
+          </a:p>
+          <a:p>
+            <a:pPr marL="628650" lvl="1" indent="-171450">
+              <a:buFontTx/>
+              <a:buChar char="-"/>
+            </a:pPr>
+            <a:r>
+              <a:rPr lang="en-US" sz="1600" dirty="0">
+                <a:highlight>
+                  <a:srgbClr val="FFFF00"/>
+                </a:highlight>
+              </a:rPr>
+              <a:t>While this does not appear to be seasonal, we don’t have enough data to confirm this trends and would note that given Denver’s climate, more crimes may occur in the spring and summer seasons when the weather is warmer and more people are active and outdoors</a:t>
+            </a:r>
+          </a:p>
+          <a:p>
+            <a:pPr marL="628650" lvl="1" indent="-171450">
+              <a:buFontTx/>
+              <a:buChar char="-"/>
+            </a:pPr>
+            <a:r>
+              <a:rPr lang="en-US" sz="1600" dirty="0">
+                <a:highlight>
+                  <a:srgbClr val="FFFF00"/>
+                </a:highlight>
+              </a:rPr>
+              <a:t>The team also notes the relatively high increase in non-violent crimes during May 2020, which was the highest monthly increase during the period studied</a:t>
+            </a:r>
+          </a:p>
+        </p:txBody>
+      </p:sp>
+      <p:pic>
+        <p:nvPicPr>
+          <p:cNvPr id="5" name="Picture 4">
+            <a:extLst>
+              <a:ext uri="{FF2B5EF4-FFF2-40B4-BE49-F238E27FC236}">
+                <a16:creationId xmlns:a16="http://schemas.microsoft.com/office/drawing/2014/main" id="{72C3D9C1-16F5-4530-BDB3-CE9AF1FE49AE}"/>
+              </a:ext>
+            </a:extLst>
+          </p:cNvPr>
+          <p:cNvPicPr>
+            <a:picLocks noChangeAspect="1"/>
+          </p:cNvPicPr>
+          <p:nvPr/>
+        </p:nvPicPr>
+        <p:blipFill>
+          <a:blip r:embed="rId2">
+            <a:extLst>
+              <a:ext uri="{28A0092B-C50C-407E-A947-70E740481C1C}">
+                <a14:useLocalDpi xmlns:a14="http://schemas.microsoft.com/office/drawing/2010/main" val="0"/>
+              </a:ext>
+            </a:extLst>
+          </a:blip>
+          <a:stretch>
+            <a:fillRect/>
+          </a:stretch>
+        </p:blipFill>
+        <p:spPr>
+          <a:xfrm>
+            <a:off x="1706880" y="2926080"/>
+            <a:ext cx="8778258" cy="3657607"/>
+          </a:xfrm>
+          <a:prstGeom prst="rect">
+            <a:avLst/>
+          </a:prstGeom>
+        </p:spPr>
+      </p:pic>
+    </p:spTree>
+    <p:extLst>
+      <p:ext uri="{BB962C8B-B14F-4D97-AF65-F5344CB8AC3E}">
+        <p14:creationId xmlns:p14="http://schemas.microsoft.com/office/powerpoint/2010/main" val="23285149"/>
+      </p:ext>
+    </p:extLst>
+  </p:cSld>
+  <p:clrMapOvr>
+    <a:masterClrMapping/>
+  </p:clrMapOvr>
+</p:sld>
+</file>
+
+<file path=ppt/slides/slide18.xml><?xml version="1.0" encoding="utf-8"?>
+<p:sld xmlns:a="http://schemas.openxmlformats.org/drawingml/2006/main" xmlns:r="http://schemas.openxmlformats.org/officeDocument/2006/relationships" xmlns:p="http://schemas.openxmlformats.org/presentationml/2006/main">
+  <p:cSld>
+    <p:spTree>
+      <p:nvGrpSpPr>
+        <p:cNvPr id="1" name=""/>
+        <p:cNvGrpSpPr/>
+        <p:nvPr/>
+      </p:nvGrpSpPr>
+      <p:grpSpPr>
+        <a:xfrm>
+          <a:off x="0" y="0"/>
+          <a:ext cx="0" cy="0"/>
+          <a:chOff x="0" y="0"/>
+          <a:chExt cx="0" cy="0"/>
+        </a:xfrm>
+      </p:grpSpPr>
+      <p:sp>
+        <p:nvSpPr>
+          <p:cNvPr id="2" name="TextBox 1">
+            <a:extLst>
+              <a:ext uri="{FF2B5EF4-FFF2-40B4-BE49-F238E27FC236}">
+                <a16:creationId xmlns:a16="http://schemas.microsoft.com/office/drawing/2014/main" id="{5D1862C6-A8DA-4306-A593-5F204A9880D3}"/>
+              </a:ext>
+            </a:extLst>
+          </p:cNvPr>
+          <p:cNvSpPr txBox="1"/>
+          <p:nvPr/>
+        </p:nvSpPr>
+        <p:spPr>
+          <a:xfrm>
+            <a:off x="364919" y="289420"/>
+            <a:ext cx="11396445" cy="400110"/>
+          </a:xfrm>
+          <a:prstGeom prst="rect">
+            <a:avLst/>
+          </a:prstGeom>
+          <a:noFill/>
+        </p:spPr>
+        <p:txBody>
+          <a:bodyPr wrap="square" rtlCol="0">
+            <a:spAutoFit/>
+          </a:bodyPr>
+          <a:lstStyle/>
+          <a:p>
+            <a:r>
+              <a:rPr lang="en-US" sz="2000" dirty="0"/>
+              <a:t>Philadelphia Crime Trends – Violent Crimes by Offense Type</a:t>
+            </a:r>
+          </a:p>
+        </p:txBody>
+      </p:sp>
+      <p:sp>
+        <p:nvSpPr>
+          <p:cNvPr id="3" name="TextBox 2">
+            <a:extLst>
+              <a:ext uri="{FF2B5EF4-FFF2-40B4-BE49-F238E27FC236}">
+                <a16:creationId xmlns:a16="http://schemas.microsoft.com/office/drawing/2014/main" id="{3C7E118B-15B0-482F-B997-877F829A7771}"/>
+              </a:ext>
+            </a:extLst>
+          </p:cNvPr>
+          <p:cNvSpPr txBox="1"/>
+          <p:nvPr/>
+        </p:nvSpPr>
+        <p:spPr>
+          <a:xfrm>
+            <a:off x="503339" y="906011"/>
+            <a:ext cx="11014762" cy="830997"/>
+          </a:xfrm>
+          <a:prstGeom prst="rect">
+            <a:avLst/>
+          </a:prstGeom>
+          <a:noFill/>
+        </p:spPr>
+        <p:txBody>
+          <a:bodyPr wrap="square" rtlCol="0">
+            <a:spAutoFit/>
+          </a:bodyPr>
+          <a:lstStyle/>
+          <a:p>
+            <a:pPr marL="171450" indent="-171450">
+              <a:buFontTx/>
+              <a:buChar char="-"/>
+            </a:pPr>
+            <a:r>
+              <a:rPr lang="en-US" sz="1600" dirty="0">
+                <a:highlight>
+                  <a:srgbClr val="FFFF00"/>
+                </a:highlight>
+              </a:rPr>
+              <a:t>All Violent crime offense types – </a:t>
+            </a:r>
+            <a:r>
+              <a:rPr lang="en-US" sz="1600" dirty="0" err="1">
+                <a:highlight>
+                  <a:srgbClr val="FFFF00"/>
+                </a:highlight>
+              </a:rPr>
+              <a:t>Aggrevated</a:t>
+            </a:r>
+            <a:r>
+              <a:rPr lang="en-US" sz="1600" dirty="0">
+                <a:highlight>
+                  <a:srgbClr val="FFFF00"/>
+                </a:highlight>
+              </a:rPr>
+              <a:t> and </a:t>
+            </a:r>
+            <a:r>
+              <a:rPr lang="en-US" sz="1600" dirty="0" err="1">
+                <a:highlight>
+                  <a:srgbClr val="FFFF00"/>
+                </a:highlight>
+              </a:rPr>
+              <a:t>Sexaul</a:t>
+            </a:r>
+            <a:r>
+              <a:rPr lang="en-US" sz="1600" dirty="0">
+                <a:highlight>
+                  <a:srgbClr val="FFFF00"/>
+                </a:highlight>
+              </a:rPr>
+              <a:t> Assault, Other Crimes Against Persons, and Murder – experienced an uptick in reported cases in May 2020</a:t>
+            </a:r>
+          </a:p>
+          <a:p>
+            <a:pPr marL="171450" indent="-171450">
+              <a:buFontTx/>
+              <a:buChar char="-"/>
+            </a:pPr>
+            <a:r>
+              <a:rPr lang="en-US" sz="1600" dirty="0">
+                <a:highlight>
+                  <a:srgbClr val="FFFF00"/>
+                </a:highlight>
+              </a:rPr>
+              <a:t>However, overall Violent crime cases were in line with the same period last year</a:t>
+            </a:r>
+          </a:p>
+        </p:txBody>
+      </p:sp>
+      <p:pic>
+        <p:nvPicPr>
+          <p:cNvPr id="6" name="Picture 5">
+            <a:extLst>
+              <a:ext uri="{FF2B5EF4-FFF2-40B4-BE49-F238E27FC236}">
+                <a16:creationId xmlns:a16="http://schemas.microsoft.com/office/drawing/2014/main" id="{AE4C4F28-AD73-4838-8F6E-01A939D520B8}"/>
+              </a:ext>
+            </a:extLst>
+          </p:cNvPr>
+          <p:cNvPicPr>
+            <a:picLocks noChangeAspect="1"/>
+          </p:cNvPicPr>
+          <p:nvPr/>
+        </p:nvPicPr>
+        <p:blipFill>
+          <a:blip r:embed="rId2">
+            <a:extLst>
+              <a:ext uri="{28A0092B-C50C-407E-A947-70E740481C1C}">
+                <a14:useLocalDpi xmlns:a14="http://schemas.microsoft.com/office/drawing/2010/main" val="0"/>
+              </a:ext>
+            </a:extLst>
+          </a:blip>
+          <a:stretch>
+            <a:fillRect/>
+          </a:stretch>
+        </p:blipFill>
+        <p:spPr>
+          <a:xfrm>
+            <a:off x="1706880" y="2926080"/>
+            <a:ext cx="8778258" cy="3657607"/>
+          </a:xfrm>
+          <a:prstGeom prst="rect">
+            <a:avLst/>
+          </a:prstGeom>
+        </p:spPr>
+      </p:pic>
+    </p:spTree>
+    <p:extLst>
+      <p:ext uri="{BB962C8B-B14F-4D97-AF65-F5344CB8AC3E}">
+        <p14:creationId xmlns:p14="http://schemas.microsoft.com/office/powerpoint/2010/main" val="3966998966"/>
+      </p:ext>
+    </p:extLst>
+  </p:cSld>
+  <p:clrMapOvr>
+    <a:masterClrMapping/>
+  </p:clrMapOvr>
+</p:sld>
+</file>
+
+<file path=ppt/slides/slide19.xml><?xml version="1.0" encoding="utf-8"?>
+<p:sld xmlns:a="http://schemas.openxmlformats.org/drawingml/2006/main" xmlns:r="http://schemas.openxmlformats.org/officeDocument/2006/relationships" xmlns:p="http://schemas.openxmlformats.org/presentationml/2006/main">
+  <p:cSld>
+    <p:spTree>
+      <p:nvGrpSpPr>
+        <p:cNvPr id="1" name=""/>
+        <p:cNvGrpSpPr/>
+        <p:nvPr/>
+      </p:nvGrpSpPr>
+      <p:grpSpPr>
+        <a:xfrm>
+          <a:off x="0" y="0"/>
+          <a:ext cx="0" cy="0"/>
+          <a:chOff x="0" y="0"/>
+          <a:chExt cx="0" cy="0"/>
+        </a:xfrm>
+      </p:grpSpPr>
+      <p:sp>
+        <p:nvSpPr>
+          <p:cNvPr id="2" name="TextBox 1">
+            <a:extLst>
+              <a:ext uri="{FF2B5EF4-FFF2-40B4-BE49-F238E27FC236}">
+                <a16:creationId xmlns:a16="http://schemas.microsoft.com/office/drawing/2014/main" id="{5D1862C6-A8DA-4306-A593-5F204A9880D3}"/>
+              </a:ext>
+            </a:extLst>
+          </p:cNvPr>
+          <p:cNvSpPr txBox="1"/>
+          <p:nvPr/>
+        </p:nvSpPr>
+        <p:spPr>
+          <a:xfrm>
+            <a:off x="364919" y="289420"/>
+            <a:ext cx="11396445" cy="400110"/>
+          </a:xfrm>
+          <a:prstGeom prst="rect">
+            <a:avLst/>
+          </a:prstGeom>
+          <a:noFill/>
+        </p:spPr>
+        <p:txBody>
+          <a:bodyPr wrap="square" rtlCol="0">
+            <a:spAutoFit/>
+          </a:bodyPr>
+          <a:lstStyle/>
+          <a:p>
+            <a:r>
+              <a:rPr lang="en-US" sz="2000" dirty="0"/>
+              <a:t>Seattle– Overview of Crime by Offense</a:t>
+            </a:r>
+          </a:p>
+        </p:txBody>
+      </p:sp>
+      <p:sp>
+        <p:nvSpPr>
+          <p:cNvPr id="3" name="TextBox 2">
+            <a:extLst>
+              <a:ext uri="{FF2B5EF4-FFF2-40B4-BE49-F238E27FC236}">
+                <a16:creationId xmlns:a16="http://schemas.microsoft.com/office/drawing/2014/main" id="{3C7E118B-15B0-482F-B997-877F829A7771}"/>
+              </a:ext>
+            </a:extLst>
+          </p:cNvPr>
+          <p:cNvSpPr txBox="1"/>
+          <p:nvPr/>
+        </p:nvSpPr>
+        <p:spPr>
+          <a:xfrm>
+            <a:off x="503339" y="906011"/>
+            <a:ext cx="11014762" cy="1569660"/>
+          </a:xfrm>
+          <a:prstGeom prst="rect">
+            <a:avLst/>
+          </a:prstGeom>
+          <a:noFill/>
+        </p:spPr>
+        <p:txBody>
+          <a:bodyPr wrap="square" rtlCol="0">
+            <a:spAutoFit/>
+          </a:bodyPr>
+          <a:lstStyle/>
+          <a:p>
+            <a:pPr marL="171450" indent="-171450">
+              <a:buFontTx/>
+              <a:buChar char="-"/>
+            </a:pPr>
+            <a:r>
+              <a:rPr lang="en-US" sz="1600" dirty="0"/>
+              <a:t>Source data and cleaning efforts</a:t>
+            </a:r>
+          </a:p>
+          <a:p>
+            <a:pPr marL="628650" lvl="1" indent="-171450">
+              <a:buFontTx/>
+              <a:buChar char="-"/>
+            </a:pPr>
+            <a:r>
+              <a:rPr lang="en-US" sz="1600" dirty="0"/>
+              <a:t>Source:  </a:t>
+            </a:r>
+          </a:p>
+          <a:p>
+            <a:pPr marL="628650" lvl="1" indent="-171450">
+              <a:buFontTx/>
+              <a:buChar char="-"/>
+            </a:pPr>
+            <a:r>
+              <a:rPr lang="en-US" sz="1600" dirty="0">
+                <a:highlight>
+                  <a:srgbClr val="FFFF00"/>
+                </a:highlight>
+              </a:rPr>
+              <a:t>[Data included traffic violations; our analysis adjusted the data to exclude traffic violations and focused on property crimes and </a:t>
+            </a:r>
+            <a:r>
+              <a:rPr lang="en-US" sz="1600" dirty="0" err="1">
+                <a:highlight>
+                  <a:srgbClr val="FFFF00"/>
+                </a:highlight>
+              </a:rPr>
+              <a:t>criemes</a:t>
+            </a:r>
+            <a:r>
+              <a:rPr lang="en-US" sz="1600" dirty="0">
+                <a:highlight>
+                  <a:srgbClr val="FFFF00"/>
+                </a:highlight>
+              </a:rPr>
+              <a:t> against the person]</a:t>
+            </a:r>
+          </a:p>
+          <a:p>
+            <a:pPr marL="171450" indent="-171450">
+              <a:buFontTx/>
+              <a:buChar char="-"/>
+            </a:pPr>
+            <a:r>
+              <a:rPr lang="en-US" sz="1600" dirty="0">
+                <a:highlight>
+                  <a:srgbClr val="FFFF00"/>
+                </a:highlight>
+              </a:rPr>
+              <a:t>During the period of our analysis (Mar 1, 2019 through June 30, 2020), Denver experienced roughly 88,000 crimes, or 181 crimes per </a:t>
+            </a:r>
+            <a:r>
+              <a:rPr lang="en-US" sz="1600" dirty="0" err="1">
+                <a:highlight>
+                  <a:srgbClr val="FFFF00"/>
+                </a:highlight>
+              </a:rPr>
+              <a:t>dayCommentary</a:t>
+            </a:r>
+            <a:r>
+              <a:rPr lang="en-US" sz="1600" dirty="0">
+                <a:highlight>
+                  <a:srgbClr val="FFFF00"/>
+                </a:highlight>
+              </a:rPr>
+              <a:t> on Denver Crime Stats</a:t>
+            </a:r>
+          </a:p>
+        </p:txBody>
+      </p:sp>
+      <p:pic>
+        <p:nvPicPr>
+          <p:cNvPr id="6" name="Picture 5">
+            <a:extLst>
+              <a:ext uri="{FF2B5EF4-FFF2-40B4-BE49-F238E27FC236}">
+                <a16:creationId xmlns:a16="http://schemas.microsoft.com/office/drawing/2014/main" id="{101EF915-1BD8-496E-850C-A3D81917200D}"/>
+              </a:ext>
+            </a:extLst>
+          </p:cNvPr>
+          <p:cNvPicPr>
+            <a:picLocks noChangeAspect="1"/>
+          </p:cNvPicPr>
+          <p:nvPr/>
+        </p:nvPicPr>
+        <p:blipFill rotWithShape="1">
+          <a:blip r:embed="rId2">
+            <a:extLst>
+              <a:ext uri="{28A0092B-C50C-407E-A947-70E740481C1C}">
+                <a14:useLocalDpi xmlns:a14="http://schemas.microsoft.com/office/drawing/2010/main" val="0"/>
+              </a:ext>
+            </a:extLst>
+          </a:blip>
+          <a:srcRect l="8333" r="-8333"/>
+          <a:stretch/>
+        </p:blipFill>
+        <p:spPr>
+          <a:xfrm>
+            <a:off x="2558705" y="2875543"/>
+            <a:ext cx="9875540" cy="3291846"/>
+          </a:xfrm>
+          <a:prstGeom prst="rect">
+            <a:avLst/>
+          </a:prstGeom>
+        </p:spPr>
+      </p:pic>
+    </p:spTree>
+    <p:extLst>
+      <p:ext uri="{BB962C8B-B14F-4D97-AF65-F5344CB8AC3E}">
+        <p14:creationId xmlns:p14="http://schemas.microsoft.com/office/powerpoint/2010/main" val="1713188834"/>
       </p:ext>
     </p:extLst>
   </p:cSld>
@@ -6092,6 +7597,178 @@
     <p:extLst>
       <p:ext uri="{BB962C8B-B14F-4D97-AF65-F5344CB8AC3E}">
         <p14:creationId xmlns:p14="http://schemas.microsoft.com/office/powerpoint/2010/main" val="2503354164"/>
+      </p:ext>
+    </p:extLst>
+  </p:cSld>
+  <p:clrMapOvr>
+    <a:masterClrMapping/>
+  </p:clrMapOvr>
+</p:sld>
+</file>
+
+<file path=ppt/slides/slide20.xml><?xml version="1.0" encoding="utf-8"?>
+<p:sld xmlns:a="http://schemas.openxmlformats.org/drawingml/2006/main" xmlns:r="http://schemas.openxmlformats.org/officeDocument/2006/relationships" xmlns:p="http://schemas.openxmlformats.org/presentationml/2006/main">
+  <p:cSld>
+    <p:spTree>
+      <p:nvGrpSpPr>
+        <p:cNvPr id="1" name=""/>
+        <p:cNvGrpSpPr/>
+        <p:nvPr/>
+      </p:nvGrpSpPr>
+      <p:grpSpPr>
+        <a:xfrm>
+          <a:off x="0" y="0"/>
+          <a:ext cx="0" cy="0"/>
+          <a:chOff x="0" y="0"/>
+          <a:chExt cx="0" cy="0"/>
+        </a:xfrm>
+      </p:grpSpPr>
+      <p:sp>
+        <p:nvSpPr>
+          <p:cNvPr id="2" name="TextBox 1">
+            <a:extLst>
+              <a:ext uri="{FF2B5EF4-FFF2-40B4-BE49-F238E27FC236}">
+                <a16:creationId xmlns:a16="http://schemas.microsoft.com/office/drawing/2014/main" id="{5D1862C6-A8DA-4306-A593-5F204A9880D3}"/>
+              </a:ext>
+            </a:extLst>
+          </p:cNvPr>
+          <p:cNvSpPr txBox="1"/>
+          <p:nvPr/>
+        </p:nvSpPr>
+        <p:spPr>
+          <a:xfrm>
+            <a:off x="364919" y="289420"/>
+            <a:ext cx="11396445" cy="400110"/>
+          </a:xfrm>
+          <a:prstGeom prst="rect">
+            <a:avLst/>
+          </a:prstGeom>
+          <a:noFill/>
+        </p:spPr>
+        <p:txBody>
+          <a:bodyPr wrap="square" rtlCol="0">
+            <a:spAutoFit/>
+          </a:bodyPr>
+          <a:lstStyle/>
+          <a:p>
+            <a:r>
+              <a:rPr lang="en-US" sz="2000" dirty="0"/>
+              <a:t>Seattle Crime Trends – Violent vs. Non-Violent</a:t>
+            </a:r>
+          </a:p>
+        </p:txBody>
+      </p:sp>
+      <p:sp>
+        <p:nvSpPr>
+          <p:cNvPr id="3" name="TextBox 2">
+            <a:extLst>
+              <a:ext uri="{FF2B5EF4-FFF2-40B4-BE49-F238E27FC236}">
+                <a16:creationId xmlns:a16="http://schemas.microsoft.com/office/drawing/2014/main" id="{3C7E118B-15B0-482F-B997-877F829A7771}"/>
+              </a:ext>
+            </a:extLst>
+          </p:cNvPr>
+          <p:cNvSpPr txBox="1"/>
+          <p:nvPr/>
+        </p:nvSpPr>
+        <p:spPr>
+          <a:xfrm>
+            <a:off x="503339" y="906011"/>
+            <a:ext cx="11014762" cy="1815882"/>
+          </a:xfrm>
+          <a:prstGeom prst="rect">
+            <a:avLst/>
+          </a:prstGeom>
+          <a:noFill/>
+        </p:spPr>
+        <p:txBody>
+          <a:bodyPr wrap="square" rtlCol="0">
+            <a:spAutoFit/>
+          </a:bodyPr>
+          <a:lstStyle/>
+          <a:p>
+            <a:pPr marL="171450" indent="-171450">
+              <a:buFontTx/>
+              <a:buChar char="-"/>
+            </a:pPr>
+            <a:r>
+              <a:rPr lang="en-US" sz="1600" dirty="0">
+                <a:highlight>
+                  <a:srgbClr val="FFFF00"/>
+                </a:highlight>
+              </a:rPr>
+              <a:t>Denver’s crime rates have been relatively flat over the last 16 months, although we would note a general decline in crime beginning in August 2019 before increasing in April of 2020</a:t>
+            </a:r>
+          </a:p>
+          <a:p>
+            <a:pPr marL="628650" lvl="1" indent="-171450">
+              <a:buFontTx/>
+              <a:buChar char="-"/>
+            </a:pPr>
+            <a:r>
+              <a:rPr lang="en-US" sz="1600" dirty="0">
+                <a:highlight>
+                  <a:srgbClr val="FFFF00"/>
+                </a:highlight>
+              </a:rPr>
+              <a:t>While this does not appear to be seasonal, we don’t have enough data to confirm this trends and would note that given Denver’s climate, more crimes may occur in the spring and summer seasons when the weather is warmer and more people are active and outdoors</a:t>
+            </a:r>
+          </a:p>
+          <a:p>
+            <a:pPr marL="628650" lvl="1" indent="-171450">
+              <a:buFontTx/>
+              <a:buChar char="-"/>
+            </a:pPr>
+            <a:r>
+              <a:rPr lang="en-US" sz="1600" dirty="0">
+                <a:highlight>
+                  <a:srgbClr val="FFFF00"/>
+                </a:highlight>
+              </a:rPr>
+              <a:t>The team also notes the relatively high increase in non-violent crimes during May 2020, which was the highest monthly increase during the period studied</a:t>
+            </a:r>
+          </a:p>
+        </p:txBody>
+      </p:sp>
+      <p:pic>
+        <p:nvPicPr>
+          <p:cNvPr id="5" name="Picture 4">
+            <a:extLst>
+              <a:ext uri="{FF2B5EF4-FFF2-40B4-BE49-F238E27FC236}">
+                <a16:creationId xmlns:a16="http://schemas.microsoft.com/office/drawing/2014/main" id="{D43B68E3-AAFD-4284-822F-13B2D2CD5BBE}"/>
+              </a:ext>
+            </a:extLst>
+          </p:cNvPr>
+          <p:cNvPicPr>
+            <a:picLocks noChangeAspect="1"/>
+          </p:cNvPicPr>
+          <p:nvPr/>
+        </p:nvPicPr>
+        <p:blipFill>
+          <a:blip r:embed="rId2">
+            <a:extLst>
+              <a:ext uri="{28A0092B-C50C-407E-A947-70E740481C1C}">
+                <a14:useLocalDpi xmlns:a14="http://schemas.microsoft.com/office/drawing/2010/main" val="0"/>
+              </a:ext>
+            </a:extLst>
+          </a:blip>
+          <a:stretch>
+            <a:fillRect/>
+          </a:stretch>
+        </p:blipFill>
+        <p:spPr>
+          <a:xfrm>
+            <a:off x="1432551" y="2682372"/>
+            <a:ext cx="9326899" cy="3886208"/>
+          </a:xfrm>
+          <a:prstGeom prst="rect">
+            <a:avLst/>
+          </a:prstGeom>
+        </p:spPr>
+      </p:pic>
+    </p:spTree>
+    <p:extLst>
+      <p:ext uri="{BB962C8B-B14F-4D97-AF65-F5344CB8AC3E}">
+        <p14:creationId xmlns:p14="http://schemas.microsoft.com/office/powerpoint/2010/main" val="1102155468"/>
       </p:ext>
     </p:extLst>
   </p:cSld>
@@ -6712,7 +8389,7 @@
         <p:spPr>
           <a:xfrm>
             <a:off x="364919" y="906011"/>
-            <a:ext cx="2636899" cy="1077218"/>
+            <a:ext cx="2636899" cy="5509200"/>
           </a:xfrm>
           <a:prstGeom prst="rect">
             <a:avLst/>
@@ -6731,6 +8408,16 @@
             </a:pPr>
             <a:r>
               <a:rPr lang="en-US" sz="1600" dirty="0"/>
+              <a:t>Data through 6/30/2020</a:t>
+            </a:r>
+          </a:p>
+          <a:p>
+            <a:pPr marL="285750" indent="-285750">
+              <a:buFontTx/>
+              <a:buChar char="-"/>
+            </a:pPr>
+            <a:r>
+              <a:rPr lang="en-US" sz="1600" dirty="0"/>
               <a:t>Top Outbreaks:</a:t>
             </a:r>
           </a:p>
@@ -6764,14 +8451,49 @@
               <a:t>Washington DC</a:t>
             </a:r>
           </a:p>
+          <a:p>
+            <a:pPr marL="285750" indent="-285750">
+              <a:buFontTx/>
+              <a:buChar char="-"/>
+            </a:pPr>
+            <a:r>
+              <a:rPr lang="en-US" sz="1600" dirty="0"/>
+              <a:t>With the exception of Los Angeles, all of our target cities appear to have been able to “flatten the curve”</a:t>
+            </a:r>
+          </a:p>
+          <a:p>
+            <a:pPr marL="285750" indent="-285750">
+              <a:buFontTx/>
+              <a:buChar char="-"/>
+            </a:pPr>
+            <a:r>
+              <a:rPr lang="en-US" sz="1600" dirty="0"/>
+              <a:t>As Los Angeles has experienced the highest number of cases, which also appear to be accelerating, any correlation between </a:t>
+            </a:r>
+            <a:r>
+              <a:rPr lang="en-US" sz="1600" dirty="0" err="1"/>
+              <a:t>Covid</a:t>
+            </a:r>
+            <a:r>
+              <a:rPr lang="en-US" sz="1600" dirty="0"/>
+              <a:t> and crime should be more apparent in LA</a:t>
+            </a:r>
+          </a:p>
+          <a:p>
+            <a:pPr marL="285750" indent="-285750">
+              <a:buFontTx/>
+              <a:buChar char="-"/>
+            </a:pPr>
+            <a:endParaRPr lang="en-US" sz="1600" dirty="0"/>
+          </a:p>
         </p:txBody>
       </p:sp>
       <p:pic>
         <p:nvPicPr>
-          <p:cNvPr id="7" name="Picture 6">
+          <p:cNvPr id="5" name="Picture 4">
             <a:extLst>
               <a:ext uri="{FF2B5EF4-FFF2-40B4-BE49-F238E27FC236}">
-                <a16:creationId xmlns:a16="http://schemas.microsoft.com/office/drawing/2014/main" id="{D56D59D7-121C-4CBE-952E-224A46979BF1}"/>
+                <a16:creationId xmlns:a16="http://schemas.microsoft.com/office/drawing/2014/main" id="{ADD8A5CF-E9B1-44AA-8CF6-817A536F027F}"/>
               </a:ext>
             </a:extLst>
           </p:cNvPr>
@@ -6794,8 +8516,8 @@
         </p:blipFill>
         <p:spPr>
           <a:xfrm>
-            <a:off x="3098519" y="876194"/>
-            <a:ext cx="8558801" cy="5705868"/>
+            <a:off x="3415356" y="1014298"/>
+            <a:ext cx="8229617" cy="5486411"/>
           </a:xfrm>
           <a:prstGeom prst="rect">
             <a:avLst/>
@@ -6862,8 +8584,13 @@
           <a:p>
             <a:r>
               <a:rPr lang="en-US" sz="2000" dirty="0"/>
-              <a:t>Crime Count in Selected Cities</a:t>
-            </a:r>
+              <a:t>Correlation of Non-violent and Violent Crimes – All </a:t>
+            </a:r>
+            <a:r>
+              <a:rPr lang="en-US" sz="2000" dirty="0" err="1"/>
+              <a:t>CitiesCities</a:t>
+            </a:r>
+            <a:endParaRPr lang="en-US" sz="2000" dirty="0"/>
           </a:p>
         </p:txBody>
       </p:sp>
@@ -6881,8 +8608,8 @@
         </p:nvSpPr>
         <p:spPr>
           <a:xfrm>
-            <a:off x="503339" y="906011"/>
-            <a:ext cx="11014762" cy="338554"/>
+            <a:off x="364919" y="906011"/>
+            <a:ext cx="11187653" cy="1815882"/>
           </a:xfrm>
           <a:prstGeom prst="rect">
             <a:avLst/>
@@ -6895,21 +8622,153 @@
           </a:bodyPr>
           <a:lstStyle/>
           <a:p>
-            <a:pPr marL="171450" indent="-171450">
+            <a:pPr marL="285750" indent="-285750">
               <a:buFontTx/>
               <a:buChar char="-"/>
             </a:pPr>
             <a:r>
               <a:rPr lang="en-US" sz="1600" dirty="0"/>
-              <a:t>Similar chart format as previous page</a:t>
-            </a:r>
-          </a:p>
-        </p:txBody>
-      </p:sp>
+              <a:t>Overall, we found no correlation between COVID and non-violent and violent crime trends over the last 16 months</a:t>
+            </a:r>
+          </a:p>
+          <a:p>
+            <a:pPr marL="742950" lvl="1" indent="-285750">
+              <a:buFontTx/>
+              <a:buChar char="-"/>
+            </a:pPr>
+            <a:r>
+              <a:rPr lang="en-US" sz="1600" dirty="0"/>
+              <a:t>Analysis looks at the percent change in daily COVID  cases across all cities vs. daily % change in non-violent and violent crimes</a:t>
+            </a:r>
+          </a:p>
+          <a:p>
+            <a:pPr marL="742950" lvl="1" indent="-285750">
+              <a:buFontTx/>
+              <a:buChar char="-"/>
+            </a:pPr>
+            <a:r>
+              <a:rPr lang="en-US" sz="1600" dirty="0"/>
+              <a:t>Both data sets show a very low r-squared value as well as a nearly flat increase in reported crime cases regardless of the daily change in case counts</a:t>
+            </a:r>
+          </a:p>
+          <a:p>
+            <a:pPr marL="285750" indent="-285750">
+              <a:buFontTx/>
+              <a:buChar char="-"/>
+            </a:pPr>
+            <a:endParaRPr lang="en-US" sz="1600" dirty="0"/>
+          </a:p>
+        </p:txBody>
+      </p:sp>
+      <p:pic>
+        <p:nvPicPr>
+          <p:cNvPr id="4" name="Picture 3">
+            <a:extLst>
+              <a:ext uri="{FF2B5EF4-FFF2-40B4-BE49-F238E27FC236}">
+                <a16:creationId xmlns:a16="http://schemas.microsoft.com/office/drawing/2014/main" id="{AF7FA9C4-5884-4B17-B0CA-867DFA47510F}"/>
+              </a:ext>
+            </a:extLst>
+          </p:cNvPr>
+          <p:cNvPicPr>
+            <a:picLocks noChangeAspect="1"/>
+          </p:cNvPicPr>
+          <p:nvPr/>
+        </p:nvPicPr>
+        <p:blipFill>
+          <a:blip r:embed="rId2"/>
+          <a:stretch>
+            <a:fillRect/>
+          </a:stretch>
+        </p:blipFill>
+        <p:spPr>
+          <a:xfrm>
+            <a:off x="5861142" y="2859696"/>
+            <a:ext cx="4402646" cy="3330797"/>
+          </a:xfrm>
+          <a:prstGeom prst="rect">
+            <a:avLst/>
+          </a:prstGeom>
+        </p:spPr>
+      </p:pic>
+      <p:sp>
+        <p:nvSpPr>
+          <p:cNvPr id="6" name="AutoShape 2">
+            <a:extLst>
+              <a:ext uri="{FF2B5EF4-FFF2-40B4-BE49-F238E27FC236}">
+                <a16:creationId xmlns:a16="http://schemas.microsoft.com/office/drawing/2014/main" id="{50E896F7-BC21-4EC8-A913-D6DF992BEDE3}"/>
+              </a:ext>
+            </a:extLst>
+          </p:cNvPr>
+          <p:cNvSpPr>
+            <a:spLocks noChangeAspect="1" noChangeArrowheads="1"/>
+          </p:cNvSpPr>
+          <p:nvPr/>
+        </p:nvSpPr>
+        <p:spPr bwMode="auto">
+          <a:xfrm>
+            <a:off x="6268453" y="3360821"/>
+            <a:ext cx="304800" cy="304800"/>
+          </a:xfrm>
+          <a:prstGeom prst="rect">
+            <a:avLst/>
+          </a:prstGeom>
+          <a:noFill/>
+          <a:extLst>
+            <a:ext uri="{909E8E84-426E-40DD-AFC4-6F175D3DCCD1}">
+              <a14:hiddenFill xmlns:a14="http://schemas.microsoft.com/office/drawing/2010/main">
+                <a:solidFill>
+                  <a:srgbClr val="FFFFFF"/>
+                </a:solidFill>
+              </a14:hiddenFill>
+            </a:ext>
+          </a:extLst>
+        </p:spPr>
+        <p:txBody>
+          <a:bodyPr vert="horz" wrap="square" lIns="91440" tIns="45720" rIns="91440" bIns="45720" numCol="1" anchor="t" anchorCtr="0" compatLnSpc="1">
+            <a:prstTxWarp prst="textNoShape">
+              <a:avLst/>
+            </a:prstTxWarp>
+          </a:bodyPr>
+          <a:lstStyle/>
+          <a:p>
+            <a:endParaRPr lang="en-US"/>
+          </a:p>
+        </p:txBody>
+      </p:sp>
+      <p:pic>
+        <p:nvPicPr>
+          <p:cNvPr id="7" name="Picture 6">
+            <a:extLst>
+              <a:ext uri="{FF2B5EF4-FFF2-40B4-BE49-F238E27FC236}">
+                <a16:creationId xmlns:a16="http://schemas.microsoft.com/office/drawing/2014/main" id="{8F106EA7-5717-435E-B731-C654C760E3AC}"/>
+              </a:ext>
+            </a:extLst>
+          </p:cNvPr>
+          <p:cNvPicPr>
+            <a:picLocks noChangeAspect="1"/>
+          </p:cNvPicPr>
+          <p:nvPr/>
+        </p:nvPicPr>
+        <p:blipFill>
+          <a:blip r:embed="rId3"/>
+          <a:stretch>
+            <a:fillRect/>
+          </a:stretch>
+        </p:blipFill>
+        <p:spPr>
+          <a:xfrm>
+            <a:off x="1058780" y="2859696"/>
+            <a:ext cx="4148519" cy="3332417"/>
+          </a:xfrm>
+          <a:prstGeom prst="rect">
+            <a:avLst/>
+          </a:prstGeom>
+        </p:spPr>
+      </p:pic>
     </p:spTree>
     <p:extLst>
       <p:ext uri="{BB962C8B-B14F-4D97-AF65-F5344CB8AC3E}">
-        <p14:creationId xmlns:p14="http://schemas.microsoft.com/office/powerpoint/2010/main" val="2891873947"/>
+        <p14:creationId xmlns:p14="http://schemas.microsoft.com/office/powerpoint/2010/main" val="1067308306"/>
       </p:ext>
     </p:extLst>
   </p:cSld>
@@ -6966,7 +8825,7 @@
           <a:p>
             <a:r>
               <a:rPr lang="en-US" sz="2000" dirty="0"/>
-              <a:t>Crime Trends vs. COVID 19 Reported  Cases</a:t>
+              <a:t>Los Angeles – Overview of Crime by Offense</a:t>
             </a:r>
           </a:p>
         </p:txBody>
@@ -6986,7 +8845,7 @@
         <p:spPr>
           <a:xfrm>
             <a:off x="503339" y="906011"/>
-            <a:ext cx="11014762" cy="584775"/>
+            <a:ext cx="5592661" cy="2062103"/>
           </a:xfrm>
           <a:prstGeom prst="rect">
             <a:avLst/>
@@ -7005,7 +8864,7 @@
             </a:pPr>
             <a:r>
               <a:rPr lang="en-US" sz="1600" dirty="0"/>
-              <a:t>Insert scatter plot and regressions</a:t>
+              <a:t>Los Angeles represented the city with the highest rate of violent crimes in our city sample, with nearly 29% of all reported crimes classified as Violent</a:t>
             </a:r>
           </a:p>
           <a:p>
@@ -7015,15 +8874,106 @@
             </a:pPr>
             <a:r>
               <a:rPr lang="en-US" sz="1600" dirty="0"/>
-              <a:t>Summary findings</a:t>
-            </a:r>
-          </a:p>
-        </p:txBody>
-      </p:sp>
+              <a:t>Violent crimes represent f of the top 10 reported crimes</a:t>
+            </a:r>
+          </a:p>
+          <a:p>
+            <a:pPr marL="171450" indent="-171450">
+              <a:buFontTx/>
+              <a:buChar char="-"/>
+            </a:pPr>
+            <a:r>
+              <a:rPr lang="en-US" sz="1600" dirty="0"/>
+              <a:t>Top violent crimes include Battery – Simple </a:t>
+            </a:r>
+            <a:r>
+              <a:rPr lang="en-US" sz="1600" dirty="0" err="1"/>
+              <a:t>Assualt</a:t>
+            </a:r>
+            <a:r>
+              <a:rPr lang="en-US" sz="1600" dirty="0"/>
+              <a:t>, Intimate Partner, Simple Assault, </a:t>
+            </a:r>
+            <a:r>
+              <a:rPr lang="en-US" sz="1600" dirty="0" err="1"/>
+              <a:t>Assaul</a:t>
+            </a:r>
+            <a:r>
+              <a:rPr lang="en-US" sz="1600" dirty="0"/>
+              <a:t> with a Deadly Weapon, and Robbery</a:t>
+            </a:r>
+          </a:p>
+        </p:txBody>
+      </p:sp>
+      <p:pic>
+        <p:nvPicPr>
+          <p:cNvPr id="5" name="Picture 4">
+            <a:extLst>
+              <a:ext uri="{FF2B5EF4-FFF2-40B4-BE49-F238E27FC236}">
+                <a16:creationId xmlns:a16="http://schemas.microsoft.com/office/drawing/2014/main" id="{B4D552C2-A9CE-4837-8A90-C5F689EE9156}"/>
+              </a:ext>
+            </a:extLst>
+          </p:cNvPr>
+          <p:cNvPicPr>
+            <a:picLocks noChangeAspect="1"/>
+          </p:cNvPicPr>
+          <p:nvPr/>
+        </p:nvPicPr>
+        <p:blipFill rotWithShape="1">
+          <a:blip r:embed="rId2">
+            <a:extLst>
+              <a:ext uri="{28A0092B-C50C-407E-A947-70E740481C1C}">
+                <a14:useLocalDpi xmlns:a14="http://schemas.microsoft.com/office/drawing/2010/main" val="0"/>
+              </a:ext>
+            </a:extLst>
+          </a:blip>
+          <a:srcRect l="8333" r="-8333"/>
+          <a:stretch/>
+        </p:blipFill>
+        <p:spPr>
+          <a:xfrm>
+            <a:off x="2979806" y="3566139"/>
+            <a:ext cx="9326899" cy="3108966"/>
+          </a:xfrm>
+          <a:prstGeom prst="rect">
+            <a:avLst/>
+          </a:prstGeom>
+        </p:spPr>
+      </p:pic>
+      <p:pic>
+        <p:nvPicPr>
+          <p:cNvPr id="4" name="Picture 3">
+            <a:extLst>
+              <a:ext uri="{FF2B5EF4-FFF2-40B4-BE49-F238E27FC236}">
+                <a16:creationId xmlns:a16="http://schemas.microsoft.com/office/drawing/2014/main" id="{BB5B54C5-757A-4859-A49E-72D082258AF9}"/>
+              </a:ext>
+            </a:extLst>
+          </p:cNvPr>
+          <p:cNvPicPr>
+            <a:picLocks noChangeAspect="1"/>
+          </p:cNvPicPr>
+          <p:nvPr/>
+        </p:nvPicPr>
+        <p:blipFill>
+          <a:blip r:embed="rId3"/>
+          <a:stretch>
+            <a:fillRect/>
+          </a:stretch>
+        </p:blipFill>
+        <p:spPr>
+          <a:xfrm>
+            <a:off x="6526304" y="489475"/>
+            <a:ext cx="4991797" cy="2924583"/>
+          </a:xfrm>
+          <a:prstGeom prst="rect">
+            <a:avLst/>
+          </a:prstGeom>
+        </p:spPr>
+      </p:pic>
     </p:spTree>
     <p:extLst>
       <p:ext uri="{BB962C8B-B14F-4D97-AF65-F5344CB8AC3E}">
-        <p14:creationId xmlns:p14="http://schemas.microsoft.com/office/powerpoint/2010/main" val="2690857523"/>
+        <p14:creationId xmlns:p14="http://schemas.microsoft.com/office/powerpoint/2010/main" val="150486624"/>
       </p:ext>
     </p:extLst>
   </p:cSld>
@@ -7080,7 +9030,7 @@
           <a:p>
             <a:r>
               <a:rPr lang="en-US" sz="2000" dirty="0"/>
-              <a:t>Crime Trends vs. COVID 19 Reported  Cases</a:t>
+              <a:t>Los Angeles Crime Trends – Violent vs. Non-Violent</a:t>
             </a:r>
           </a:p>
         </p:txBody>
@@ -7100,7 +9050,7 @@
         <p:spPr>
           <a:xfrm>
             <a:off x="503339" y="906011"/>
-            <a:ext cx="11014762" cy="584775"/>
+            <a:ext cx="11014762" cy="1077218"/>
           </a:xfrm>
           <a:prstGeom prst="rect">
             <a:avLst/>
@@ -7119,7 +9069,7 @@
             </a:pPr>
             <a:r>
               <a:rPr lang="en-US" sz="1600" dirty="0"/>
-              <a:t>Insert scatter plot and regressions</a:t>
+              <a:t>Los Angeles’ crime rates have generally been on a downward trend over the last 16 months</a:t>
             </a:r>
           </a:p>
           <a:p>
@@ -7129,15 +9079,55 @@
             </a:pPr>
             <a:r>
               <a:rPr lang="en-US" sz="1600" dirty="0"/>
-              <a:t>Summary findings</a:t>
-            </a:r>
-          </a:p>
-        </p:txBody>
-      </p:sp>
+              <a:t>There was a small spike in both non-violent and violent crime beginning n the month of May</a:t>
+            </a:r>
+          </a:p>
+          <a:p>
+            <a:pPr marL="628650" lvl="1" indent="-171450">
+              <a:buFontTx/>
+              <a:buChar char="-"/>
+            </a:pPr>
+            <a:r>
+              <a:rPr lang="en-US" sz="1600" dirty="0"/>
+              <a:t>Non-violent crimes are still lower than the same period in 2019, while violent crimes are roughly equivalent to the same period last year</a:t>
+            </a:r>
+          </a:p>
+        </p:txBody>
+      </p:sp>
+      <p:pic>
+        <p:nvPicPr>
+          <p:cNvPr id="4" name="Picture 3">
+            <a:extLst>
+              <a:ext uri="{FF2B5EF4-FFF2-40B4-BE49-F238E27FC236}">
+                <a16:creationId xmlns:a16="http://schemas.microsoft.com/office/drawing/2014/main" id="{699DB2FF-DB79-4F52-8603-D41562638746}"/>
+              </a:ext>
+            </a:extLst>
+          </p:cNvPr>
+          <p:cNvPicPr>
+            <a:picLocks noChangeAspect="1"/>
+          </p:cNvPicPr>
+          <p:nvPr/>
+        </p:nvPicPr>
+        <p:blipFill>
+          <a:blip r:embed="rId2"/>
+          <a:stretch>
+            <a:fillRect/>
+          </a:stretch>
+        </p:blipFill>
+        <p:spPr>
+          <a:xfrm>
+            <a:off x="1809750" y="2705768"/>
+            <a:ext cx="8572500" cy="3571875"/>
+          </a:xfrm>
+          <a:prstGeom prst="rect">
+            <a:avLst/>
+          </a:prstGeom>
+        </p:spPr>
+      </p:pic>
     </p:spTree>
     <p:extLst>
       <p:ext uri="{BB962C8B-B14F-4D97-AF65-F5344CB8AC3E}">
-        <p14:creationId xmlns:p14="http://schemas.microsoft.com/office/powerpoint/2010/main" val="1441674498"/>
+        <p14:creationId xmlns:p14="http://schemas.microsoft.com/office/powerpoint/2010/main" val="997399480"/>
       </p:ext>
     </p:extLst>
   </p:cSld>
@@ -7166,64 +9156,140 @@
       </p:grpSpPr>
       <p:sp>
         <p:nvSpPr>
-          <p:cNvPr id="2" name="Title 1">
+          <p:cNvPr id="2" name="TextBox 1">
             <a:extLst>
               <a:ext uri="{FF2B5EF4-FFF2-40B4-BE49-F238E27FC236}">
-                <a16:creationId xmlns:a16="http://schemas.microsoft.com/office/drawing/2014/main" id="{E4EA7D83-E83A-4D00-8E48-E1A4AE47864E}"/>
+                <a16:creationId xmlns:a16="http://schemas.microsoft.com/office/drawing/2014/main" id="{5D1862C6-A8DA-4306-A593-5F204A9880D3}"/>
               </a:ext>
             </a:extLst>
           </p:cNvPr>
-          <p:cNvSpPr>
-            <a:spLocks noGrp="1"/>
-          </p:cNvSpPr>
-          <p:nvPr>
-            <p:ph type="title"/>
-          </p:nvPr>
-        </p:nvSpPr>
-        <p:spPr/>
-        <p:txBody>
-          <a:bodyPr/>
-          <a:lstStyle/>
-          <a:p>
-            <a:r>
-              <a:rPr lang="en-US" dirty="0"/>
-              <a:t>Appendix</a:t>
-            </a:r>
-          </a:p>
-        </p:txBody>
-      </p:sp>
-      <p:sp>
-        <p:nvSpPr>
-          <p:cNvPr id="3" name="Text Placeholder 2">
+          <p:cNvSpPr txBox="1"/>
+          <p:nvPr/>
+        </p:nvSpPr>
+        <p:spPr>
+          <a:xfrm>
+            <a:off x="364919" y="289420"/>
+            <a:ext cx="11396445" cy="400110"/>
+          </a:xfrm>
+          <a:prstGeom prst="rect">
+            <a:avLst/>
+          </a:prstGeom>
+          <a:noFill/>
+        </p:spPr>
+        <p:txBody>
+          <a:bodyPr wrap="square" rtlCol="0">
+            <a:spAutoFit/>
+          </a:bodyPr>
+          <a:lstStyle/>
+          <a:p>
+            <a:r>
+              <a:rPr lang="en-US" sz="2000" dirty="0"/>
+              <a:t>Los Angeles Crime Trends – Violent Crimes by Offense Type</a:t>
+            </a:r>
+          </a:p>
+        </p:txBody>
+      </p:sp>
+      <p:sp>
+        <p:nvSpPr>
+          <p:cNvPr id="3" name="TextBox 2">
             <a:extLst>
               <a:ext uri="{FF2B5EF4-FFF2-40B4-BE49-F238E27FC236}">
-                <a16:creationId xmlns:a16="http://schemas.microsoft.com/office/drawing/2014/main" id="{C6124F9A-467A-431E-B1CF-5703767A84E8}"/>
+                <a16:creationId xmlns:a16="http://schemas.microsoft.com/office/drawing/2014/main" id="{3C7E118B-15B0-482F-B997-877F829A7771}"/>
               </a:ext>
             </a:extLst>
           </p:cNvPr>
-          <p:cNvSpPr>
-            <a:spLocks noGrp="1"/>
-          </p:cNvSpPr>
-          <p:nvPr>
-            <p:ph type="body" idx="1"/>
-          </p:nvPr>
-        </p:nvSpPr>
-        <p:spPr/>
-        <p:txBody>
-          <a:bodyPr/>
-          <a:lstStyle/>
-          <a:p>
-            <a:r>
-              <a:rPr lang="en-US" dirty="0"/>
-              <a:t>City Data</a:t>
-            </a:r>
-          </a:p>
-        </p:txBody>
-      </p:sp>
+          <p:cNvSpPr txBox="1"/>
+          <p:nvPr/>
+        </p:nvSpPr>
+        <p:spPr>
+          <a:xfrm>
+            <a:off x="503339" y="906011"/>
+            <a:ext cx="11014762" cy="1077218"/>
+          </a:xfrm>
+          <a:prstGeom prst="rect">
+            <a:avLst/>
+          </a:prstGeom>
+          <a:noFill/>
+        </p:spPr>
+        <p:txBody>
+          <a:bodyPr wrap="square" rtlCol="0">
+            <a:spAutoFit/>
+          </a:bodyPr>
+          <a:lstStyle/>
+          <a:p>
+            <a:pPr marL="171450" indent="-171450">
+              <a:buFontTx/>
+              <a:buChar char="-"/>
+            </a:pPr>
+            <a:r>
+              <a:rPr lang="en-US" sz="1600" dirty="0"/>
+              <a:t>All Violent crime offense types experienced a noticeable uptick in reported cases beginning in April 2020</a:t>
+            </a:r>
+          </a:p>
+          <a:p>
+            <a:pPr marL="171450" indent="-171450">
+              <a:buFontTx/>
+              <a:buChar char="-"/>
+            </a:pPr>
+            <a:r>
+              <a:rPr lang="en-US" sz="1600" dirty="0"/>
+              <a:t>However, due to the overall decline in Violent crime cases in the previous months, reported cases of </a:t>
+            </a:r>
+            <a:r>
+              <a:rPr lang="en-US" sz="1600" dirty="0" err="1"/>
+              <a:t>majo</a:t>
+            </a:r>
+            <a:r>
+              <a:rPr lang="en-US" sz="1600" dirty="0"/>
+              <a:t> violent crimes were roughly in line with the same period last year</a:t>
+            </a:r>
+          </a:p>
+          <a:p>
+            <a:pPr marL="171450" indent="-171450">
+              <a:buFontTx/>
+              <a:buChar char="-"/>
+            </a:pPr>
+            <a:r>
+              <a:rPr lang="en-US" sz="1600" dirty="0"/>
+              <a:t>We don’t  have enough data to determine whether there is a seasonal </a:t>
+            </a:r>
+          </a:p>
+        </p:txBody>
+      </p:sp>
+      <p:pic>
+        <p:nvPicPr>
+          <p:cNvPr id="4" name="Picture 3">
+            <a:extLst>
+              <a:ext uri="{FF2B5EF4-FFF2-40B4-BE49-F238E27FC236}">
+                <a16:creationId xmlns:a16="http://schemas.microsoft.com/office/drawing/2014/main" id="{E048C393-D41D-4074-904B-D3C4E7A0CBA1}"/>
+              </a:ext>
+            </a:extLst>
+          </p:cNvPr>
+          <p:cNvPicPr>
+            <a:picLocks noChangeAspect="1"/>
+          </p:cNvPicPr>
+          <p:nvPr/>
+        </p:nvPicPr>
+        <p:blipFill>
+          <a:blip r:embed="rId2"/>
+          <a:stretch>
+            <a:fillRect/>
+          </a:stretch>
+        </p:blipFill>
+        <p:spPr>
+          <a:xfrm>
+            <a:off x="1809750" y="2669674"/>
+            <a:ext cx="8572500" cy="3571875"/>
+          </a:xfrm>
+          <a:prstGeom prst="rect">
+            <a:avLst/>
+          </a:prstGeom>
+        </p:spPr>
+      </p:pic>
     </p:spTree>
     <p:extLst>
       <p:ext uri="{BB962C8B-B14F-4D97-AF65-F5344CB8AC3E}">
-        <p14:creationId xmlns:p14="http://schemas.microsoft.com/office/powerpoint/2010/main" val="3985158558"/>
+        <p14:creationId xmlns:p14="http://schemas.microsoft.com/office/powerpoint/2010/main" val="1517593725"/>
       </p:ext>
     </p:extLst>
   </p:cSld>

--- a/Draft Presentation.pptx
+++ b/Draft Presentation.pptx
@@ -5503,7 +5503,7 @@
           <a:p>
             <a:r>
               <a:rPr lang="en-US" sz="2000" dirty="0"/>
-              <a:t>Crime Count in Selected Cities</a:t>
+              <a:t>Los Angels Crime Correlation with COVID-19</a:t>
             </a:r>
           </a:p>
         </p:txBody>
@@ -5820,41 +5820,7 @@
                 <a:ea typeface="+mn-ea"/>
                 <a:cs typeface="+mn-cs"/>
               </a:rPr>
-              <a:t>Found no statistical correlation between the increase of </a:t>
-            </a:r>
-            <a:r>
-              <a:rPr kumimoji="0" lang="en-US" sz="1600" b="0" i="0" u="none" strike="noStrike" kern="1200" cap="none" spc="0" normalizeH="0" baseline="0" noProof="0" dirty="0" err="1">
-                <a:ln>
-                  <a:noFill/>
-                </a:ln>
-                <a:solidFill>
-                  <a:prstClr val="white"/>
-                </a:solidFill>
-                <a:effectLst/>
-                <a:uLnTx/>
-                <a:uFillTx/>
-                <a:latin typeface="Century Gothic" panose="020B0502020202020204"/>
-                <a:ea typeface="+mn-ea"/>
-                <a:cs typeface="+mn-cs"/>
-              </a:rPr>
-              <a:t>Covid</a:t>
-            </a:r>
-            <a:r>
-              <a:rPr kumimoji="0" lang="en-US" sz="1600" b="0" i="0" u="none" strike="noStrike" kern="1200" cap="none" spc="0" normalizeH="0" baseline="0" noProof="0" dirty="0">
-                <a:ln>
-                  <a:noFill/>
-                </a:ln>
-                <a:solidFill>
-                  <a:prstClr val="white"/>
-                </a:solidFill>
-                <a:effectLst/>
-                <a:uLnTx/>
-                <a:uFillTx/>
-                <a:latin typeface="Century Gothic" panose="020B0502020202020204"/>
-                <a:ea typeface="+mn-ea"/>
-                <a:cs typeface="+mn-cs"/>
-              </a:rPr>
-              <a:t> cases in the select major cities relative to violent or non-violent crime.</a:t>
+              <a:t>Found no statistical correlation between the increase of Covid cases in the select major cities relative to violent or non-violent crime.</a:t>
             </a:r>
           </a:p>
           <a:p>
@@ -5882,25 +5848,7 @@
                 </a:solidFill>
                 <a:latin typeface="Century Gothic" panose="020B0502020202020204"/>
               </a:rPr>
-              <a:t>In the months where new </a:t>
-            </a:r>
-            <a:r>
-              <a:rPr lang="en-US" sz="1600" dirty="0" err="1">
-                <a:solidFill>
-                  <a:prstClr val="white"/>
-                </a:solidFill>
-                <a:latin typeface="Century Gothic" panose="020B0502020202020204"/>
-              </a:rPr>
-              <a:t>Covid</a:t>
-            </a:r>
-            <a:r>
-              <a:rPr lang="en-US" sz="1600" dirty="0">
-                <a:solidFill>
-                  <a:prstClr val="white"/>
-                </a:solidFill>
-                <a:latin typeface="Century Gothic" panose="020B0502020202020204"/>
-              </a:rPr>
-              <a:t> cases are increasing, there are trends of crime reduction</a:t>
+              <a:t>In the months where new Covid cases are increasing, there are trends of crime reduction</a:t>
             </a:r>
           </a:p>
           <a:p>
@@ -6052,25 +6000,7 @@
                 </a:solidFill>
                 <a:latin typeface="Century Gothic" panose="020B0502020202020204"/>
               </a:rPr>
-              <a:t>It would be interesting to look at ten years of historical crime data for these cities to obtain statistical mean, median, and standard deviation, by month, to compare to the period of increasing </a:t>
-            </a:r>
-            <a:r>
-              <a:rPr lang="en-US" sz="1600" dirty="0" err="1">
-                <a:solidFill>
-                  <a:prstClr val="white"/>
-                </a:solidFill>
-                <a:latin typeface="Century Gothic" panose="020B0502020202020204"/>
-              </a:rPr>
-              <a:t>Covid</a:t>
-            </a:r>
-            <a:r>
-              <a:rPr lang="en-US" sz="1600" dirty="0">
-                <a:solidFill>
-                  <a:prstClr val="white"/>
-                </a:solidFill>
-                <a:latin typeface="Century Gothic" panose="020B0502020202020204"/>
-              </a:rPr>
-              <a:t> cases to determine if there is any significance</a:t>
+              <a:t>It would be interesting to look at ten years of historical crime data for these cities to obtain statistical mean, median, and standard deviation, by month, to compare to the period of increasing Covid cases to determine if there is any significance</a:t>
             </a:r>
           </a:p>
         </p:txBody>
@@ -6241,7 +6171,7 @@
         <p:spPr>
           <a:xfrm>
             <a:off x="503339" y="906011"/>
-            <a:ext cx="11014762" cy="1815882"/>
+            <a:ext cx="11014762" cy="1569660"/>
           </a:xfrm>
           <a:prstGeom prst="rect">
             <a:avLst/>
@@ -6287,15 +6217,7 @@
             </a:pPr>
             <a:r>
               <a:rPr lang="en-US" sz="1600" dirty="0"/>
-              <a:t>Data included traffic violations; our analysis adjusted the data to exclude traffic violations and focused on property crimes and </a:t>
-            </a:r>
-            <a:r>
-              <a:rPr lang="en-US" sz="1600" dirty="0" err="1"/>
-              <a:t>criemes</a:t>
-            </a:r>
-            <a:r>
-              <a:rPr lang="en-US" sz="1600" dirty="0"/>
-              <a:t> against the person</a:t>
+              <a:t>Data included traffic violations; our analysis adjusted the data to exclude traffic violations and focused on property crimes and crimes against the person</a:t>
             </a:r>
           </a:p>
           <a:p>
@@ -6305,33 +6227,7 @@
             </a:pPr>
             <a:r>
               <a:rPr lang="en-US" sz="1600" dirty="0"/>
-              <a:t>During the period of our analysis (Mar 1, 2019 through June 30, 2020), Denver experienced roughly 88,000 crimes, or 181 crimes per </a:t>
-            </a:r>
-            <a:r>
-              <a:rPr lang="en-US" sz="1600" dirty="0" err="1"/>
-              <a:t>dayCommentary</a:t>
-            </a:r>
-            <a:r>
-              <a:rPr lang="en-US" sz="1600" dirty="0"/>
-              <a:t> on Denver Crime Stats</a:t>
-            </a:r>
-          </a:p>
-          <a:p>
-            <a:pPr marL="171450" indent="-171450">
-              <a:buFontTx/>
-              <a:buChar char="-"/>
-            </a:pPr>
-            <a:r>
-              <a:rPr lang="en-US" sz="1600" dirty="0"/>
-              <a:t>Insert panda </a:t>
-            </a:r>
-            <a:r>
-              <a:rPr lang="en-US" sz="1600" dirty="0" err="1"/>
-              <a:t>dataframe</a:t>
-            </a:r>
-            <a:r>
-              <a:rPr lang="en-US" sz="1600" dirty="0"/>
-              <a:t> on summary stats</a:t>
+              <a:t>During the period of our analysis (Mar 1, 2019 through June 30, 2020), Denver experienced roughly 88,000 crimes, or 181 crimes per</a:t>
             </a:r>
           </a:p>
         </p:txBody>
@@ -6660,23 +6556,7 @@
             </a:pPr>
             <a:r>
               <a:rPr lang="en-US" sz="1600" dirty="0"/>
-              <a:t>All Violent crime offense types – </a:t>
-            </a:r>
-            <a:r>
-              <a:rPr lang="en-US" sz="1600" dirty="0" err="1"/>
-              <a:t>Aggrevated</a:t>
-            </a:r>
-            <a:r>
-              <a:rPr lang="en-US" sz="1600" dirty="0"/>
-              <a:t> and </a:t>
-            </a:r>
-            <a:r>
-              <a:rPr lang="en-US" sz="1600" dirty="0" err="1"/>
-              <a:t>Sexaul</a:t>
-            </a:r>
-            <a:r>
-              <a:rPr lang="en-US" sz="1600" dirty="0"/>
-              <a:t> Assault, Other Crimes Against Persons, and Murder – experienced an uptick in reported cases in May 2020</a:t>
+              <a:t>All Violent crime offense types – Aggravated and Sexual Assault, Other Crimes Against Persons, and Murder – experienced an uptick in reported cases in May 2020</a:t>
             </a:r>
           </a:p>
           <a:p>
@@ -7581,15 +7461,153 @@
             <p:ph type="body" idx="1"/>
           </p:nvPr>
         </p:nvSpPr>
-        <p:spPr/>
-        <p:txBody>
-          <a:bodyPr/>
+        <p:spPr>
+          <a:xfrm>
+            <a:off x="684213" y="4495800"/>
+            <a:ext cx="8534400" cy="494841"/>
+          </a:xfrm>
+        </p:spPr>
+        <p:txBody>
+          <a:bodyPr>
+            <a:normAutofit/>
+          </a:bodyPr>
           <a:lstStyle/>
           <a:p>
             <a:r>
               <a:rPr lang="en-US" dirty="0"/>
               <a:t>Scope of the Study and Summary Findings</a:t>
             </a:r>
+          </a:p>
+          <a:p>
+            <a:endParaRPr lang="en-US" dirty="0"/>
+          </a:p>
+        </p:txBody>
+      </p:sp>
+      <p:sp>
+        <p:nvSpPr>
+          <p:cNvPr id="5" name="TextBox 4">
+            <a:extLst>
+              <a:ext uri="{FF2B5EF4-FFF2-40B4-BE49-F238E27FC236}">
+                <a16:creationId xmlns:a16="http://schemas.microsoft.com/office/drawing/2014/main" id="{5261646F-27E3-45A1-B616-DC56631721C0}"/>
+              </a:ext>
+            </a:extLst>
+          </p:cNvPr>
+          <p:cNvSpPr txBox="1"/>
+          <p:nvPr/>
+        </p:nvSpPr>
+        <p:spPr>
+          <a:xfrm>
+            <a:off x="762919" y="4990641"/>
+            <a:ext cx="2210468" cy="1077218"/>
+          </a:xfrm>
+          <a:prstGeom prst="rect">
+            <a:avLst/>
+          </a:prstGeom>
+          <a:noFill/>
+        </p:spPr>
+        <p:txBody>
+          <a:bodyPr wrap="square">
+            <a:spAutoFit/>
+          </a:bodyPr>
+          <a:lstStyle/>
+          <a:p>
+            <a:r>
+              <a:rPr lang="en-US" sz="1600" dirty="0">
+                <a:solidFill>
+                  <a:schemeClr val="tx1">
+                    <a:lumMod val="95000"/>
+                  </a:schemeClr>
+                </a:solidFill>
+              </a:rPr>
+              <a:t>Angela </a:t>
+            </a:r>
+            <a:r>
+              <a:rPr lang="en-US" sz="1600" dirty="0" err="1">
+                <a:solidFill>
+                  <a:schemeClr val="tx1">
+                    <a:lumMod val="95000"/>
+                  </a:schemeClr>
+                </a:solidFill>
+              </a:rPr>
+              <a:t>Banko</a:t>
+            </a:r>
+            <a:endParaRPr lang="en-US" sz="1600" dirty="0">
+              <a:solidFill>
+                <a:schemeClr val="tx1">
+                  <a:lumMod val="95000"/>
+                </a:schemeClr>
+              </a:solidFill>
+            </a:endParaRPr>
+          </a:p>
+          <a:p>
+            <a:r>
+              <a:rPr lang="en-US" sz="1600" dirty="0">
+                <a:solidFill>
+                  <a:schemeClr val="tx1">
+                    <a:lumMod val="95000"/>
+                  </a:schemeClr>
+                </a:solidFill>
+              </a:rPr>
+              <a:t>Ashely </a:t>
+            </a:r>
+            <a:r>
+              <a:rPr lang="en-US" sz="1600" dirty="0" err="1">
+                <a:solidFill>
+                  <a:schemeClr val="tx1">
+                    <a:lumMod val="95000"/>
+                  </a:schemeClr>
+                </a:solidFill>
+              </a:rPr>
+              <a:t>Drewry</a:t>
+            </a:r>
+            <a:endParaRPr lang="en-US" sz="1600" dirty="0">
+              <a:solidFill>
+                <a:schemeClr val="tx1">
+                  <a:lumMod val="95000"/>
+                </a:schemeClr>
+              </a:solidFill>
+            </a:endParaRPr>
+          </a:p>
+          <a:p>
+            <a:r>
+              <a:rPr lang="en-US" sz="1600" dirty="0">
+                <a:solidFill>
+                  <a:schemeClr val="tx1">
+                    <a:lumMod val="95000"/>
+                  </a:schemeClr>
+                </a:solidFill>
+              </a:rPr>
+              <a:t>Dave Moorman</a:t>
+            </a:r>
+          </a:p>
+          <a:p>
+            <a:r>
+              <a:rPr lang="en-US" sz="1600" dirty="0">
+                <a:solidFill>
+                  <a:schemeClr val="tx1">
+                    <a:lumMod val="95000"/>
+                  </a:schemeClr>
+                </a:solidFill>
+              </a:rPr>
+              <a:t>Todd </a:t>
+            </a:r>
+            <a:r>
+              <a:rPr lang="en-US" sz="1600" dirty="0" err="1">
+                <a:solidFill>
+                  <a:schemeClr val="tx1">
+                    <a:lumMod val="95000"/>
+                  </a:schemeClr>
+                </a:solidFill>
+              </a:rPr>
+              <a:t>Schanzlin</a:t>
+            </a:r>
+            <a:endParaRPr lang="en-US" sz="1600" dirty="0">
+              <a:solidFill>
+                <a:schemeClr val="tx1">
+                  <a:lumMod val="95000"/>
+                </a:schemeClr>
+              </a:solidFill>
+            </a:endParaRPr>
           </a:p>
         </p:txBody>
       </p:sp>
@@ -7845,7 +7863,7 @@
         <p:spPr>
           <a:xfrm>
             <a:off x="503339" y="906011"/>
-            <a:ext cx="11014762" cy="4770537"/>
+            <a:ext cx="11014762" cy="5016758"/>
           </a:xfrm>
           <a:prstGeom prst="rect">
             <a:avLst/>
@@ -7864,15 +7882,7 @@
             </a:pPr>
             <a:r>
               <a:rPr lang="en-US" sz="1600" dirty="0"/>
-              <a:t>Our team </a:t>
-            </a:r>
-            <a:r>
-              <a:rPr lang="en-US" sz="1600" dirty="0" err="1"/>
-              <a:t>evalued</a:t>
-            </a:r>
-            <a:r>
-              <a:rPr lang="en-US" sz="1600" dirty="0"/>
-              <a:t> crime trends across six major metropolitan areas in the United States for which relatively standardized crime reporting statistics were available.  The team looked at the following US Cities:</a:t>
+              <a:t>Our team evaluated crime trends across six major metropolitan areas in the United States for which relatively standardized crime reporting statistics were available.  The team looked at the following US Cities:</a:t>
             </a:r>
           </a:p>
           <a:p>
@@ -7992,7 +8002,7 @@
             </a:pPr>
             <a:r>
               <a:rPr lang="en-US" sz="1600" dirty="0"/>
-              <a:t>Correlation of COVID-19 reported cases vs. crime trends overall and crime trends in each city</a:t>
+              <a:t>Correlation of COVID-19 reported cases vs. crime trends overall and for each city using scatter plots and regression analysis</a:t>
             </a:r>
           </a:p>
           <a:p>
@@ -8002,7 +8012,7 @@
             </a:pPr>
             <a:r>
               <a:rPr lang="en-US" sz="1600" dirty="0"/>
-              <a:t>For each city, a review of:</a:t>
+              <a:t>For selected cities, a review of:</a:t>
             </a:r>
           </a:p>
           <a:p>
@@ -8361,15 +8371,7 @@
           <a:p>
             <a:r>
               <a:rPr lang="en-US" sz="2000" dirty="0"/>
-              <a:t>Reported </a:t>
-            </a:r>
-            <a:r>
-              <a:rPr lang="en-US" sz="2000" dirty="0" err="1"/>
-              <a:t>Covid</a:t>
-            </a:r>
-            <a:r>
-              <a:rPr lang="en-US" sz="2000" dirty="0"/>
-              <a:t> Cases in Selected Cities</a:t>
+              <a:t>Reported Covid Cases in Selected Cities</a:t>
             </a:r>
           </a:p>
         </p:txBody>
@@ -8389,7 +8391,7 @@
         <p:spPr>
           <a:xfrm>
             <a:off x="364919" y="906011"/>
-            <a:ext cx="2636899" cy="5509200"/>
+            <a:ext cx="2636899" cy="5262979"/>
           </a:xfrm>
           <a:prstGeom prst="rect">
             <a:avLst/>
@@ -8438,17 +8440,7 @@
             </a:pPr>
             <a:r>
               <a:rPr lang="en-US" sz="1600" dirty="0"/>
-              <a:t>Seattle</a:t>
-            </a:r>
-          </a:p>
-          <a:p>
-            <a:pPr marL="742950" lvl="1" indent="-285750">
-              <a:buFontTx/>
-              <a:buChar char="-"/>
-            </a:pPr>
-            <a:r>
-              <a:rPr lang="en-US" sz="1600" dirty="0"/>
-              <a:t>Washington DC</a:t>
+              <a:t>Philadelphia</a:t>
             </a:r>
           </a:p>
           <a:p>
@@ -8468,15 +8460,7 @@
             </a:pPr>
             <a:r>
               <a:rPr lang="en-US" sz="1600" dirty="0"/>
-              <a:t>As Los Angeles has experienced the highest number of cases, which also appear to be accelerating, any correlation between </a:t>
-            </a:r>
-            <a:r>
-              <a:rPr lang="en-US" sz="1600" dirty="0" err="1"/>
-              <a:t>Covid</a:t>
-            </a:r>
-            <a:r>
-              <a:rPr lang="en-US" sz="1600" dirty="0"/>
-              <a:t> and crime should be more apparent in LA</a:t>
+              <a:t>As Los Angeles has experienced the highest number of cases, which also appear to be accelerating, any correlation between Covid and crime should be more apparent in LA</a:t>
             </a:r>
           </a:p>
           <a:p>
@@ -8584,13 +8568,8 @@
           <a:p>
             <a:r>
               <a:rPr lang="en-US" sz="2000" dirty="0"/>
-              <a:t>Correlation of Non-violent and Violent Crimes – All </a:t>
-            </a:r>
-            <a:r>
-              <a:rPr lang="en-US" sz="2000" dirty="0" err="1"/>
-              <a:t>CitiesCities</a:t>
-            </a:r>
-            <a:endParaRPr lang="en-US" sz="2000" dirty="0"/>
+              <a:t>Correlation of Non-violent and Violent Crimes – All Cities</a:t>
+            </a:r>
           </a:p>
         </p:txBody>
       </p:sp>
@@ -8628,7 +8607,7 @@
             </a:pPr>
             <a:r>
               <a:rPr lang="en-US" sz="1600" dirty="0"/>
-              <a:t>Overall, we found no correlation between COVID and non-violent and violent crime trends over the last 16 months</a:t>
+              <a:t>Overall, we found no correlation between COVID-19 and non-violent and violent crime trends over the last 16 months</a:t>
             </a:r>
           </a:p>
           <a:p>
@@ -8731,7 +8710,7 @@
           </a:bodyPr>
           <a:lstStyle/>
           <a:p>
-            <a:endParaRPr lang="en-US"/>
+            <a:endParaRPr lang="en-US" dirty="0"/>
           </a:p>
         </p:txBody>
       </p:sp>
@@ -8884,23 +8863,7 @@
             </a:pPr>
             <a:r>
               <a:rPr lang="en-US" sz="1600" dirty="0"/>
-              <a:t>Top violent crimes include Battery – Simple </a:t>
-            </a:r>
-            <a:r>
-              <a:rPr lang="en-US" sz="1600" dirty="0" err="1"/>
-              <a:t>Assualt</a:t>
-            </a:r>
-            <a:r>
-              <a:rPr lang="en-US" sz="1600" dirty="0"/>
-              <a:t>, Intimate Partner, Simple Assault, </a:t>
-            </a:r>
-            <a:r>
-              <a:rPr lang="en-US" sz="1600" dirty="0" err="1"/>
-              <a:t>Assaul</a:t>
-            </a:r>
-            <a:r>
-              <a:rPr lang="en-US" sz="1600" dirty="0"/>
-              <a:t> with a Deadly Weapon, and Robbery</a:t>
+              <a:t>Top violent crimes include Battery – Simple Assault, Intimate Partner, Simple Assault, Assault with a Deadly Weapon, and Robbery</a:t>
             </a:r>
           </a:p>
         </p:txBody>
@@ -9233,15 +9196,7 @@
             </a:pPr>
             <a:r>
               <a:rPr lang="en-US" sz="1600" dirty="0"/>
-              <a:t>However, due to the overall decline in Violent crime cases in the previous months, reported cases of </a:t>
-            </a:r>
-            <a:r>
-              <a:rPr lang="en-US" sz="1600" dirty="0" err="1"/>
-              <a:t>majo</a:t>
-            </a:r>
-            <a:r>
-              <a:rPr lang="en-US" sz="1600" dirty="0"/>
-              <a:t> violent crimes were roughly in line with the same period last year</a:t>
+              <a:t>However, due to the overall decline in Violent crime cases in the previous months, reported cases of major violent crimes were roughly in line with the same period last year</a:t>
             </a:r>
           </a:p>
           <a:p>

--- a/Draft Presentation.pptx
+++ b/Draft Presentation.pptx
@@ -20,11 +20,12 @@
     <p:sldId id="259" r:id="rId14"/>
     <p:sldId id="264" r:id="rId15"/>
     <p:sldId id="265" r:id="rId16"/>
-    <p:sldId id="268" r:id="rId17"/>
-    <p:sldId id="269" r:id="rId18"/>
-    <p:sldId id="270" r:id="rId19"/>
-    <p:sldId id="273" r:id="rId20"/>
-    <p:sldId id="274" r:id="rId21"/>
+    <p:sldId id="278" r:id="rId17"/>
+    <p:sldId id="268" r:id="rId18"/>
+    <p:sldId id="269" r:id="rId19"/>
+    <p:sldId id="270" r:id="rId20"/>
+    <p:sldId id="273" r:id="rId21"/>
+    <p:sldId id="279" r:id="rId22"/>
   </p:sldIdLst>
   <p:sldSz cx="12192000" cy="6858000"/>
   <p:notesSz cx="6858000" cy="9144000"/>
@@ -324,7 +325,7 @@
               <a:rPr lang="en-US" smtClean="0"/>
               <a:t>8/2/2020</a:t>
             </a:fld>
-            <a:endParaRPr lang="en-US"/>
+            <a:endParaRPr lang="en-US" dirty="0"/>
           </a:p>
         </p:txBody>
       </p:sp>
@@ -343,7 +344,7 @@
           <a:bodyPr/>
           <a:lstStyle/>
           <a:p>
-            <a:endParaRPr lang="en-US"/>
+            <a:endParaRPr lang="en-US" dirty="0"/>
           </a:p>
         </p:txBody>
       </p:sp>
@@ -366,7 +367,7 @@
               <a:rPr lang="en-US" smtClean="0"/>
               <a:t>‹#›</a:t>
             </a:fld>
-            <a:endParaRPr lang="en-US"/>
+            <a:endParaRPr lang="en-US" dirty="0"/>
           </a:p>
         </p:txBody>
       </p:sp>
@@ -678,10 +679,9 @@
           </a:lstStyle>
           <a:p>
             <a:r>
-              <a:rPr lang="en-US"/>
+              <a:rPr lang="en-US" dirty="0"/>
               <a:t>Click icon to add picture</a:t>
             </a:r>
-            <a:endParaRPr lang="en-US" dirty="0"/>
           </a:p>
         </p:txBody>
       </p:sp>
@@ -760,7 +760,7 @@
               <a:rPr lang="en-US" smtClean="0"/>
               <a:t>8/2/2020</a:t>
             </a:fld>
-            <a:endParaRPr lang="en-US"/>
+            <a:endParaRPr lang="en-US" dirty="0"/>
           </a:p>
         </p:txBody>
       </p:sp>
@@ -779,7 +779,7 @@
           <a:bodyPr/>
           <a:lstStyle/>
           <a:p>
-            <a:endParaRPr lang="en-US"/>
+            <a:endParaRPr lang="en-US" dirty="0"/>
           </a:p>
         </p:txBody>
       </p:sp>
@@ -802,7 +802,7 @@
               <a:rPr lang="en-US" smtClean="0"/>
               <a:t>‹#›</a:t>
             </a:fld>
-            <a:endParaRPr lang="en-US"/>
+            <a:endParaRPr lang="en-US" dirty="0"/>
           </a:p>
         </p:txBody>
       </p:sp>
@@ -1010,7 +1010,7 @@
               <a:rPr lang="en-US" smtClean="0"/>
               <a:t>8/2/2020</a:t>
             </a:fld>
-            <a:endParaRPr lang="en-US"/>
+            <a:endParaRPr lang="en-US" dirty="0"/>
           </a:p>
         </p:txBody>
       </p:sp>
@@ -1029,7 +1029,7 @@
           <a:bodyPr/>
           <a:lstStyle/>
           <a:p>
-            <a:endParaRPr lang="en-US"/>
+            <a:endParaRPr lang="en-US" dirty="0"/>
           </a:p>
         </p:txBody>
       </p:sp>
@@ -1052,7 +1052,7 @@
               <a:rPr lang="en-US" smtClean="0"/>
               <a:t>‹#›</a:t>
             </a:fld>
-            <a:endParaRPr lang="en-US"/>
+            <a:endParaRPr lang="en-US" dirty="0"/>
           </a:p>
         </p:txBody>
       </p:sp>
@@ -1318,7 +1318,7 @@
               <a:rPr lang="en-US" smtClean="0"/>
               <a:t>8/2/2020</a:t>
             </a:fld>
-            <a:endParaRPr lang="en-US"/>
+            <a:endParaRPr lang="en-US" dirty="0"/>
           </a:p>
         </p:txBody>
       </p:sp>
@@ -1337,7 +1337,7 @@
           <a:bodyPr/>
           <a:lstStyle/>
           <a:p>
-            <a:endParaRPr lang="en-US"/>
+            <a:endParaRPr lang="en-US" dirty="0"/>
           </a:p>
         </p:txBody>
       </p:sp>
@@ -1360,7 +1360,7 @@
               <a:rPr lang="en-US" smtClean="0"/>
               <a:t>‹#›</a:t>
             </a:fld>
-            <a:endParaRPr lang="en-US"/>
+            <a:endParaRPr lang="en-US" dirty="0"/>
           </a:p>
         </p:txBody>
       </p:sp>
@@ -1636,7 +1636,7 @@
               <a:rPr lang="en-US" smtClean="0"/>
               <a:t>8/2/2020</a:t>
             </a:fld>
-            <a:endParaRPr lang="en-US"/>
+            <a:endParaRPr lang="en-US" dirty="0"/>
           </a:p>
         </p:txBody>
       </p:sp>
@@ -1655,7 +1655,7 @@
           <a:bodyPr/>
           <a:lstStyle/>
           <a:p>
-            <a:endParaRPr lang="en-US"/>
+            <a:endParaRPr lang="en-US" dirty="0"/>
           </a:p>
         </p:txBody>
       </p:sp>
@@ -1678,7 +1678,7 @@
               <a:rPr lang="en-US" smtClean="0"/>
               <a:t>‹#›</a:t>
             </a:fld>
-            <a:endParaRPr lang="en-US"/>
+            <a:endParaRPr lang="en-US" dirty="0"/>
           </a:p>
         </p:txBody>
       </p:sp>
@@ -1938,7 +1938,7 @@
               <a:rPr lang="en-US" smtClean="0"/>
               <a:t>8/2/2020</a:t>
             </a:fld>
-            <a:endParaRPr lang="en-US"/>
+            <a:endParaRPr lang="en-US" dirty="0"/>
           </a:p>
         </p:txBody>
       </p:sp>
@@ -1957,7 +1957,7 @@
           <a:bodyPr/>
           <a:lstStyle/>
           <a:p>
-            <a:endParaRPr lang="en-US"/>
+            <a:endParaRPr lang="en-US" dirty="0"/>
           </a:p>
         </p:txBody>
       </p:sp>
@@ -1980,7 +1980,7 @@
               <a:rPr lang="en-US" smtClean="0"/>
               <a:t>‹#›</a:t>
             </a:fld>
-            <a:endParaRPr lang="en-US"/>
+            <a:endParaRPr lang="en-US" dirty="0"/>
           </a:p>
         </p:txBody>
       </p:sp>
@@ -2305,7 +2305,7 @@
               <a:rPr lang="en-US" smtClean="0"/>
               <a:t>8/2/2020</a:t>
             </a:fld>
-            <a:endParaRPr lang="en-US"/>
+            <a:endParaRPr lang="en-US" dirty="0"/>
           </a:p>
         </p:txBody>
       </p:sp>
@@ -2324,7 +2324,7 @@
           <a:bodyPr/>
           <a:lstStyle/>
           <a:p>
-            <a:endParaRPr lang="en-US"/>
+            <a:endParaRPr lang="en-US" dirty="0"/>
           </a:p>
         </p:txBody>
       </p:sp>
@@ -2347,7 +2347,7 @@
               <a:rPr lang="en-US" smtClean="0"/>
               <a:t>‹#›</a:t>
             </a:fld>
-            <a:endParaRPr lang="en-US"/>
+            <a:endParaRPr lang="en-US" dirty="0"/>
           </a:p>
         </p:txBody>
       </p:sp>
@@ -2479,7 +2479,7 @@
               <a:rPr lang="en-US" smtClean="0"/>
               <a:t>8/2/2020</a:t>
             </a:fld>
-            <a:endParaRPr lang="en-US"/>
+            <a:endParaRPr lang="en-US" dirty="0"/>
           </a:p>
         </p:txBody>
       </p:sp>
@@ -2498,7 +2498,7 @@
           <a:bodyPr/>
           <a:lstStyle/>
           <a:p>
-            <a:endParaRPr lang="en-US"/>
+            <a:endParaRPr lang="en-US" dirty="0"/>
           </a:p>
         </p:txBody>
       </p:sp>
@@ -2521,7 +2521,7 @@
               <a:rPr lang="en-US" smtClean="0"/>
               <a:t>‹#›</a:t>
             </a:fld>
-            <a:endParaRPr lang="en-US"/>
+            <a:endParaRPr lang="en-US" dirty="0"/>
           </a:p>
         </p:txBody>
       </p:sp>
@@ -2659,7 +2659,7 @@
               <a:rPr lang="en-US" smtClean="0"/>
               <a:t>8/2/2020</a:t>
             </a:fld>
-            <a:endParaRPr lang="en-US"/>
+            <a:endParaRPr lang="en-US" dirty="0"/>
           </a:p>
         </p:txBody>
       </p:sp>
@@ -2678,7 +2678,7 @@
           <a:bodyPr/>
           <a:lstStyle/>
           <a:p>
-            <a:endParaRPr lang="en-US"/>
+            <a:endParaRPr lang="en-US" dirty="0"/>
           </a:p>
         </p:txBody>
       </p:sp>
@@ -2701,7 +2701,7 @@
               <a:rPr lang="en-US" smtClean="0"/>
               <a:t>‹#›</a:t>
             </a:fld>
-            <a:endParaRPr lang="en-US"/>
+            <a:endParaRPr lang="en-US" dirty="0"/>
           </a:p>
         </p:txBody>
       </p:sp>
@@ -2829,7 +2829,7 @@
               <a:rPr lang="en-US" smtClean="0"/>
               <a:t>8/2/2020</a:t>
             </a:fld>
-            <a:endParaRPr lang="en-US"/>
+            <a:endParaRPr lang="en-US" dirty="0"/>
           </a:p>
         </p:txBody>
       </p:sp>
@@ -2848,7 +2848,7 @@
           <a:bodyPr/>
           <a:lstStyle/>
           <a:p>
-            <a:endParaRPr lang="en-US"/>
+            <a:endParaRPr lang="en-US" dirty="0"/>
           </a:p>
         </p:txBody>
       </p:sp>
@@ -2871,7 +2871,7 @@
               <a:rPr lang="en-US" smtClean="0"/>
               <a:t>‹#›</a:t>
             </a:fld>
-            <a:endParaRPr lang="en-US"/>
+            <a:endParaRPr lang="en-US" dirty="0"/>
           </a:p>
         </p:txBody>
       </p:sp>
@@ -3079,7 +3079,7 @@
               <a:rPr lang="en-US" smtClean="0"/>
               <a:t>8/2/2020</a:t>
             </a:fld>
-            <a:endParaRPr lang="en-US"/>
+            <a:endParaRPr lang="en-US" dirty="0"/>
           </a:p>
         </p:txBody>
       </p:sp>
@@ -3098,7 +3098,7 @@
           <a:bodyPr/>
           <a:lstStyle/>
           <a:p>
-            <a:endParaRPr lang="en-US"/>
+            <a:endParaRPr lang="en-US" dirty="0"/>
           </a:p>
         </p:txBody>
       </p:sp>
@@ -3121,7 +3121,7 @@
               <a:rPr lang="en-US" smtClean="0"/>
               <a:t>‹#›</a:t>
             </a:fld>
-            <a:endParaRPr lang="en-US"/>
+            <a:endParaRPr lang="en-US" dirty="0"/>
           </a:p>
         </p:txBody>
       </p:sp>
@@ -3315,7 +3315,7 @@
               <a:rPr lang="en-US" smtClean="0"/>
               <a:t>8/2/2020</a:t>
             </a:fld>
-            <a:endParaRPr lang="en-US"/>
+            <a:endParaRPr lang="en-US" dirty="0"/>
           </a:p>
         </p:txBody>
       </p:sp>
@@ -3334,7 +3334,7 @@
           <a:bodyPr/>
           <a:lstStyle/>
           <a:p>
-            <a:endParaRPr lang="en-US"/>
+            <a:endParaRPr lang="en-US" dirty="0"/>
           </a:p>
         </p:txBody>
       </p:sp>
@@ -3357,7 +3357,7 @@
               <a:rPr lang="en-US" smtClean="0"/>
               <a:t>‹#›</a:t>
             </a:fld>
-            <a:endParaRPr lang="en-US"/>
+            <a:endParaRPr lang="en-US" dirty="0"/>
           </a:p>
         </p:txBody>
       </p:sp>
@@ -3697,7 +3697,7 @@
               <a:rPr lang="en-US" smtClean="0"/>
               <a:t>8/2/2020</a:t>
             </a:fld>
-            <a:endParaRPr lang="en-US"/>
+            <a:endParaRPr lang="en-US" dirty="0"/>
           </a:p>
         </p:txBody>
       </p:sp>
@@ -3716,7 +3716,7 @@
           <a:bodyPr/>
           <a:lstStyle/>
           <a:p>
-            <a:endParaRPr lang="en-US"/>
+            <a:endParaRPr lang="en-US" dirty="0"/>
           </a:p>
         </p:txBody>
       </p:sp>
@@ -3739,7 +3739,7 @@
               <a:rPr lang="en-US" smtClean="0"/>
               <a:t>‹#›</a:t>
             </a:fld>
-            <a:endParaRPr lang="en-US"/>
+            <a:endParaRPr lang="en-US" dirty="0"/>
           </a:p>
         </p:txBody>
       </p:sp>
@@ -3815,7 +3815,7 @@
               <a:rPr lang="en-US" smtClean="0"/>
               <a:t>8/2/2020</a:t>
             </a:fld>
-            <a:endParaRPr lang="en-US"/>
+            <a:endParaRPr lang="en-US" dirty="0"/>
           </a:p>
         </p:txBody>
       </p:sp>
@@ -3834,7 +3834,7 @@
           <a:bodyPr/>
           <a:lstStyle/>
           <a:p>
-            <a:endParaRPr lang="en-US"/>
+            <a:endParaRPr lang="en-US" dirty="0"/>
           </a:p>
         </p:txBody>
       </p:sp>
@@ -3857,7 +3857,7 @@
               <a:rPr lang="en-US" smtClean="0"/>
               <a:t>‹#›</a:t>
             </a:fld>
-            <a:endParaRPr lang="en-US"/>
+            <a:endParaRPr lang="en-US" dirty="0"/>
           </a:p>
         </p:txBody>
       </p:sp>
@@ -3910,7 +3910,7 @@
               <a:rPr lang="en-US" smtClean="0"/>
               <a:t>8/2/2020</a:t>
             </a:fld>
-            <a:endParaRPr lang="en-US"/>
+            <a:endParaRPr lang="en-US" dirty="0"/>
           </a:p>
         </p:txBody>
       </p:sp>
@@ -3929,7 +3929,7 @@
           <a:bodyPr/>
           <a:lstStyle/>
           <a:p>
-            <a:endParaRPr lang="en-US"/>
+            <a:endParaRPr lang="en-US" dirty="0"/>
           </a:p>
         </p:txBody>
       </p:sp>
@@ -3952,7 +3952,7 @@
               <a:rPr lang="en-US" smtClean="0"/>
               <a:t>‹#›</a:t>
             </a:fld>
-            <a:endParaRPr lang="en-US"/>
+            <a:endParaRPr lang="en-US" dirty="0"/>
           </a:p>
         </p:txBody>
       </p:sp>
@@ -4165,7 +4165,7 @@
               <a:rPr lang="en-US" smtClean="0"/>
               <a:t>8/2/2020</a:t>
             </a:fld>
-            <a:endParaRPr lang="en-US"/>
+            <a:endParaRPr lang="en-US" dirty="0"/>
           </a:p>
         </p:txBody>
       </p:sp>
@@ -4184,7 +4184,7 @@
           <a:bodyPr/>
           <a:lstStyle/>
           <a:p>
-            <a:endParaRPr lang="en-US"/>
+            <a:endParaRPr lang="en-US" dirty="0"/>
           </a:p>
         </p:txBody>
       </p:sp>
@@ -4207,7 +4207,7 @@
               <a:rPr lang="en-US" smtClean="0"/>
               <a:t>‹#›</a:t>
             </a:fld>
-            <a:endParaRPr lang="en-US"/>
+            <a:endParaRPr lang="en-US" dirty="0"/>
           </a:p>
         </p:txBody>
       </p:sp>
@@ -4355,10 +4355,9 @@
           </a:lstStyle>
           <a:p>
             <a:r>
-              <a:rPr lang="en-US"/>
+              <a:rPr lang="en-US" dirty="0"/>
               <a:t>Click icon to add picture</a:t>
             </a:r>
-            <a:endParaRPr lang="en-US" dirty="0"/>
           </a:p>
         </p:txBody>
       </p:sp>
@@ -4448,7 +4447,7 @@
               <a:rPr lang="en-US" smtClean="0"/>
               <a:t>8/2/2020</a:t>
             </a:fld>
-            <a:endParaRPr lang="en-US"/>
+            <a:endParaRPr lang="en-US" dirty="0"/>
           </a:p>
         </p:txBody>
       </p:sp>
@@ -4467,7 +4466,7 @@
           <a:bodyPr/>
           <a:lstStyle/>
           <a:p>
-            <a:endParaRPr lang="en-US"/>
+            <a:endParaRPr lang="en-US" dirty="0"/>
           </a:p>
         </p:txBody>
       </p:sp>
@@ -4490,7 +4489,7 @@
               <a:rPr lang="en-US" smtClean="0"/>
               <a:t>‹#›</a:t>
             </a:fld>
-            <a:endParaRPr lang="en-US"/>
+            <a:endParaRPr lang="en-US" dirty="0"/>
           </a:p>
         </p:txBody>
       </p:sp>
@@ -4854,7 +4853,7 @@
               <a:rPr lang="en-US" smtClean="0"/>
               <a:t>8/2/2020</a:t>
             </a:fld>
-            <a:endParaRPr lang="en-US"/>
+            <a:endParaRPr lang="en-US" dirty="0"/>
           </a:p>
         </p:txBody>
       </p:sp>
@@ -4893,7 +4892,7 @@
             </a:lvl1pPr>
           </a:lstStyle>
           <a:p>
-            <a:endParaRPr lang="en-US"/>
+            <a:endParaRPr lang="en-US" dirty="0"/>
           </a:p>
         </p:txBody>
       </p:sp>
@@ -4936,7 +4935,7 @@
               <a:rPr lang="en-US" smtClean="0"/>
               <a:t>‹#›</a:t>
             </a:fld>
-            <a:endParaRPr lang="en-US"/>
+            <a:endParaRPr lang="en-US" dirty="0"/>
           </a:p>
         </p:txBody>
       </p:sp>
@@ -6086,7 +6085,7 @@
           <a:p>
             <a:r>
               <a:rPr lang="en-US" dirty="0"/>
-              <a:t>City Data</a:t>
+              <a:t>Data on Selected Other Cities</a:t>
             </a:r>
           </a:p>
         </p:txBody>
@@ -6227,7 +6226,7 @@
             </a:pPr>
             <a:r>
               <a:rPr lang="en-US" sz="1600" dirty="0"/>
-              <a:t>During the period of our analysis (Mar 1, 2019 through June 30, 2020), Denver experienced roughly 88,000 crimes, or 181 crimes per</a:t>
+              <a:t>During the period of our analysis (Mar 1, 2019 through June 30, 2020), Denver experienced roughly 88,000 crimes, or 181 crimes per day</a:t>
             </a:r>
           </a:p>
         </p:txBody>
@@ -6667,126 +6666,17 @@
           <a:p>
             <a:r>
               <a:rPr lang="en-US" sz="2000" dirty="0"/>
-              <a:t>Philadelphia – Overview of Crime by Offense</a:t>
-            </a:r>
-          </a:p>
-        </p:txBody>
-      </p:sp>
-      <p:sp>
-        <p:nvSpPr>
-          <p:cNvPr id="3" name="TextBox 2">
+              <a:t>Denver Crime Trends vs. Reported COVID Cases</a:t>
+            </a:r>
+          </a:p>
+        </p:txBody>
+      </p:sp>
+      <p:pic>
+        <p:nvPicPr>
+          <p:cNvPr id="5" name="Picture 4">
             <a:extLst>
               <a:ext uri="{FF2B5EF4-FFF2-40B4-BE49-F238E27FC236}">
-                <a16:creationId xmlns:a16="http://schemas.microsoft.com/office/drawing/2014/main" id="{3C7E118B-15B0-482F-B997-877F829A7771}"/>
-              </a:ext>
-            </a:extLst>
-          </p:cNvPr>
-          <p:cNvSpPr txBox="1"/>
-          <p:nvPr/>
-        </p:nvSpPr>
-        <p:spPr>
-          <a:xfrm>
-            <a:off x="503339" y="906011"/>
-            <a:ext cx="11014762" cy="1569660"/>
-          </a:xfrm>
-          <a:prstGeom prst="rect">
-            <a:avLst/>
-          </a:prstGeom>
-          <a:noFill/>
-        </p:spPr>
-        <p:txBody>
-          <a:bodyPr wrap="square" rtlCol="0">
-            <a:spAutoFit/>
-          </a:bodyPr>
-          <a:lstStyle/>
-          <a:p>
-            <a:pPr marL="171450" indent="-171450">
-              <a:buFontTx/>
-              <a:buChar char="-"/>
-            </a:pPr>
-            <a:r>
-              <a:rPr lang="en-US" sz="1600" dirty="0"/>
-              <a:t>Source data and cleaning efforts</a:t>
-            </a:r>
-          </a:p>
-          <a:p>
-            <a:pPr marL="628650" lvl="1" indent="-171450">
-              <a:buFontTx/>
-              <a:buChar char="-"/>
-            </a:pPr>
-            <a:r>
-              <a:rPr lang="en-US" sz="1600" dirty="0"/>
-              <a:t>Source:  </a:t>
-            </a:r>
-          </a:p>
-          <a:p>
-            <a:pPr marL="628650" lvl="1" indent="-171450">
-              <a:buFontTx/>
-              <a:buChar char="-"/>
-            </a:pPr>
-            <a:r>
-              <a:rPr lang="en-US" sz="1600" dirty="0">
-                <a:highlight>
-                  <a:srgbClr val="FFFF00"/>
-                </a:highlight>
-              </a:rPr>
-              <a:t>[Data included traffic violations; our analysis adjusted the data to exclude traffic violations and focused on property crimes and </a:t>
-            </a:r>
-            <a:r>
-              <a:rPr lang="en-US" sz="1600" dirty="0" err="1">
-                <a:highlight>
-                  <a:srgbClr val="FFFF00"/>
-                </a:highlight>
-              </a:rPr>
-              <a:t>criemes</a:t>
-            </a:r>
-            <a:r>
-              <a:rPr lang="en-US" sz="1600" dirty="0">
-                <a:highlight>
-                  <a:srgbClr val="FFFF00"/>
-                </a:highlight>
-              </a:rPr>
-              <a:t> against the person]</a:t>
-            </a:r>
-          </a:p>
-          <a:p>
-            <a:pPr marL="171450" indent="-171450">
-              <a:buFontTx/>
-              <a:buChar char="-"/>
-            </a:pPr>
-            <a:r>
-              <a:rPr lang="en-US" sz="1600" dirty="0">
-                <a:highlight>
-                  <a:srgbClr val="FFFF00"/>
-                </a:highlight>
-              </a:rPr>
-              <a:t>During the period of our analysis (Mar 1, 2019 through June 30, 2020), Denver experienced roughly 88,000 crimes, or 181 crimes per </a:t>
-            </a:r>
-            <a:r>
-              <a:rPr lang="en-US" sz="1600" dirty="0" err="1">
-                <a:highlight>
-                  <a:srgbClr val="FFFF00"/>
-                </a:highlight>
-              </a:rPr>
-              <a:t>dayCommentary</a:t>
-            </a:r>
-            <a:r>
-              <a:rPr lang="en-US" sz="1600" dirty="0">
-                <a:highlight>
-                  <a:srgbClr val="FFFF00"/>
-                </a:highlight>
-              </a:rPr>
-              <a:t> on Denver Crime Stats</a:t>
-            </a:r>
-          </a:p>
-        </p:txBody>
-      </p:sp>
-      <p:pic>
-        <p:nvPicPr>
-          <p:cNvPr id="6" name="Picture 5">
-            <a:extLst>
-              <a:ext uri="{FF2B5EF4-FFF2-40B4-BE49-F238E27FC236}">
-                <a16:creationId xmlns:a16="http://schemas.microsoft.com/office/drawing/2014/main" id="{73AE9D42-B450-4F98-BC76-4CD50EF72829}"/>
+                <a16:creationId xmlns:a16="http://schemas.microsoft.com/office/drawing/2014/main" id="{577C58B7-1865-4196-94C9-17DA38504D83}"/>
               </a:ext>
             </a:extLst>
           </p:cNvPr>
@@ -6795,21 +6685,106 @@
           </p:cNvPicPr>
           <p:nvPr/>
         </p:nvPicPr>
-        <p:blipFill rotWithShape="1">
-          <a:blip r:embed="rId2">
+        <p:blipFill>
+          <a:blip r:embed="rId2"/>
+          <a:stretch>
+            <a:fillRect/>
+          </a:stretch>
+        </p:blipFill>
+        <p:spPr>
+          <a:xfrm>
+            <a:off x="1471036" y="817854"/>
+            <a:ext cx="4020111" cy="3019846"/>
+          </a:xfrm>
+          <a:prstGeom prst="rect">
+            <a:avLst/>
+          </a:prstGeom>
+        </p:spPr>
+      </p:pic>
+      <p:pic>
+        <p:nvPicPr>
+          <p:cNvPr id="7" name="Picture 6">
             <a:extLst>
-              <a:ext uri="{28A0092B-C50C-407E-A947-70E740481C1C}">
-                <a14:useLocalDpi xmlns:a14="http://schemas.microsoft.com/office/drawing/2010/main" val="0"/>
+              <a:ext uri="{FF2B5EF4-FFF2-40B4-BE49-F238E27FC236}">
+                <a16:creationId xmlns:a16="http://schemas.microsoft.com/office/drawing/2014/main" id="{3C857A3C-B176-477E-B05D-0A894E27D207}"/>
               </a:ext>
             </a:extLst>
-          </a:blip>
-          <a:srcRect l="6667" r="-6667"/>
-          <a:stretch/>
+          </p:cNvPr>
+          <p:cNvPicPr>
+            <a:picLocks noChangeAspect="1"/>
+          </p:cNvPicPr>
+          <p:nvPr/>
+        </p:nvPicPr>
+        <p:blipFill>
+          <a:blip r:embed="rId3"/>
+          <a:stretch>
+            <a:fillRect/>
+          </a:stretch>
         </p:blipFill>
         <p:spPr>
           <a:xfrm>
-            <a:off x="3243459" y="3063239"/>
-            <a:ext cx="9326899" cy="3108966"/>
+            <a:off x="1613930" y="4024439"/>
+            <a:ext cx="3734321" cy="2604689"/>
+          </a:xfrm>
+          <a:prstGeom prst="rect">
+            <a:avLst/>
+          </a:prstGeom>
+        </p:spPr>
+      </p:pic>
+      <p:pic>
+        <p:nvPicPr>
+          <p:cNvPr id="8" name="Picture 7">
+            <a:extLst>
+              <a:ext uri="{FF2B5EF4-FFF2-40B4-BE49-F238E27FC236}">
+                <a16:creationId xmlns:a16="http://schemas.microsoft.com/office/drawing/2014/main" id="{A9F4B561-7EB9-49DC-A2DA-2A79282922DB}"/>
+              </a:ext>
+            </a:extLst>
+          </p:cNvPr>
+          <p:cNvPicPr>
+            <a:picLocks noChangeAspect="1"/>
+          </p:cNvPicPr>
+          <p:nvPr/>
+        </p:nvPicPr>
+        <p:blipFill>
+          <a:blip r:embed="rId4"/>
+          <a:stretch>
+            <a:fillRect/>
+          </a:stretch>
+        </p:blipFill>
+        <p:spPr>
+          <a:xfrm>
+            <a:off x="5876000" y="834524"/>
+            <a:ext cx="4067743" cy="3029373"/>
+          </a:xfrm>
+          <a:prstGeom prst="rect">
+            <a:avLst/>
+          </a:prstGeom>
+        </p:spPr>
+      </p:pic>
+      <p:pic>
+        <p:nvPicPr>
+          <p:cNvPr id="9" name="Picture 8">
+            <a:extLst>
+              <a:ext uri="{FF2B5EF4-FFF2-40B4-BE49-F238E27FC236}">
+                <a16:creationId xmlns:a16="http://schemas.microsoft.com/office/drawing/2014/main" id="{F47428EA-A821-4171-8654-C603EBD99495}"/>
+              </a:ext>
+            </a:extLst>
+          </p:cNvPr>
+          <p:cNvPicPr>
+            <a:picLocks noChangeAspect="1"/>
+          </p:cNvPicPr>
+          <p:nvPr/>
+        </p:nvPicPr>
+        <p:blipFill>
+          <a:blip r:embed="rId5"/>
+          <a:stretch>
+            <a:fillRect/>
+          </a:stretch>
+        </p:blipFill>
+        <p:spPr>
+          <a:xfrm>
+            <a:off x="6023658" y="4057019"/>
+            <a:ext cx="3772426" cy="2572109"/>
           </a:xfrm>
           <a:prstGeom prst="rect">
             <a:avLst/>
@@ -6819,7 +6794,7 @@
     </p:spTree>
     <p:extLst>
       <p:ext uri="{BB962C8B-B14F-4D97-AF65-F5344CB8AC3E}">
-        <p14:creationId xmlns:p14="http://schemas.microsoft.com/office/powerpoint/2010/main" val="1223660130"/>
+        <p14:creationId xmlns:p14="http://schemas.microsoft.com/office/powerpoint/2010/main" val="2064323790"/>
       </p:ext>
     </p:extLst>
   </p:cSld>
@@ -6876,6 +6851,183 @@
           <a:p>
             <a:r>
               <a:rPr lang="en-US" sz="2000" dirty="0"/>
+              <a:t>Philadelphia – Overview of Crime by Offense</a:t>
+            </a:r>
+          </a:p>
+        </p:txBody>
+      </p:sp>
+      <p:sp>
+        <p:nvSpPr>
+          <p:cNvPr id="3" name="TextBox 2">
+            <a:extLst>
+              <a:ext uri="{FF2B5EF4-FFF2-40B4-BE49-F238E27FC236}">
+                <a16:creationId xmlns:a16="http://schemas.microsoft.com/office/drawing/2014/main" id="{3C7E118B-15B0-482F-B997-877F829A7771}"/>
+              </a:ext>
+            </a:extLst>
+          </p:cNvPr>
+          <p:cNvSpPr txBox="1"/>
+          <p:nvPr/>
+        </p:nvSpPr>
+        <p:spPr>
+          <a:xfrm>
+            <a:off x="503339" y="906011"/>
+            <a:ext cx="11014762" cy="1569660"/>
+          </a:xfrm>
+          <a:prstGeom prst="rect">
+            <a:avLst/>
+          </a:prstGeom>
+          <a:noFill/>
+        </p:spPr>
+        <p:txBody>
+          <a:bodyPr wrap="square" rtlCol="0">
+            <a:spAutoFit/>
+          </a:bodyPr>
+          <a:lstStyle/>
+          <a:p>
+            <a:pPr marL="171450" indent="-171450">
+              <a:buFontTx/>
+              <a:buChar char="-"/>
+            </a:pPr>
+            <a:r>
+              <a:rPr lang="en-US" sz="1600" dirty="0"/>
+              <a:t>Source data and cleaning efforts</a:t>
+            </a:r>
+          </a:p>
+          <a:p>
+            <a:pPr marL="628650" lvl="1" indent="-171450">
+              <a:buFontTx/>
+              <a:buChar char="-"/>
+            </a:pPr>
+            <a:r>
+              <a:rPr lang="en-US" sz="1600" dirty="0"/>
+              <a:t>Source:  </a:t>
+            </a:r>
+          </a:p>
+          <a:p>
+            <a:pPr marL="628650" lvl="1" indent="-171450">
+              <a:buFontTx/>
+              <a:buChar char="-"/>
+            </a:pPr>
+            <a:r>
+              <a:rPr lang="en-US" sz="1600" dirty="0">
+                <a:highlight>
+                  <a:srgbClr val="FFFF00"/>
+                </a:highlight>
+              </a:rPr>
+              <a:t>[Data included traffic violations; our analysis adjusted the data to exclude traffic violations and focused on property crimes and criemes against the person]</a:t>
+            </a:r>
+          </a:p>
+          <a:p>
+            <a:pPr marL="171450" indent="-171450">
+              <a:buFontTx/>
+              <a:buChar char="-"/>
+            </a:pPr>
+            <a:r>
+              <a:rPr lang="en-US" sz="1600" dirty="0">
+                <a:highlight>
+                  <a:srgbClr val="FFFF00"/>
+                </a:highlight>
+              </a:rPr>
+              <a:t>During the period of our analysis (Mar 1, 2019 through June 30, 2020), Denver experienced roughly 88,000 crimes, or 181 crimes per dayCommentary on Denver Crime Stats</a:t>
+            </a:r>
+          </a:p>
+        </p:txBody>
+      </p:sp>
+      <p:pic>
+        <p:nvPicPr>
+          <p:cNvPr id="6" name="Picture 5">
+            <a:extLst>
+              <a:ext uri="{FF2B5EF4-FFF2-40B4-BE49-F238E27FC236}">
+                <a16:creationId xmlns:a16="http://schemas.microsoft.com/office/drawing/2014/main" id="{73AE9D42-B450-4F98-BC76-4CD50EF72829}"/>
+              </a:ext>
+            </a:extLst>
+          </p:cNvPr>
+          <p:cNvPicPr>
+            <a:picLocks noChangeAspect="1"/>
+          </p:cNvPicPr>
+          <p:nvPr/>
+        </p:nvPicPr>
+        <p:blipFill rotWithShape="1">
+          <a:blip r:embed="rId2">
+            <a:extLst>
+              <a:ext uri="{28A0092B-C50C-407E-A947-70E740481C1C}">
+                <a14:useLocalDpi xmlns:a14="http://schemas.microsoft.com/office/drawing/2010/main" val="0"/>
+              </a:ext>
+            </a:extLst>
+          </a:blip>
+          <a:srcRect l="6667" r="-6667"/>
+          <a:stretch/>
+        </p:blipFill>
+        <p:spPr>
+          <a:xfrm>
+            <a:off x="3243459" y="3063239"/>
+            <a:ext cx="9326899" cy="3108966"/>
+          </a:xfrm>
+          <a:prstGeom prst="rect">
+            <a:avLst/>
+          </a:prstGeom>
+        </p:spPr>
+      </p:pic>
+    </p:spTree>
+    <p:extLst>
+      <p:ext uri="{BB962C8B-B14F-4D97-AF65-F5344CB8AC3E}">
+        <p14:creationId xmlns:p14="http://schemas.microsoft.com/office/powerpoint/2010/main" val="1223660130"/>
+      </p:ext>
+    </p:extLst>
+  </p:cSld>
+  <p:clrMapOvr>
+    <a:masterClrMapping/>
+  </p:clrMapOvr>
+</p:sld>
+</file>
+
+<file path=ppt/slides/slide18.xml><?xml version="1.0" encoding="utf-8"?>
+<p:sld xmlns:a="http://schemas.openxmlformats.org/drawingml/2006/main" xmlns:r="http://schemas.openxmlformats.org/officeDocument/2006/relationships" xmlns:p="http://schemas.openxmlformats.org/presentationml/2006/main">
+  <p:cSld>
+    <p:spTree>
+      <p:nvGrpSpPr>
+        <p:cNvPr id="1" name=""/>
+        <p:cNvGrpSpPr/>
+        <p:nvPr/>
+      </p:nvGrpSpPr>
+      <p:grpSpPr>
+        <a:xfrm>
+          <a:off x="0" y="0"/>
+          <a:ext cx="0" cy="0"/>
+          <a:chOff x="0" y="0"/>
+          <a:chExt cx="0" cy="0"/>
+        </a:xfrm>
+      </p:grpSpPr>
+      <p:sp>
+        <p:nvSpPr>
+          <p:cNvPr id="2" name="TextBox 1">
+            <a:extLst>
+              <a:ext uri="{FF2B5EF4-FFF2-40B4-BE49-F238E27FC236}">
+                <a16:creationId xmlns:a16="http://schemas.microsoft.com/office/drawing/2014/main" id="{5D1862C6-A8DA-4306-A593-5F204A9880D3}"/>
+              </a:ext>
+            </a:extLst>
+          </p:cNvPr>
+          <p:cNvSpPr txBox="1"/>
+          <p:nvPr/>
+        </p:nvSpPr>
+        <p:spPr>
+          <a:xfrm>
+            <a:off x="364919" y="289420"/>
+            <a:ext cx="11396445" cy="400110"/>
+          </a:xfrm>
+          <a:prstGeom prst="rect">
+            <a:avLst/>
+          </a:prstGeom>
+          <a:noFill/>
+        </p:spPr>
+        <p:txBody>
+          <a:bodyPr wrap="square" rtlCol="0">
+            <a:spAutoFit/>
+          </a:bodyPr>
+          <a:lstStyle/>
+          <a:p>
+            <a:r>
+              <a:rPr lang="en-US" sz="2000" dirty="0"/>
               <a:t>Philadelphia Crime Trends – Violent vs. Non-Violent</a:t>
             </a:r>
           </a:p>
@@ -7001,7 +7153,7 @@
 </p:sld>
 </file>
 
-<file path=ppt/slides/slide18.xml><?xml version="1.0" encoding="utf-8"?>
+<file path=ppt/slides/slide19.xml><?xml version="1.0" encoding="utf-8"?>
 <p:sld xmlns:a="http://schemas.openxmlformats.org/drawingml/2006/main" xmlns:r="http://schemas.openxmlformats.org/officeDocument/2006/relationships" xmlns:p="http://schemas.openxmlformats.org/presentationml/2006/main">
   <p:cSld>
     <p:spTree>
@@ -7091,39 +7243,7 @@
                   <a:srgbClr val="FFFF00"/>
                 </a:highlight>
               </a:rPr>
-              <a:t>All Violent crime offense types – </a:t>
-            </a:r>
-            <a:r>
-              <a:rPr lang="en-US" sz="1600" dirty="0" err="1">
-                <a:highlight>
-                  <a:srgbClr val="FFFF00"/>
-                </a:highlight>
-              </a:rPr>
-              <a:t>Aggrevated</a:t>
-            </a:r>
-            <a:r>
-              <a:rPr lang="en-US" sz="1600" dirty="0">
-                <a:highlight>
-                  <a:srgbClr val="FFFF00"/>
-                </a:highlight>
-              </a:rPr>
-              <a:t> and </a:t>
-            </a:r>
-            <a:r>
-              <a:rPr lang="en-US" sz="1600" dirty="0" err="1">
-                <a:highlight>
-                  <a:srgbClr val="FFFF00"/>
-                </a:highlight>
-              </a:rPr>
-              <a:t>Sexaul</a:t>
-            </a:r>
-            <a:r>
-              <a:rPr lang="en-US" sz="1600" dirty="0">
-                <a:highlight>
-                  <a:srgbClr val="FFFF00"/>
-                </a:highlight>
-              </a:rPr>
-              <a:t> Assault, Other Crimes Against Persons, and Murder – experienced an uptick in reported cases in May 2020</a:t>
+              <a:t>All Violent crime offense types – Aggrevated and Sexaul Assault, Other Crimes Against Persons, and Murder – experienced an uptick in reported cases in May 2020</a:t>
             </a:r>
           </a:p>
           <a:p>
@@ -7191,215 +7311,6 @@
 </p:sld>
 </file>
 
-<file path=ppt/slides/slide19.xml><?xml version="1.0" encoding="utf-8"?>
-<p:sld xmlns:a="http://schemas.openxmlformats.org/drawingml/2006/main" xmlns:r="http://schemas.openxmlformats.org/officeDocument/2006/relationships" xmlns:p="http://schemas.openxmlformats.org/presentationml/2006/main">
-  <p:cSld>
-    <p:spTree>
-      <p:nvGrpSpPr>
-        <p:cNvPr id="1" name=""/>
-        <p:cNvGrpSpPr/>
-        <p:nvPr/>
-      </p:nvGrpSpPr>
-      <p:grpSpPr>
-        <a:xfrm>
-          <a:off x="0" y="0"/>
-          <a:ext cx="0" cy="0"/>
-          <a:chOff x="0" y="0"/>
-          <a:chExt cx="0" cy="0"/>
-        </a:xfrm>
-      </p:grpSpPr>
-      <p:sp>
-        <p:nvSpPr>
-          <p:cNvPr id="2" name="TextBox 1">
-            <a:extLst>
-              <a:ext uri="{FF2B5EF4-FFF2-40B4-BE49-F238E27FC236}">
-                <a16:creationId xmlns:a16="http://schemas.microsoft.com/office/drawing/2014/main" id="{5D1862C6-A8DA-4306-A593-5F204A9880D3}"/>
-              </a:ext>
-            </a:extLst>
-          </p:cNvPr>
-          <p:cNvSpPr txBox="1"/>
-          <p:nvPr/>
-        </p:nvSpPr>
-        <p:spPr>
-          <a:xfrm>
-            <a:off x="364919" y="289420"/>
-            <a:ext cx="11396445" cy="400110"/>
-          </a:xfrm>
-          <a:prstGeom prst="rect">
-            <a:avLst/>
-          </a:prstGeom>
-          <a:noFill/>
-        </p:spPr>
-        <p:txBody>
-          <a:bodyPr wrap="square" rtlCol="0">
-            <a:spAutoFit/>
-          </a:bodyPr>
-          <a:lstStyle/>
-          <a:p>
-            <a:r>
-              <a:rPr lang="en-US" sz="2000" dirty="0"/>
-              <a:t>Seattle– Overview of Crime by Offense</a:t>
-            </a:r>
-          </a:p>
-        </p:txBody>
-      </p:sp>
-      <p:sp>
-        <p:nvSpPr>
-          <p:cNvPr id="3" name="TextBox 2">
-            <a:extLst>
-              <a:ext uri="{FF2B5EF4-FFF2-40B4-BE49-F238E27FC236}">
-                <a16:creationId xmlns:a16="http://schemas.microsoft.com/office/drawing/2014/main" id="{3C7E118B-15B0-482F-B997-877F829A7771}"/>
-              </a:ext>
-            </a:extLst>
-          </p:cNvPr>
-          <p:cNvSpPr txBox="1"/>
-          <p:nvPr/>
-        </p:nvSpPr>
-        <p:spPr>
-          <a:xfrm>
-            <a:off x="503339" y="906011"/>
-            <a:ext cx="11014762" cy="1569660"/>
-          </a:xfrm>
-          <a:prstGeom prst="rect">
-            <a:avLst/>
-          </a:prstGeom>
-          <a:noFill/>
-        </p:spPr>
-        <p:txBody>
-          <a:bodyPr wrap="square" rtlCol="0">
-            <a:spAutoFit/>
-          </a:bodyPr>
-          <a:lstStyle/>
-          <a:p>
-            <a:pPr marL="171450" indent="-171450">
-              <a:buFontTx/>
-              <a:buChar char="-"/>
-            </a:pPr>
-            <a:r>
-              <a:rPr lang="en-US" sz="1600" dirty="0"/>
-              <a:t>Source data and cleaning efforts</a:t>
-            </a:r>
-          </a:p>
-          <a:p>
-            <a:pPr marL="628650" lvl="1" indent="-171450">
-              <a:buFontTx/>
-              <a:buChar char="-"/>
-            </a:pPr>
-            <a:r>
-              <a:rPr lang="en-US" sz="1600" dirty="0"/>
-              <a:t>Source:  </a:t>
-            </a:r>
-          </a:p>
-          <a:p>
-            <a:pPr marL="628650" lvl="1" indent="-171450">
-              <a:buFontTx/>
-              <a:buChar char="-"/>
-            </a:pPr>
-            <a:r>
-              <a:rPr lang="en-US" sz="1600" dirty="0">
-                <a:highlight>
-                  <a:srgbClr val="FFFF00"/>
-                </a:highlight>
-              </a:rPr>
-              <a:t>[Data included traffic violations; our analysis adjusted the data to exclude traffic violations and focused on property crimes and </a:t>
-            </a:r>
-            <a:r>
-              <a:rPr lang="en-US" sz="1600" dirty="0" err="1">
-                <a:highlight>
-                  <a:srgbClr val="FFFF00"/>
-                </a:highlight>
-              </a:rPr>
-              <a:t>criemes</a:t>
-            </a:r>
-            <a:r>
-              <a:rPr lang="en-US" sz="1600" dirty="0">
-                <a:highlight>
-                  <a:srgbClr val="FFFF00"/>
-                </a:highlight>
-              </a:rPr>
-              <a:t> against the person]</a:t>
-            </a:r>
-          </a:p>
-          <a:p>
-            <a:pPr marL="171450" indent="-171450">
-              <a:buFontTx/>
-              <a:buChar char="-"/>
-            </a:pPr>
-            <a:r>
-              <a:rPr lang="en-US" sz="1600" dirty="0">
-                <a:highlight>
-                  <a:srgbClr val="FFFF00"/>
-                </a:highlight>
-              </a:rPr>
-              <a:t>During the period of our analysis (Mar 1, 2019 through June 30, 2020), Denver experienced roughly 88,000 crimes, or 181 crimes per </a:t>
-            </a:r>
-            <a:r>
-              <a:rPr lang="en-US" sz="1600" dirty="0" err="1">
-                <a:highlight>
-                  <a:srgbClr val="FFFF00"/>
-                </a:highlight>
-              </a:rPr>
-              <a:t>dayCommentary</a:t>
-            </a:r>
-            <a:r>
-              <a:rPr lang="en-US" sz="1600" dirty="0">
-                <a:highlight>
-                  <a:srgbClr val="FFFF00"/>
-                </a:highlight>
-              </a:rPr>
-              <a:t> on Denver Crime Stats</a:t>
-            </a:r>
-          </a:p>
-        </p:txBody>
-      </p:sp>
-      <p:pic>
-        <p:nvPicPr>
-          <p:cNvPr id="6" name="Picture 5">
-            <a:extLst>
-              <a:ext uri="{FF2B5EF4-FFF2-40B4-BE49-F238E27FC236}">
-                <a16:creationId xmlns:a16="http://schemas.microsoft.com/office/drawing/2014/main" id="{101EF915-1BD8-496E-850C-A3D81917200D}"/>
-              </a:ext>
-            </a:extLst>
-          </p:cNvPr>
-          <p:cNvPicPr>
-            <a:picLocks noChangeAspect="1"/>
-          </p:cNvPicPr>
-          <p:nvPr/>
-        </p:nvPicPr>
-        <p:blipFill rotWithShape="1">
-          <a:blip r:embed="rId2">
-            <a:extLst>
-              <a:ext uri="{28A0092B-C50C-407E-A947-70E740481C1C}">
-                <a14:useLocalDpi xmlns:a14="http://schemas.microsoft.com/office/drawing/2010/main" val="0"/>
-              </a:ext>
-            </a:extLst>
-          </a:blip>
-          <a:srcRect l="8333" r="-8333"/>
-          <a:stretch/>
-        </p:blipFill>
-        <p:spPr>
-          <a:xfrm>
-            <a:off x="2558705" y="2875543"/>
-            <a:ext cx="9875540" cy="3291846"/>
-          </a:xfrm>
-          <a:prstGeom prst="rect">
-            <a:avLst/>
-          </a:prstGeom>
-        </p:spPr>
-      </p:pic>
-    </p:spTree>
-    <p:extLst>
-      <p:ext uri="{BB962C8B-B14F-4D97-AF65-F5344CB8AC3E}">
-        <p14:creationId xmlns:p14="http://schemas.microsoft.com/office/powerpoint/2010/main" val="1713188834"/>
-      </p:ext>
-    </p:extLst>
-  </p:cSld>
-  <p:clrMapOvr>
-    <a:masterClrMapping/>
-  </p:clrMapOvr>
-</p:sld>
-</file>
-
 <file path=ppt/slides/slide2.xml><?xml version="1.0" encoding="utf-8"?>
 <p:sld xmlns:a="http://schemas.openxmlformats.org/drawingml/2006/main" xmlns:r="http://schemas.openxmlformats.org/officeDocument/2006/relationships" xmlns:p="http://schemas.openxmlformats.org/presentationml/2006/main">
   <p:cSld>
@@ -7519,25 +7430,8 @@
                   </a:schemeClr>
                 </a:solidFill>
               </a:rPr>
-              <a:t>Angela </a:t>
-            </a:r>
-            <a:r>
-              <a:rPr lang="en-US" sz="1600" dirty="0" err="1">
-                <a:solidFill>
-                  <a:schemeClr val="tx1">
-                    <a:lumMod val="95000"/>
-                  </a:schemeClr>
-                </a:solidFill>
-              </a:rPr>
-              <a:t>Banko</a:t>
-            </a:r>
-            <a:endParaRPr lang="en-US" sz="1600" dirty="0">
-              <a:solidFill>
-                <a:schemeClr val="tx1">
-                  <a:lumMod val="95000"/>
-                </a:schemeClr>
-              </a:solidFill>
-            </a:endParaRPr>
+              <a:t>Angela Banko</a:t>
+            </a:r>
           </a:p>
           <a:p>
             <a:r>
@@ -7548,25 +7442,8 @@
                   </a:schemeClr>
                 </a:solidFill>
               </a:rPr>
-              <a:t>Ashely </a:t>
-            </a:r>
-            <a:r>
-              <a:rPr lang="en-US" sz="1600" dirty="0" err="1">
-                <a:solidFill>
-                  <a:schemeClr val="tx1">
-                    <a:lumMod val="95000"/>
-                  </a:schemeClr>
-                </a:solidFill>
-              </a:rPr>
-              <a:t>Drewry</a:t>
-            </a:r>
-            <a:endParaRPr lang="en-US" sz="1600" dirty="0">
-              <a:solidFill>
-                <a:schemeClr val="tx1">
-                  <a:lumMod val="95000"/>
-                </a:schemeClr>
-              </a:solidFill>
-            </a:endParaRPr>
+              <a:t>Ashely Drewry</a:t>
+            </a:r>
           </a:p>
           <a:p>
             <a:r>
@@ -7589,25 +7466,8 @@
                   </a:schemeClr>
                 </a:solidFill>
               </a:rPr>
-              <a:t>Todd </a:t>
-            </a:r>
-            <a:r>
-              <a:rPr lang="en-US" sz="1600" dirty="0" err="1">
-                <a:solidFill>
-                  <a:schemeClr val="tx1">
-                    <a:lumMod val="95000"/>
-                  </a:schemeClr>
-                </a:solidFill>
-              </a:rPr>
-              <a:t>Schanzlin</a:t>
-            </a:r>
-            <a:endParaRPr lang="en-US" sz="1600" dirty="0">
-              <a:solidFill>
-                <a:schemeClr val="tx1">
-                  <a:lumMod val="95000"/>
-                </a:schemeClr>
-              </a:solidFill>
-            </a:endParaRPr>
+              <a:t>Todd Schanzlin</a:t>
+            </a:r>
           </a:p>
         </p:txBody>
       </p:sp>
@@ -7671,7 +7531,7 @@
           <a:p>
             <a:r>
               <a:rPr lang="en-US" sz="2000" dirty="0"/>
-              <a:t>Seattle Crime Trends – Violent vs. Non-Violent</a:t>
+              <a:t>Seattle– Overview of Crime by Offense</a:t>
             </a:r>
           </a:p>
         </p:txBody>
@@ -7691,7 +7551,7 @@
         <p:spPr>
           <a:xfrm>
             <a:off x="503339" y="906011"/>
-            <a:ext cx="11014762" cy="1815882"/>
+            <a:ext cx="11014762" cy="1569660"/>
           </a:xfrm>
           <a:prstGeom prst="rect">
             <a:avLst/>
@@ -7705,6 +7565,26 @@
           <a:lstStyle/>
           <a:p>
             <a:pPr marL="171450" indent="-171450">
+              <a:buFontTx/>
+              <a:buChar char="-"/>
+            </a:pPr>
+            <a:r>
+              <a:rPr lang="en-US" sz="1600" dirty="0"/>
+              <a:t>Source data and cleaning efforts</a:t>
+            </a:r>
+          </a:p>
+          <a:p>
+            <a:pPr marL="628650" lvl="1" indent="-171450">
+              <a:buFontTx/>
+              <a:buChar char="-"/>
+            </a:pPr>
+            <a:r>
+              <a:rPr lang="en-US" sz="1600" dirty="0"/>
+              <a:t>Source:  </a:t>
+            </a:r>
+          </a:p>
+          <a:p>
+            <a:pPr marL="628650" lvl="1" indent="-171450">
               <a:buFontTx/>
               <a:buChar char="-"/>
             </a:pPr>
@@ -7714,11 +7594,11 @@
                   <a:srgbClr val="FFFF00"/>
                 </a:highlight>
               </a:rPr>
-              <a:t>Denver’s crime rates have been relatively flat over the last 16 months, although we would note a general decline in crime beginning in August 2019 before increasing in April of 2020</a:t>
-            </a:r>
-          </a:p>
-          <a:p>
-            <a:pPr marL="628650" lvl="1" indent="-171450">
+              <a:t>[Data included traffic violations; our analysis adjusted the data to exclude traffic violations and focused on property crimes and criemes against the person]</a:t>
+            </a:r>
+          </a:p>
+          <a:p>
+            <a:pPr marL="171450" indent="-171450">
               <a:buFontTx/>
               <a:buChar char="-"/>
             </a:pPr>
@@ -7728,31 +7608,117 @@
                   <a:srgbClr val="FFFF00"/>
                 </a:highlight>
               </a:rPr>
-              <a:t>While this does not appear to be seasonal, we don’t have enough data to confirm this trends and would note that given Denver’s climate, more crimes may occur in the spring and summer seasons when the weather is warmer and more people are active and outdoors</a:t>
-            </a:r>
-          </a:p>
-          <a:p>
-            <a:pPr marL="628650" lvl="1" indent="-171450">
-              <a:buFontTx/>
-              <a:buChar char="-"/>
-            </a:pPr>
-            <a:r>
-              <a:rPr lang="en-US" sz="1600" dirty="0">
-                <a:highlight>
-                  <a:srgbClr val="FFFF00"/>
-                </a:highlight>
-              </a:rPr>
-              <a:t>The team also notes the relatively high increase in non-violent crimes during May 2020, which was the highest monthly increase during the period studied</a:t>
+              <a:t>During the period of our analysis (Mar 1, 2019 through June 30, 2020), Denver experienced roughly 88,000 crimes, or 181 crimes per dayCommentary on Denver Crime Stats</a:t>
             </a:r>
           </a:p>
         </p:txBody>
       </p:sp>
       <p:pic>
         <p:nvPicPr>
-          <p:cNvPr id="5" name="Picture 4">
+          <p:cNvPr id="6" name="Picture 5">
             <a:extLst>
               <a:ext uri="{FF2B5EF4-FFF2-40B4-BE49-F238E27FC236}">
-                <a16:creationId xmlns:a16="http://schemas.microsoft.com/office/drawing/2014/main" id="{D43B68E3-AAFD-4284-822F-13B2D2CD5BBE}"/>
+                <a16:creationId xmlns:a16="http://schemas.microsoft.com/office/drawing/2014/main" id="{101EF915-1BD8-496E-850C-A3D81917200D}"/>
+              </a:ext>
+            </a:extLst>
+          </p:cNvPr>
+          <p:cNvPicPr>
+            <a:picLocks noChangeAspect="1"/>
+          </p:cNvPicPr>
+          <p:nvPr/>
+        </p:nvPicPr>
+        <p:blipFill rotWithShape="1">
+          <a:blip r:embed="rId2">
+            <a:extLst>
+              <a:ext uri="{28A0092B-C50C-407E-A947-70E740481C1C}">
+                <a14:useLocalDpi xmlns:a14="http://schemas.microsoft.com/office/drawing/2010/main" val="0"/>
+              </a:ext>
+            </a:extLst>
+          </a:blip>
+          <a:srcRect l="8333" r="-8333"/>
+          <a:stretch/>
+        </p:blipFill>
+        <p:spPr>
+          <a:xfrm>
+            <a:off x="2558705" y="2875543"/>
+            <a:ext cx="9875540" cy="3291846"/>
+          </a:xfrm>
+          <a:prstGeom prst="rect">
+            <a:avLst/>
+          </a:prstGeom>
+        </p:spPr>
+      </p:pic>
+    </p:spTree>
+    <p:extLst>
+      <p:ext uri="{BB962C8B-B14F-4D97-AF65-F5344CB8AC3E}">
+        <p14:creationId xmlns:p14="http://schemas.microsoft.com/office/powerpoint/2010/main" val="1713188834"/>
+      </p:ext>
+    </p:extLst>
+  </p:cSld>
+  <p:clrMapOvr>
+    <a:masterClrMapping/>
+  </p:clrMapOvr>
+</p:sld>
+</file>
+
+<file path=ppt/slides/slide21.xml><?xml version="1.0" encoding="utf-8"?>
+<p:sld xmlns:a="http://schemas.openxmlformats.org/drawingml/2006/main" xmlns:r="http://schemas.openxmlformats.org/officeDocument/2006/relationships" xmlns:p="http://schemas.openxmlformats.org/presentationml/2006/main">
+  <p:cSld>
+    <p:spTree>
+      <p:nvGrpSpPr>
+        <p:cNvPr id="1" name=""/>
+        <p:cNvGrpSpPr/>
+        <p:nvPr/>
+      </p:nvGrpSpPr>
+      <p:grpSpPr>
+        <a:xfrm>
+          <a:off x="0" y="0"/>
+          <a:ext cx="0" cy="0"/>
+          <a:chOff x="0" y="0"/>
+          <a:chExt cx="0" cy="0"/>
+        </a:xfrm>
+      </p:grpSpPr>
+      <p:sp>
+        <p:nvSpPr>
+          <p:cNvPr id="2" name="TextBox 1">
+            <a:extLst>
+              <a:ext uri="{FF2B5EF4-FFF2-40B4-BE49-F238E27FC236}">
+                <a16:creationId xmlns:a16="http://schemas.microsoft.com/office/drawing/2014/main" id="{5D1862C6-A8DA-4306-A593-5F204A9880D3}"/>
+              </a:ext>
+            </a:extLst>
+          </p:cNvPr>
+          <p:cNvSpPr txBox="1"/>
+          <p:nvPr/>
+        </p:nvSpPr>
+        <p:spPr>
+          <a:xfrm>
+            <a:off x="364919" y="289420"/>
+            <a:ext cx="11396445" cy="400110"/>
+          </a:xfrm>
+          <a:prstGeom prst="rect">
+            <a:avLst/>
+          </a:prstGeom>
+          <a:noFill/>
+        </p:spPr>
+        <p:txBody>
+          <a:bodyPr wrap="square" rtlCol="0">
+            <a:spAutoFit/>
+          </a:bodyPr>
+          <a:lstStyle/>
+          <a:p>
+            <a:r>
+              <a:rPr lang="en-US" sz="2000" dirty="0"/>
+              <a:t>Philadelphia Crime Trends vs. Reported COVID Cases</a:t>
+            </a:r>
+          </a:p>
+        </p:txBody>
+      </p:sp>
+      <p:pic>
+        <p:nvPicPr>
+          <p:cNvPr id="3" name="Picture 2">
+            <a:extLst>
+              <a:ext uri="{FF2B5EF4-FFF2-40B4-BE49-F238E27FC236}">
+                <a16:creationId xmlns:a16="http://schemas.microsoft.com/office/drawing/2014/main" id="{E62D15F7-831B-4945-A813-19B5375BF68B}"/>
               </a:ext>
             </a:extLst>
           </p:cNvPr>
@@ -7762,21 +7728,105 @@
           <p:nvPr/>
         </p:nvPicPr>
         <p:blipFill>
-          <a:blip r:embed="rId2">
-            <a:extLst>
-              <a:ext uri="{28A0092B-C50C-407E-A947-70E740481C1C}">
-                <a14:useLocalDpi xmlns:a14="http://schemas.microsoft.com/office/drawing/2010/main" val="0"/>
-              </a:ext>
-            </a:extLst>
-          </a:blip>
+          <a:blip r:embed="rId2"/>
           <a:stretch>
             <a:fillRect/>
           </a:stretch>
         </p:blipFill>
         <p:spPr>
           <a:xfrm>
-            <a:off x="1432551" y="2682372"/>
-            <a:ext cx="9326899" cy="3886208"/>
+            <a:off x="1480561" y="834524"/>
+            <a:ext cx="4081079" cy="3012225"/>
+          </a:xfrm>
+          <a:prstGeom prst="rect">
+            <a:avLst/>
+          </a:prstGeom>
+        </p:spPr>
+      </p:pic>
+      <p:pic>
+        <p:nvPicPr>
+          <p:cNvPr id="4" name="Picture 3">
+            <a:extLst>
+              <a:ext uri="{FF2B5EF4-FFF2-40B4-BE49-F238E27FC236}">
+                <a16:creationId xmlns:a16="http://schemas.microsoft.com/office/drawing/2014/main" id="{2CC155AD-73E0-473F-8B44-EDAB7ADD8EA0}"/>
+              </a:ext>
+            </a:extLst>
+          </p:cNvPr>
+          <p:cNvPicPr>
+            <a:picLocks noChangeAspect="1"/>
+          </p:cNvPicPr>
+          <p:nvPr/>
+        </p:nvPicPr>
+        <p:blipFill>
+          <a:blip r:embed="rId3"/>
+          <a:stretch>
+            <a:fillRect/>
+          </a:stretch>
+        </p:blipFill>
+        <p:spPr>
+          <a:xfrm>
+            <a:off x="1658702" y="4057019"/>
+            <a:ext cx="3724795" cy="2524477"/>
+          </a:xfrm>
+          <a:prstGeom prst="rect">
+            <a:avLst/>
+          </a:prstGeom>
+        </p:spPr>
+      </p:pic>
+      <p:pic>
+        <p:nvPicPr>
+          <p:cNvPr id="6" name="Picture 5">
+            <a:extLst>
+              <a:ext uri="{FF2B5EF4-FFF2-40B4-BE49-F238E27FC236}">
+                <a16:creationId xmlns:a16="http://schemas.microsoft.com/office/drawing/2014/main" id="{3B78D3E3-AC90-4D62-8411-D461E85B16BD}"/>
+              </a:ext>
+            </a:extLst>
+          </p:cNvPr>
+          <p:cNvPicPr>
+            <a:picLocks noChangeAspect="1"/>
+          </p:cNvPicPr>
+          <p:nvPr/>
+        </p:nvPicPr>
+        <p:blipFill>
+          <a:blip r:embed="rId4"/>
+          <a:stretch>
+            <a:fillRect/>
+          </a:stretch>
+        </p:blipFill>
+        <p:spPr>
+          <a:xfrm>
+            <a:off x="5894176" y="810708"/>
+            <a:ext cx="4229690" cy="3000794"/>
+          </a:xfrm>
+          <a:prstGeom prst="rect">
+            <a:avLst/>
+          </a:prstGeom>
+        </p:spPr>
+      </p:pic>
+      <p:pic>
+        <p:nvPicPr>
+          <p:cNvPr id="10" name="Picture 9">
+            <a:extLst>
+              <a:ext uri="{FF2B5EF4-FFF2-40B4-BE49-F238E27FC236}">
+                <a16:creationId xmlns:a16="http://schemas.microsoft.com/office/drawing/2014/main" id="{FEAE660E-59D0-4180-89F3-A0CC754AC75E}"/>
+              </a:ext>
+            </a:extLst>
+          </p:cNvPr>
+          <p:cNvPicPr>
+            <a:picLocks noChangeAspect="1"/>
+          </p:cNvPicPr>
+          <p:nvPr/>
+        </p:nvPicPr>
+        <p:blipFill>
+          <a:blip r:embed="rId5"/>
+          <a:stretch>
+            <a:fillRect/>
+          </a:stretch>
+        </p:blipFill>
+        <p:spPr>
+          <a:xfrm>
+            <a:off x="6108518" y="4057020"/>
+            <a:ext cx="3686975" cy="2494946"/>
           </a:xfrm>
           <a:prstGeom prst="rect">
             <a:avLst/>
@@ -7786,7 +7836,7 @@
     </p:spTree>
     <p:extLst>
       <p:ext uri="{BB962C8B-B14F-4D97-AF65-F5344CB8AC3E}">
-        <p14:creationId xmlns:p14="http://schemas.microsoft.com/office/powerpoint/2010/main" val="1102155468"/>
+        <p14:creationId xmlns:p14="http://schemas.microsoft.com/office/powerpoint/2010/main" val="2534515753"/>
       </p:ext>
     </p:extLst>
   </p:cSld>
@@ -8391,7 +8441,7 @@
         <p:spPr>
           <a:xfrm>
             <a:off x="364919" y="906011"/>
-            <a:ext cx="2636899" cy="5262979"/>
+            <a:ext cx="2835481" cy="4770537"/>
           </a:xfrm>
           <a:prstGeom prst="rect">
             <a:avLst/>
@@ -8500,7 +8550,7 @@
         </p:blipFill>
         <p:spPr>
           <a:xfrm>
-            <a:off x="3415356" y="1014298"/>
+            <a:off x="3523644" y="954138"/>
             <a:ext cx="8229617" cy="5486411"/>
           </a:xfrm>
           <a:prstGeom prst="rect">
@@ -8824,7 +8874,7 @@
         <p:spPr>
           <a:xfrm>
             <a:off x="503339" y="906011"/>
-            <a:ext cx="5592661" cy="2062103"/>
+            <a:ext cx="5592661" cy="2554545"/>
           </a:xfrm>
           <a:prstGeom prst="rect">
             <a:avLst/>
@@ -8847,13 +8897,23 @@
             </a:r>
           </a:p>
           <a:p>
+            <a:pPr marL="628650" lvl="1" indent="-171450">
+              <a:buFontTx/>
+              <a:buChar char="-"/>
+            </a:pPr>
+            <a:r>
+              <a:rPr lang="en-US" sz="1600" dirty="0"/>
+              <a:t>Other sample cities violent crime rates ranged between 12% and 26%</a:t>
+            </a:r>
+          </a:p>
+          <a:p>
             <a:pPr marL="171450" indent="-171450">
               <a:buFontTx/>
               <a:buChar char="-"/>
             </a:pPr>
             <a:r>
               <a:rPr lang="en-US" sz="1600" dirty="0"/>
-              <a:t>Violent crimes represent f of the top 10 reported crimes</a:t>
+              <a:t>Violent crimes represent four of the top 10 reported crimes</a:t>
             </a:r>
           </a:p>
           <a:p>
@@ -8895,7 +8955,7 @@
         </p:blipFill>
         <p:spPr>
           <a:xfrm>
-            <a:off x="2979806" y="3566139"/>
+            <a:off x="1432551" y="3566139"/>
             <a:ext cx="9326899" cy="3108966"/>
           </a:xfrm>
           <a:prstGeom prst="rect">
@@ -8925,8 +8985,8 @@
         </p:blipFill>
         <p:spPr>
           <a:xfrm>
-            <a:off x="6526304" y="489475"/>
-            <a:ext cx="4991797" cy="2924583"/>
+            <a:off x="6562400" y="826368"/>
+            <a:ext cx="4492617" cy="2632125"/>
           </a:xfrm>
           <a:prstGeom prst="rect">
             <a:avLst/>
